--- a/spring13/slides13/simple-k-connect.pptx
+++ b/spring13/slides13/simple-k-connect.pptx
@@ -5,10 +5,10 @@
     <p:sldMasterId id="2147483650" r:id="rId1"/>
   </p:sldMasterIdLst>
   <p:notesMasterIdLst>
-    <p:notesMasterId r:id="rId21"/>
+    <p:notesMasterId r:id="rId24"/>
   </p:notesMasterIdLst>
   <p:handoutMasterIdLst>
-    <p:handoutMasterId r:id="rId22"/>
+    <p:handoutMasterId r:id="rId25"/>
   </p:handoutMasterIdLst>
   <p:sldIdLst>
     <p:sldId id="990" r:id="rId2"/>
@@ -16,25 +16,28 @@
     <p:sldId id="975" r:id="rId4"/>
     <p:sldId id="992" r:id="rId5"/>
     <p:sldId id="972" r:id="rId6"/>
-    <p:sldId id="993" r:id="rId7"/>
-    <p:sldId id="973" r:id="rId8"/>
-    <p:sldId id="994" r:id="rId9"/>
-    <p:sldId id="965" r:id="rId10"/>
-    <p:sldId id="984" r:id="rId11"/>
-    <p:sldId id="970" r:id="rId12"/>
-    <p:sldId id="1000" r:id="rId13"/>
-    <p:sldId id="996" r:id="rId14"/>
-    <p:sldId id="997" r:id="rId15"/>
-    <p:sldId id="995" r:id="rId16"/>
-    <p:sldId id="998" r:id="rId17"/>
-    <p:sldId id="999" r:id="rId18"/>
-    <p:sldId id="991" r:id="rId19"/>
-    <p:sldId id="980" r:id="rId20"/>
+    <p:sldId id="1001" r:id="rId7"/>
+    <p:sldId id="993" r:id="rId8"/>
+    <p:sldId id="973" r:id="rId9"/>
+    <p:sldId id="994" r:id="rId10"/>
+    <p:sldId id="965" r:id="rId11"/>
+    <p:sldId id="984" r:id="rId12"/>
+    <p:sldId id="970" r:id="rId13"/>
+    <p:sldId id="1000" r:id="rId14"/>
+    <p:sldId id="996" r:id="rId15"/>
+    <p:sldId id="997" r:id="rId16"/>
+    <p:sldId id="995" r:id="rId17"/>
+    <p:sldId id="998" r:id="rId18"/>
+    <p:sldId id="999" r:id="rId19"/>
+    <p:sldId id="991" r:id="rId20"/>
+    <p:sldId id="980" r:id="rId21"/>
+    <p:sldId id="1002" r:id="rId22"/>
+    <p:sldId id="1003" r:id="rId23"/>
   </p:sldIdLst>
   <p:sldSz cx="9144000" cy="6858000" type="screen4x3"/>
   <p:notesSz cx="9601200" cy="7315200"/>
   <p:custDataLst>
-    <p:tags r:id="rId24"/>
+    <p:tags r:id="rId27"/>
   </p:custDataLst>
   <p:defaultTextStyle>
     <a:defPPr>
@@ -947,29 +950,41 @@
       </p:grpSpPr>
       <p:sp>
         <p:nvSpPr>
-          <p:cNvPr id="28674" name="Rectangle 7"/>
-          <p:cNvSpPr>
+          <p:cNvPr id="34818" name="Rectangle 7"/>
+          <p:cNvSpPr txBox="1">
             <a:spLocks noGrp="1" noChangeArrowheads="1"/>
           </p:cNvSpPr>
-          <p:nvPr>
-            <p:ph type="sldNum" sz="quarter" idx="5"/>
-          </p:nvPr>
-        </p:nvSpPr>
-        <p:spPr>
+          <p:nvPr/>
+        </p:nvSpPr>
+        <p:spPr bwMode="auto">
+          <a:xfrm>
+            <a:off x="5440266" y="6949925"/>
+            <a:ext cx="4160936" cy="365276"/>
+          </a:xfrm>
+          <a:prstGeom prst="rect">
+            <a:avLst/>
+          </a:prstGeom>
           <a:noFill/>
-        </p:spPr>
-        <p:txBody>
-          <a:bodyPr/>
+          <a:ln w="9525">
+            <a:noFill/>
+            <a:miter lim="800000"/>
+            <a:headEnd/>
+            <a:tailEnd/>
+          </a:ln>
+        </p:spPr>
+        <p:txBody>
+          <a:bodyPr lIns="96643" tIns="48321" rIns="96643" bIns="48321" anchor="b"/>
           <a:lstStyle/>
           <a:p>
-            <a:fld id="{85F5844E-D5E4-47F6-A744-2E5515C4691E}" type="slidenum">
-              <a:rPr lang="en-US" smtClean="0">
+            <a:pPr algn="r" defTabSz="966678"/>
+            <a:fld id="{9F7EE28A-E421-455B-8563-E026B6DF9A09}" type="slidenum">
+              <a:rPr lang="en-US" sz="1300">
                 <a:latin typeface="Times New Roman" pitchFamily="8" charset="0"/>
               </a:rPr>
-              <a:pPr/>
-              <a:t>11</a:t>
+              <a:pPr algn="r" defTabSz="966678"/>
+              <a:t>10</a:t>
             </a:fld>
-            <a:endParaRPr lang="en-US" smtClean="0">
+            <a:endParaRPr lang="en-US" sz="1300" dirty="0">
               <a:latin typeface="Times New Roman" pitchFamily="8" charset="0"/>
             </a:endParaRPr>
           </a:p>
@@ -977,7 +992,7 @@
       </p:sp>
       <p:sp>
         <p:nvSpPr>
-          <p:cNvPr id="28675" name="Rectangle 2"/>
+          <p:cNvPr id="34819" name="Rectangle 2"/>
           <p:cNvSpPr>
             <a:spLocks noGrp="1" noRot="1" noChangeAspect="1" noChangeArrowheads="1" noTextEdit="1"/>
           </p:cNvSpPr>
@@ -990,12 +1005,15 @@
             <a:off x="2974975" y="549275"/>
             <a:ext cx="3657600" cy="2743200"/>
           </a:xfrm>
+          <a:solidFill>
+            <a:srgbClr val="FFFFFF"/>
+          </a:solidFill>
           <a:ln/>
         </p:spPr>
       </p:sp>
       <p:sp>
         <p:nvSpPr>
-          <p:cNvPr id="28676" name="Rectangle 3"/>
+          <p:cNvPr id="34820" name="Rectangle 3"/>
           <p:cNvSpPr>
             <a:spLocks noGrp="1" noChangeArrowheads="1"/>
           </p:cNvSpPr>
@@ -1004,8 +1022,14 @@
           </p:nvPr>
         </p:nvSpPr>
         <p:spPr>
-          <a:noFill/>
-          <a:ln/>
+          <a:solidFill>
+            <a:srgbClr val="FFFFFF"/>
+          </a:solidFill>
+          <a:ln>
+            <a:solidFill>
+              <a:srgbClr val="000000"/>
+            </a:solidFill>
+          </a:ln>
         </p:spPr>
         <p:txBody>
           <a:bodyPr/>
@@ -1633,7 +1657,7 @@
       </p:grpSpPr>
       <p:sp>
         <p:nvSpPr>
-          <p:cNvPr id="35842" name="Rectangle 7"/>
+          <p:cNvPr id="28674" name="Rectangle 7"/>
           <p:cNvSpPr>
             <a:spLocks noGrp="1" noChangeArrowheads="1"/>
           </p:cNvSpPr>
@@ -1648,12 +1672,208 @@
           <a:bodyPr/>
           <a:lstStyle/>
           <a:p>
+            <a:fld id="{85F5844E-D5E4-47F6-A744-2E5515C4691E}" type="slidenum">
+              <a:rPr lang="en-US" smtClean="0">
+                <a:latin typeface="Times New Roman" pitchFamily="8" charset="0"/>
+              </a:rPr>
+              <a:pPr/>
+              <a:t>18</a:t>
+            </a:fld>
+            <a:endParaRPr lang="en-US" smtClean="0">
+              <a:latin typeface="Times New Roman" pitchFamily="8" charset="0"/>
+            </a:endParaRPr>
+          </a:p>
+        </p:txBody>
+      </p:sp>
+      <p:sp>
+        <p:nvSpPr>
+          <p:cNvPr id="28675" name="Rectangle 2"/>
+          <p:cNvSpPr>
+            <a:spLocks noGrp="1" noRot="1" noChangeAspect="1" noChangeArrowheads="1" noTextEdit="1"/>
+          </p:cNvSpPr>
+          <p:nvPr>
+            <p:ph type="sldImg"/>
+          </p:nvPr>
+        </p:nvSpPr>
+        <p:spPr>
+          <a:xfrm>
+            <a:off x="2974975" y="549275"/>
+            <a:ext cx="3657600" cy="2743200"/>
+          </a:xfrm>
+          <a:ln/>
+        </p:spPr>
+      </p:sp>
+      <p:sp>
+        <p:nvSpPr>
+          <p:cNvPr id="28676" name="Rectangle 3"/>
+          <p:cNvSpPr>
+            <a:spLocks noGrp="1" noChangeArrowheads="1"/>
+          </p:cNvSpPr>
+          <p:nvPr>
+            <p:ph type="body" idx="1"/>
+          </p:nvPr>
+        </p:nvSpPr>
+        <p:spPr>
+          <a:noFill/>
+          <a:ln/>
+        </p:spPr>
+        <p:txBody>
+          <a:bodyPr/>
+          <a:lstStyle/>
+          <a:p>
+            <a:pPr eaLnBrk="1" hangingPunct="1"/>
+            <a:endParaRPr lang="en-US" smtClean="0">
+              <a:latin typeface="Times New Roman" pitchFamily="8" charset="0"/>
+            </a:endParaRPr>
+          </a:p>
+        </p:txBody>
+      </p:sp>
+    </p:spTree>
+  </p:cSld>
+  <p:clrMapOvr>
+    <a:masterClrMapping/>
+  </p:clrMapOvr>
+</p:notes>
+</file>
+
+<file path=ppt/notesSlides/notesSlide18.xml><?xml version="1.0" encoding="utf-8"?>
+<p:notes xmlns:a="http://schemas.openxmlformats.org/drawingml/2006/main" xmlns:r="http://schemas.openxmlformats.org/officeDocument/2006/relationships" xmlns:p="http://schemas.openxmlformats.org/presentationml/2006/main">
+  <p:cSld>
+    <p:spTree>
+      <p:nvGrpSpPr>
+        <p:cNvPr id="1" name=""/>
+        <p:cNvGrpSpPr/>
+        <p:nvPr/>
+      </p:nvGrpSpPr>
+      <p:grpSpPr>
+        <a:xfrm>
+          <a:off x="0" y="0"/>
+          <a:ext cx="0" cy="0"/>
+          <a:chOff x="0" y="0"/>
+          <a:chExt cx="0" cy="0"/>
+        </a:xfrm>
+      </p:grpSpPr>
+      <p:sp>
+        <p:nvSpPr>
+          <p:cNvPr id="35842" name="Rectangle 7"/>
+          <p:cNvSpPr>
+            <a:spLocks noGrp="1" noChangeArrowheads="1"/>
+          </p:cNvSpPr>
+          <p:nvPr>
+            <p:ph type="sldNum" sz="quarter" idx="5"/>
+          </p:nvPr>
+        </p:nvSpPr>
+        <p:spPr>
+          <a:noFill/>
+        </p:spPr>
+        <p:txBody>
+          <a:bodyPr/>
+          <a:lstStyle/>
+          <a:p>
             <a:fld id="{37ECF619-DC5D-4598-B0E9-D0DECFF1B600}" type="slidenum">
               <a:rPr lang="en-US" smtClean="0">
                 <a:latin typeface="Times New Roman" pitchFamily="8" charset="0"/>
               </a:rPr>
               <a:pPr/>
-              <a:t>19</a:t>
+              <a:t>20</a:t>
+            </a:fld>
+            <a:endParaRPr lang="en-US" smtClean="0">
+              <a:latin typeface="Times New Roman" pitchFamily="8" charset="0"/>
+            </a:endParaRPr>
+          </a:p>
+        </p:txBody>
+      </p:sp>
+      <p:sp>
+        <p:nvSpPr>
+          <p:cNvPr id="35843" name="Rectangle 2"/>
+          <p:cNvSpPr>
+            <a:spLocks noGrp="1" noRot="1" noChangeAspect="1" noChangeArrowheads="1" noTextEdit="1"/>
+          </p:cNvSpPr>
+          <p:nvPr>
+            <p:ph type="sldImg"/>
+          </p:nvPr>
+        </p:nvSpPr>
+        <p:spPr>
+          <a:xfrm>
+            <a:off x="2974975" y="549275"/>
+            <a:ext cx="3657600" cy="2743200"/>
+          </a:xfrm>
+          <a:ln/>
+        </p:spPr>
+      </p:sp>
+      <p:sp>
+        <p:nvSpPr>
+          <p:cNvPr id="35844" name="Rectangle 3"/>
+          <p:cNvSpPr>
+            <a:spLocks noGrp="1" noChangeArrowheads="1"/>
+          </p:cNvSpPr>
+          <p:nvPr>
+            <p:ph type="body" idx="1"/>
+          </p:nvPr>
+        </p:nvSpPr>
+        <p:spPr>
+          <a:noFill/>
+          <a:ln/>
+        </p:spPr>
+        <p:txBody>
+          <a:bodyPr/>
+          <a:lstStyle/>
+          <a:p>
+            <a:pPr eaLnBrk="1" hangingPunct="1"/>
+            <a:endParaRPr lang="en-US" smtClean="0">
+              <a:latin typeface="Times New Roman" pitchFamily="8" charset="0"/>
+            </a:endParaRPr>
+          </a:p>
+        </p:txBody>
+      </p:sp>
+    </p:spTree>
+  </p:cSld>
+  <p:clrMapOvr>
+    <a:masterClrMapping/>
+  </p:clrMapOvr>
+</p:notes>
+</file>
+
+<file path=ppt/notesSlides/notesSlide19.xml><?xml version="1.0" encoding="utf-8"?>
+<p:notes xmlns:a="http://schemas.openxmlformats.org/drawingml/2006/main" xmlns:r="http://schemas.openxmlformats.org/officeDocument/2006/relationships" xmlns:p="http://schemas.openxmlformats.org/presentationml/2006/main">
+  <p:cSld>
+    <p:spTree>
+      <p:nvGrpSpPr>
+        <p:cNvPr id="1" name=""/>
+        <p:cNvGrpSpPr/>
+        <p:nvPr/>
+      </p:nvGrpSpPr>
+      <p:grpSpPr>
+        <a:xfrm>
+          <a:off x="0" y="0"/>
+          <a:ext cx="0" cy="0"/>
+          <a:chOff x="0" y="0"/>
+          <a:chExt cx="0" cy="0"/>
+        </a:xfrm>
+      </p:grpSpPr>
+      <p:sp>
+        <p:nvSpPr>
+          <p:cNvPr id="35842" name="Rectangle 7"/>
+          <p:cNvSpPr>
+            <a:spLocks noGrp="1" noChangeArrowheads="1"/>
+          </p:cNvSpPr>
+          <p:nvPr>
+            <p:ph type="sldNum" sz="quarter" idx="5"/>
+          </p:nvPr>
+        </p:nvSpPr>
+        <p:spPr>
+          <a:noFill/>
+        </p:spPr>
+        <p:txBody>
+          <a:bodyPr/>
+          <a:lstStyle/>
+          <a:p>
+            <a:fld id="{37ECF619-DC5D-4598-B0E9-D0DECFF1B600}" type="slidenum">
+              <a:rPr lang="en-US" smtClean="0">
+                <a:latin typeface="Times New Roman" pitchFamily="8" charset="0"/>
+              </a:rPr>
+              <a:pPr/>
+              <a:t>21</a:t>
             </a:fld>
             <a:endParaRPr lang="en-US" smtClean="0">
               <a:latin typeface="Times New Roman" pitchFamily="8" charset="0"/>
@@ -1810,6 +2030,104 @@
 </p:notes>
 </file>
 
+<file path=ppt/notesSlides/notesSlide20.xml><?xml version="1.0" encoding="utf-8"?>
+<p:notes xmlns:a="http://schemas.openxmlformats.org/drawingml/2006/main" xmlns:r="http://schemas.openxmlformats.org/officeDocument/2006/relationships" xmlns:p="http://schemas.openxmlformats.org/presentationml/2006/main">
+  <p:cSld>
+    <p:spTree>
+      <p:nvGrpSpPr>
+        <p:cNvPr id="1" name=""/>
+        <p:cNvGrpSpPr/>
+        <p:nvPr/>
+      </p:nvGrpSpPr>
+      <p:grpSpPr>
+        <a:xfrm>
+          <a:off x="0" y="0"/>
+          <a:ext cx="0" cy="0"/>
+          <a:chOff x="0" y="0"/>
+          <a:chExt cx="0" cy="0"/>
+        </a:xfrm>
+      </p:grpSpPr>
+      <p:sp>
+        <p:nvSpPr>
+          <p:cNvPr id="35842" name="Rectangle 7"/>
+          <p:cNvSpPr>
+            <a:spLocks noGrp="1" noChangeArrowheads="1"/>
+          </p:cNvSpPr>
+          <p:nvPr>
+            <p:ph type="sldNum" sz="quarter" idx="5"/>
+          </p:nvPr>
+        </p:nvSpPr>
+        <p:spPr>
+          <a:noFill/>
+        </p:spPr>
+        <p:txBody>
+          <a:bodyPr/>
+          <a:lstStyle/>
+          <a:p>
+            <a:fld id="{37ECF619-DC5D-4598-B0E9-D0DECFF1B600}" type="slidenum">
+              <a:rPr lang="en-US" smtClean="0">
+                <a:latin typeface="Times New Roman" pitchFamily="8" charset="0"/>
+              </a:rPr>
+              <a:pPr/>
+              <a:t>22</a:t>
+            </a:fld>
+            <a:endParaRPr lang="en-US" smtClean="0">
+              <a:latin typeface="Times New Roman" pitchFamily="8" charset="0"/>
+            </a:endParaRPr>
+          </a:p>
+        </p:txBody>
+      </p:sp>
+      <p:sp>
+        <p:nvSpPr>
+          <p:cNvPr id="35843" name="Rectangle 2"/>
+          <p:cNvSpPr>
+            <a:spLocks noGrp="1" noRot="1" noChangeAspect="1" noChangeArrowheads="1" noTextEdit="1"/>
+          </p:cNvSpPr>
+          <p:nvPr>
+            <p:ph type="sldImg"/>
+          </p:nvPr>
+        </p:nvSpPr>
+        <p:spPr>
+          <a:xfrm>
+            <a:off x="2974975" y="549275"/>
+            <a:ext cx="3657600" cy="2743200"/>
+          </a:xfrm>
+          <a:ln/>
+        </p:spPr>
+      </p:sp>
+      <p:sp>
+        <p:nvSpPr>
+          <p:cNvPr id="35844" name="Rectangle 3"/>
+          <p:cNvSpPr>
+            <a:spLocks noGrp="1" noChangeArrowheads="1"/>
+          </p:cNvSpPr>
+          <p:nvPr>
+            <p:ph type="body" idx="1"/>
+          </p:nvPr>
+        </p:nvSpPr>
+        <p:spPr>
+          <a:noFill/>
+          <a:ln/>
+        </p:spPr>
+        <p:txBody>
+          <a:bodyPr/>
+          <a:lstStyle/>
+          <a:p>
+            <a:pPr eaLnBrk="1" hangingPunct="1"/>
+            <a:endParaRPr lang="en-US" smtClean="0">
+              <a:latin typeface="Times New Roman" pitchFamily="8" charset="0"/>
+            </a:endParaRPr>
+          </a:p>
+        </p:txBody>
+      </p:sp>
+    </p:spTree>
+  </p:cSld>
+  <p:clrMapOvr>
+    <a:masterClrMapping/>
+  </p:clrMapOvr>
+</p:notes>
+</file>
+
 <file path=ppt/notesSlides/notesSlide3.xml><?xml version="1.0" encoding="utf-8"?>
 <p:notes xmlns:a="http://schemas.openxmlformats.org/drawingml/2006/main" xmlns:r="http://schemas.openxmlformats.org/officeDocument/2006/relationships" xmlns:p="http://schemas.openxmlformats.org/presentationml/2006/main">
   <p:cSld>
@@ -2417,41 +2735,29 @@
       </p:grpSpPr>
       <p:sp>
         <p:nvSpPr>
-          <p:cNvPr id="34818" name="Rectangle 7"/>
-          <p:cNvSpPr txBox="1">
+          <p:cNvPr id="28674" name="Rectangle 7"/>
+          <p:cNvSpPr>
             <a:spLocks noGrp="1" noChangeArrowheads="1"/>
           </p:cNvSpPr>
-          <p:nvPr/>
-        </p:nvSpPr>
-        <p:spPr bwMode="auto">
-          <a:xfrm>
-            <a:off x="5440266" y="6949925"/>
-            <a:ext cx="4160936" cy="365276"/>
-          </a:xfrm>
-          <a:prstGeom prst="rect">
-            <a:avLst/>
-          </a:prstGeom>
+          <p:nvPr>
+            <p:ph type="sldNum" sz="quarter" idx="5"/>
+          </p:nvPr>
+        </p:nvSpPr>
+        <p:spPr>
           <a:noFill/>
-          <a:ln w="9525">
-            <a:noFill/>
-            <a:miter lim="800000"/>
-            <a:headEnd/>
-            <a:tailEnd/>
-          </a:ln>
-        </p:spPr>
-        <p:txBody>
-          <a:bodyPr lIns="96643" tIns="48321" rIns="96643" bIns="48321" anchor="b"/>
+        </p:spPr>
+        <p:txBody>
+          <a:bodyPr/>
           <a:lstStyle/>
           <a:p>
-            <a:pPr algn="r" defTabSz="966678"/>
-            <a:fld id="{9F7EE28A-E421-455B-8563-E026B6DF9A09}" type="slidenum">
-              <a:rPr lang="en-US" sz="1300">
+            <a:fld id="{85F5844E-D5E4-47F6-A744-2E5515C4691E}" type="slidenum">
+              <a:rPr lang="en-US" smtClean="0">
                 <a:latin typeface="Times New Roman" pitchFamily="8" charset="0"/>
               </a:rPr>
-              <a:pPr algn="r" defTabSz="966678"/>
+              <a:pPr/>
               <a:t>9</a:t>
             </a:fld>
-            <a:endParaRPr lang="en-US" sz="1300" dirty="0">
+            <a:endParaRPr lang="en-US" smtClean="0">
               <a:latin typeface="Times New Roman" pitchFamily="8" charset="0"/>
             </a:endParaRPr>
           </a:p>
@@ -2459,7 +2765,7 @@
       </p:sp>
       <p:sp>
         <p:nvSpPr>
-          <p:cNvPr id="34819" name="Rectangle 2"/>
+          <p:cNvPr id="28675" name="Rectangle 2"/>
           <p:cNvSpPr>
             <a:spLocks noGrp="1" noRot="1" noChangeAspect="1" noChangeArrowheads="1" noTextEdit="1"/>
           </p:cNvSpPr>
@@ -2472,15 +2778,12 @@
             <a:off x="2974975" y="549275"/>
             <a:ext cx="3657600" cy="2743200"/>
           </a:xfrm>
-          <a:solidFill>
-            <a:srgbClr val="FFFFFF"/>
-          </a:solidFill>
           <a:ln/>
         </p:spPr>
       </p:sp>
       <p:sp>
         <p:nvSpPr>
-          <p:cNvPr id="34820" name="Rectangle 3"/>
+          <p:cNvPr id="28676" name="Rectangle 3"/>
           <p:cNvSpPr>
             <a:spLocks noGrp="1" noChangeArrowheads="1"/>
           </p:cNvSpPr>
@@ -2489,14 +2792,8 @@
           </p:nvPr>
         </p:nvSpPr>
         <p:spPr>
-          <a:solidFill>
-            <a:srgbClr val="FFFFFF"/>
-          </a:solidFill>
-          <a:ln>
-            <a:solidFill>
-              <a:srgbClr val="000000"/>
-            </a:solidFill>
-          </a:ln>
+          <a:noFill/>
+          <a:ln/>
         </p:spPr>
         <p:txBody>
           <a:bodyPr/>
@@ -4359,6 +4656,242 @@
       </p:grpSpPr>
       <p:sp>
         <p:nvSpPr>
+          <p:cNvPr id="23554" name="Rectangle 2"/>
+          <p:cNvSpPr>
+            <a:spLocks noGrp="1" noChangeArrowheads="1"/>
+          </p:cNvSpPr>
+          <p:nvPr>
+            <p:ph type="title" idx="4294967295"/>
+          </p:nvPr>
+        </p:nvSpPr>
+        <p:spPr>
+          <a:xfrm>
+            <a:off x="2244297" y="-1"/>
+            <a:ext cx="6146667" cy="1194100"/>
+          </a:xfrm>
+        </p:spPr>
+        <p:txBody>
+          <a:bodyPr/>
+          <a:lstStyle/>
+          <a:p>
+            <a:pPr eaLnBrk="1" hangingPunct="1"/>
+            <a:r>
+              <a:rPr lang="en-US" sz="4000" dirty="0" smtClean="0">
+                <a:solidFill>
+                  <a:srgbClr val="0000FF"/>
+                </a:solidFill>
+              </a:rPr>
+              <a:t>k</a:t>
+            </a:r>
+            <a:r>
+              <a:rPr lang="en-US" sz="4000" dirty="0" smtClean="0">
+                <a:solidFill>
+                  <a:schemeClr val="tx1"/>
+                </a:solidFill>
+              </a:rPr>
+              <a:t>-edge</a:t>
+            </a:r>
+            <a:r>
+              <a:rPr lang="en-US" sz="4000" dirty="0" smtClean="0">
+                <a:solidFill>
+                  <a:srgbClr val="0033CC"/>
+                </a:solidFill>
+              </a:rPr>
+              <a:t> </a:t>
+            </a:r>
+            <a:r>
+              <a:rPr lang="en-US" sz="4000" dirty="0" smtClean="0"/>
+              <a:t>Connectedness</a:t>
+            </a:r>
+          </a:p>
+        </p:txBody>
+      </p:sp>
+      <p:sp>
+        <p:nvSpPr>
+          <p:cNvPr id="23555" name="Rectangle 3"/>
+          <p:cNvSpPr>
+            <a:spLocks noGrp="1" noChangeArrowheads="1"/>
+          </p:cNvSpPr>
+          <p:nvPr>
+            <p:ph type="body" idx="4294967295"/>
+          </p:nvPr>
+        </p:nvSpPr>
+        <p:spPr>
+          <a:xfrm>
+            <a:off x="221385" y="1354940"/>
+            <a:ext cx="8777430" cy="4017797"/>
+          </a:xfrm>
+        </p:spPr>
+        <p:txBody>
+          <a:bodyPr/>
+          <a:lstStyle/>
+          <a:p>
+            <a:pPr eaLnBrk="1" hangingPunct="1">
+              <a:lnSpc>
+                <a:spcPct val="90000"/>
+              </a:lnSpc>
+            </a:pPr>
+            <a:r>
+              <a:rPr lang="en-US" sz="4800" dirty="0" smtClean="0"/>
+              <a:t>Def:</a:t>
+            </a:r>
+            <a:r>
+              <a:rPr lang="en-US" sz="5400" dirty="0" smtClean="0"/>
+              <a:t> A </a:t>
+            </a:r>
+            <a:r>
+              <a:rPr lang="en-US" sz="6000" dirty="0" smtClean="0">
+                <a:solidFill>
+                  <a:srgbClr val="0000FF"/>
+                </a:solidFill>
+              </a:rPr>
+              <a:t>graph</a:t>
+            </a:r>
+            <a:r>
+              <a:rPr lang="en-US" sz="6000" dirty="0" smtClean="0"/>
+              <a:t> is</a:t>
+            </a:r>
+            <a:endParaRPr lang="en-US" sz="6000" dirty="0">
+              <a:solidFill>
+                <a:srgbClr val="0033CC"/>
+              </a:solidFill>
+            </a:endParaRPr>
+          </a:p>
+          <a:p>
+            <a:pPr algn="ctr" eaLnBrk="1" hangingPunct="1">
+              <a:lnSpc>
+                <a:spcPct val="90000"/>
+              </a:lnSpc>
+            </a:pPr>
+            <a:r>
+              <a:rPr lang="en-US" sz="6000" dirty="0" smtClean="0">
+                <a:solidFill>
+                  <a:srgbClr val="0033CC"/>
+                </a:solidFill>
+              </a:rPr>
+              <a:t>k</a:t>
+            </a:r>
+            <a:r>
+              <a:rPr lang="en-US" sz="6000" dirty="0" smtClean="0">
+                <a:solidFill>
+                  <a:srgbClr val="930093"/>
+                </a:solidFill>
+              </a:rPr>
+              <a:t>-edge connected </a:t>
+            </a:r>
+          </a:p>
+          <a:p>
+            <a:pPr eaLnBrk="1" hangingPunct="1">
+              <a:lnSpc>
+                <a:spcPct val="90000"/>
+              </a:lnSpc>
+            </a:pPr>
+            <a:r>
+              <a:rPr lang="en-US" sz="6000" dirty="0" err="1" smtClean="0"/>
+              <a:t>iff</a:t>
+            </a:r>
+            <a:r>
+              <a:rPr lang="en-US" sz="6000" dirty="0" smtClean="0"/>
+              <a:t> every two vertices </a:t>
+            </a:r>
+          </a:p>
+          <a:p>
+            <a:pPr eaLnBrk="1" hangingPunct="1">
+              <a:lnSpc>
+                <a:spcPct val="90000"/>
+              </a:lnSpc>
+            </a:pPr>
+            <a:r>
+              <a:rPr lang="en-US" sz="6000" dirty="0" smtClean="0"/>
+              <a:t>are </a:t>
+            </a:r>
+            <a:r>
+              <a:rPr lang="en-US" sz="6000" dirty="0" smtClean="0">
+                <a:solidFill>
+                  <a:schemeClr val="accent1">
+                    <a:lumMod val="50000"/>
+                  </a:schemeClr>
+                </a:solidFill>
+              </a:rPr>
+              <a:t>k</a:t>
+            </a:r>
+            <a:r>
+              <a:rPr lang="en-US" sz="6000" dirty="0" smtClean="0"/>
+              <a:t>-edge connected.</a:t>
+            </a:r>
+          </a:p>
+        </p:txBody>
+      </p:sp>
+      <p:sp>
+        <p:nvSpPr>
+          <p:cNvPr id="5" name="Slide Number Placeholder 3"/>
+          <p:cNvSpPr>
+            <a:spLocks noGrp="1"/>
+          </p:cNvSpPr>
+          <p:nvPr>
+            <p:ph type="sldNum" sz="quarter" idx="10"/>
+          </p:nvPr>
+        </p:nvSpPr>
+        <p:spPr/>
+        <p:txBody>
+          <a:bodyPr/>
+          <a:lstStyle/>
+          <a:p>
+            <a:pPr>
+              <a:defRPr/>
+            </a:pPr>
+            <a:r>
+              <a:rPr lang="en-US" dirty="0" smtClean="0"/>
+              <a:t>k-connect.</a:t>
+            </a:r>
+            <a:fld id="{C61CA234-7FC4-4D7E-8CCC-AC6F555EE6FA}" type="slidenum">
+              <a:rPr lang="en-US" smtClean="0"/>
+              <a:pPr>
+                <a:defRPr/>
+              </a:pPr>
+              <a:t>10</a:t>
+            </a:fld>
+            <a:endParaRPr lang="en-US" dirty="0"/>
+          </a:p>
+        </p:txBody>
+      </p:sp>
+    </p:spTree>
+  </p:cSld>
+  <p:clrMapOvr>
+    <a:masterClrMapping/>
+  </p:clrMapOvr>
+  <p:transition xmlns:p14="http://schemas.microsoft.com/office/powerpoint/2010/main" spd="med">
+    <p:fade thruBlk="1"/>
+  </p:transition>
+  <p:timing>
+    <p:tnLst>
+      <p:par>
+        <p:cTn xmlns:p14="http://schemas.microsoft.com/office/powerpoint/2010/main" id="1" dur="indefinite" restart="never" nodeType="tmRoot"/>
+      </p:par>
+    </p:tnLst>
+  </p:timing>
+</p:sld>
+</file>
+
+<file path=ppt/slides/slide11.xml><?xml version="1.0" encoding="utf-8"?>
+<p:sld xmlns:a="http://schemas.openxmlformats.org/drawingml/2006/main" xmlns:r="http://schemas.openxmlformats.org/officeDocument/2006/relationships" xmlns:p="http://schemas.openxmlformats.org/presentationml/2006/main">
+  <p:cSld>
+    <p:spTree>
+      <p:nvGrpSpPr>
+        <p:cNvPr id="1" name=""/>
+        <p:cNvGrpSpPr/>
+        <p:nvPr/>
+      </p:nvGrpSpPr>
+      <p:grpSpPr>
+        <a:xfrm>
+          <a:off x="0" y="0"/>
+          <a:ext cx="0" cy="0"/>
+          <a:chOff x="0" y="0"/>
+          <a:chExt cx="0" cy="0"/>
+        </a:xfrm>
+      </p:grpSpPr>
+      <p:sp>
+        <p:nvSpPr>
           <p:cNvPr id="4" name="Slide Number Placeholder 3"/>
           <p:cNvSpPr>
             <a:spLocks noGrp="1"/>
@@ -4384,7 +4917,7 @@
               <a:pPr>
                 <a:defRPr/>
               </a:pPr>
-              <a:t>10</a:t>
+              <a:t>11</a:t>
             </a:fld>
             <a:endParaRPr lang="en-US" dirty="0"/>
           </a:p>
@@ -4541,7 +5074,7 @@
 </p:sld>
 </file>
 
-<file path=ppt/slides/slide11.xml><?xml version="1.0" encoding="utf-8"?>
+<file path=ppt/slides/slide12.xml><?xml version="1.0" encoding="utf-8"?>
 <p:sld xmlns:a="http://schemas.openxmlformats.org/drawingml/2006/main" xmlns:r="http://schemas.openxmlformats.org/officeDocument/2006/relationships" xmlns:p="http://schemas.openxmlformats.org/presentationml/2006/main">
   <p:cSld>
     <p:spTree>
@@ -5348,7 +5881,7 @@
               <a:pPr>
                 <a:defRPr/>
               </a:pPr>
-              <a:t>11</a:t>
+              <a:t>12</a:t>
             </a:fld>
             <a:endParaRPr lang="en-US" dirty="0"/>
           </a:p>
@@ -5841,7 +6374,7 @@
 </p:sld>
 </file>
 
-<file path=ppt/slides/slide12.xml><?xml version="1.0" encoding="utf-8"?>
+<file path=ppt/slides/slide13.xml><?xml version="1.0" encoding="utf-8"?>
 <p:sld xmlns:a="http://schemas.openxmlformats.org/drawingml/2006/main" xmlns:r="http://schemas.openxmlformats.org/officeDocument/2006/relationships" xmlns:p="http://schemas.openxmlformats.org/presentationml/2006/main">
   <p:cSld>
     <p:spTree>
@@ -6575,7 +7108,7 @@
               <a:pPr>
                 <a:defRPr/>
               </a:pPr>
-              <a:t>12</a:t>
+              <a:t>13</a:t>
             </a:fld>
             <a:endParaRPr lang="en-US" dirty="0"/>
           </a:p>
@@ -6697,199 +7230,6 @@
   </p:clrMapOvr>
   <p:transition xmlns:p14="http://schemas.microsoft.com/office/powerpoint/2010/main" spd="slow">
     <p:fade/>
-  </p:transition>
-  <p:timing>
-    <p:tnLst>
-      <p:par>
-        <p:cTn xmlns:p14="http://schemas.microsoft.com/office/powerpoint/2010/main" id="1" dur="indefinite" restart="never" nodeType="tmRoot"/>
-      </p:par>
-    </p:tnLst>
-  </p:timing>
-</p:sld>
-</file>
-
-<file path=ppt/slides/slide13.xml><?xml version="1.0" encoding="utf-8"?>
-<p:sld xmlns:a="http://schemas.openxmlformats.org/drawingml/2006/main" xmlns:r="http://schemas.openxmlformats.org/officeDocument/2006/relationships" xmlns:p="http://schemas.openxmlformats.org/presentationml/2006/main">
-  <p:cSld>
-    <p:spTree>
-      <p:nvGrpSpPr>
-        <p:cNvPr id="1" name=""/>
-        <p:cNvGrpSpPr/>
-        <p:nvPr/>
-      </p:nvGrpSpPr>
-      <p:grpSpPr>
-        <a:xfrm>
-          <a:off x="0" y="0"/>
-          <a:ext cx="0" cy="0"/>
-          <a:chOff x="0" y="0"/>
-          <a:chExt cx="0" cy="0"/>
-        </a:xfrm>
-      </p:grpSpPr>
-      <p:sp>
-        <p:nvSpPr>
-          <p:cNvPr id="17410" name="Rectangle 2"/>
-          <p:cNvSpPr>
-            <a:spLocks noGrp="1" noChangeArrowheads="1"/>
-          </p:cNvSpPr>
-          <p:nvPr>
-            <p:ph type="title"/>
-          </p:nvPr>
-        </p:nvSpPr>
-        <p:spPr/>
-        <p:txBody>
-          <a:bodyPr/>
-          <a:lstStyle/>
-          <a:p>
-            <a:pPr eaLnBrk="1" hangingPunct="1"/>
-            <a:r>
-              <a:rPr lang="en-US" sz="4000" dirty="0" smtClean="0">
-                <a:solidFill>
-                  <a:srgbClr val="0000FF"/>
-                </a:solidFill>
-              </a:rPr>
-              <a:t>k</a:t>
-            </a:r>
-            <a:r>
-              <a:rPr lang="en-US" sz="4000" dirty="0" smtClean="0">
-                <a:solidFill>
-                  <a:schemeClr val="tx1"/>
-                </a:solidFill>
-              </a:rPr>
-              <a:t>-vertex</a:t>
-            </a:r>
-            <a:r>
-              <a:rPr lang="en-US" sz="4000" dirty="0" smtClean="0">
-                <a:solidFill>
-                  <a:srgbClr val="0033CC"/>
-                </a:solidFill>
-              </a:rPr>
-              <a:t> </a:t>
-            </a:r>
-            <a:r>
-              <a:rPr lang="en-US" sz="4000" dirty="0" smtClean="0"/>
-              <a:t>Connectedness</a:t>
-            </a:r>
-          </a:p>
-        </p:txBody>
-      </p:sp>
-      <p:sp>
-        <p:nvSpPr>
-          <p:cNvPr id="24" name="Slide Number Placeholder 3"/>
-          <p:cNvSpPr>
-            <a:spLocks noGrp="1"/>
-          </p:cNvSpPr>
-          <p:nvPr>
-            <p:ph type="sldNum" sz="quarter" idx="10"/>
-          </p:nvPr>
-        </p:nvSpPr>
-        <p:spPr/>
-        <p:txBody>
-          <a:bodyPr/>
-          <a:lstStyle/>
-          <a:p>
-            <a:pPr>
-              <a:defRPr/>
-            </a:pPr>
-            <a:r>
-              <a:rPr lang="en-US" dirty="0" smtClean="0"/>
-              <a:t>k-connect.</a:t>
-            </a:r>
-            <a:fld id="{43E12C49-E36A-496C-9DCA-6E960B9FC41B}" type="slidenum">
-              <a:rPr lang="en-US" smtClean="0"/>
-              <a:pPr>
-                <a:defRPr/>
-              </a:pPr>
-              <a:t>13</a:t>
-            </a:fld>
-            <a:endParaRPr lang="en-US" dirty="0"/>
-          </a:p>
-        </p:txBody>
-      </p:sp>
-      <p:sp>
-        <p:nvSpPr>
-          <p:cNvPr id="44" name="TextBox 43"/>
-          <p:cNvSpPr txBox="1"/>
-          <p:nvPr/>
-        </p:nvSpPr>
-        <p:spPr>
-          <a:xfrm>
-            <a:off x="486430" y="1461562"/>
-            <a:ext cx="8152091" cy="3785652"/>
-          </a:xfrm>
-          <a:prstGeom prst="rect">
-            <a:avLst/>
-          </a:prstGeom>
-          <a:noFill/>
-        </p:spPr>
-        <p:txBody>
-          <a:bodyPr wrap="none" rtlCol="0">
-            <a:spAutoFit/>
-          </a:bodyPr>
-          <a:lstStyle/>
-          <a:p>
-            <a:r>
-              <a:rPr lang="en-US" sz="8000" dirty="0" smtClean="0">
-                <a:solidFill>
-                  <a:srgbClr val="0000FF"/>
-                </a:solidFill>
-                <a:latin typeface="+mj-lt"/>
-              </a:rPr>
-              <a:t>k</a:t>
-            </a:r>
-            <a:r>
-              <a:rPr lang="en-US" sz="8000" dirty="0" smtClean="0">
-                <a:latin typeface="+mj-lt"/>
-              </a:rPr>
-              <a:t>-</a:t>
-            </a:r>
-            <a:r>
-              <a:rPr lang="en-US" sz="8000" dirty="0" smtClean="0">
-                <a:solidFill>
-                  <a:srgbClr val="930093"/>
-                </a:solidFill>
-                <a:latin typeface="+mj-lt"/>
-              </a:rPr>
-              <a:t>vertex</a:t>
-            </a:r>
-          </a:p>
-          <a:p>
-            <a:r>
-              <a:rPr lang="en-US" sz="8000" dirty="0" smtClean="0">
-                <a:solidFill>
-                  <a:srgbClr val="930093"/>
-                </a:solidFill>
-                <a:latin typeface="+mj-lt"/>
-              </a:rPr>
-              <a:t>connectedness</a:t>
-            </a:r>
-          </a:p>
-          <a:p>
-            <a:pPr>
-              <a:spcAft>
-                <a:spcPts val="2400"/>
-              </a:spcAft>
-            </a:pPr>
-            <a:r>
-              <a:rPr lang="en-US" sz="8000" dirty="0" smtClean="0">
-                <a:latin typeface="+mj-lt"/>
-              </a:rPr>
-              <a:t>defined similarly</a:t>
-            </a:r>
-          </a:p>
-        </p:txBody>
-      </p:sp>
-    </p:spTree>
-    <p:extLst>
-      <p:ext uri="{BB962C8B-B14F-4D97-AF65-F5344CB8AC3E}">
-        <p14:creationId xmlns:p14="http://schemas.microsoft.com/office/powerpoint/2010/main" val="2493279849"/>
-      </p:ext>
-    </p:extLst>
-  </p:cSld>
-  <p:clrMapOvr>
-    <a:masterClrMapping/>
-  </p:clrMapOvr>
-  <p:transition xmlns:p14="http://schemas.microsoft.com/office/powerpoint/2010/main" spd="slow">
-    <p:fade thruBlk="1"/>
   </p:transition>
   <p:timing>
     <p:tnLst>
@@ -6993,6 +7333,199 @@
                 <a:defRPr/>
               </a:pPr>
               <a:t>14</a:t>
+            </a:fld>
+            <a:endParaRPr lang="en-US" dirty="0"/>
+          </a:p>
+        </p:txBody>
+      </p:sp>
+      <p:sp>
+        <p:nvSpPr>
+          <p:cNvPr id="44" name="TextBox 43"/>
+          <p:cNvSpPr txBox="1"/>
+          <p:nvPr/>
+        </p:nvSpPr>
+        <p:spPr>
+          <a:xfrm>
+            <a:off x="486430" y="1461562"/>
+            <a:ext cx="8152091" cy="3785652"/>
+          </a:xfrm>
+          <a:prstGeom prst="rect">
+            <a:avLst/>
+          </a:prstGeom>
+          <a:noFill/>
+        </p:spPr>
+        <p:txBody>
+          <a:bodyPr wrap="none" rtlCol="0">
+            <a:spAutoFit/>
+          </a:bodyPr>
+          <a:lstStyle/>
+          <a:p>
+            <a:r>
+              <a:rPr lang="en-US" sz="8000" dirty="0" smtClean="0">
+                <a:solidFill>
+                  <a:srgbClr val="0000FF"/>
+                </a:solidFill>
+                <a:latin typeface="+mj-lt"/>
+              </a:rPr>
+              <a:t>k</a:t>
+            </a:r>
+            <a:r>
+              <a:rPr lang="en-US" sz="8000" dirty="0" smtClean="0">
+                <a:latin typeface="+mj-lt"/>
+              </a:rPr>
+              <a:t>-</a:t>
+            </a:r>
+            <a:r>
+              <a:rPr lang="en-US" sz="8000" dirty="0" smtClean="0">
+                <a:solidFill>
+                  <a:srgbClr val="930093"/>
+                </a:solidFill>
+                <a:latin typeface="+mj-lt"/>
+              </a:rPr>
+              <a:t>vertex</a:t>
+            </a:r>
+          </a:p>
+          <a:p>
+            <a:r>
+              <a:rPr lang="en-US" sz="8000" dirty="0" smtClean="0">
+                <a:solidFill>
+                  <a:srgbClr val="930093"/>
+                </a:solidFill>
+                <a:latin typeface="+mj-lt"/>
+              </a:rPr>
+              <a:t>connectedness</a:t>
+            </a:r>
+          </a:p>
+          <a:p>
+            <a:pPr>
+              <a:spcAft>
+                <a:spcPts val="2400"/>
+              </a:spcAft>
+            </a:pPr>
+            <a:r>
+              <a:rPr lang="en-US" sz="8000" dirty="0" smtClean="0">
+                <a:latin typeface="+mj-lt"/>
+              </a:rPr>
+              <a:t>defined similarly</a:t>
+            </a:r>
+          </a:p>
+        </p:txBody>
+      </p:sp>
+    </p:spTree>
+    <p:extLst>
+      <p:ext uri="{BB962C8B-B14F-4D97-AF65-F5344CB8AC3E}">
+        <p14:creationId xmlns:p14="http://schemas.microsoft.com/office/powerpoint/2010/main" val="2493279849"/>
+      </p:ext>
+    </p:extLst>
+  </p:cSld>
+  <p:clrMapOvr>
+    <a:masterClrMapping/>
+  </p:clrMapOvr>
+  <p:transition xmlns:p14="http://schemas.microsoft.com/office/powerpoint/2010/main" spd="slow">
+    <p:fade thruBlk="1"/>
+  </p:transition>
+  <p:timing>
+    <p:tnLst>
+      <p:par>
+        <p:cTn xmlns:p14="http://schemas.microsoft.com/office/powerpoint/2010/main" id="1" dur="indefinite" restart="never" nodeType="tmRoot"/>
+      </p:par>
+    </p:tnLst>
+  </p:timing>
+</p:sld>
+</file>
+
+<file path=ppt/slides/slide15.xml><?xml version="1.0" encoding="utf-8"?>
+<p:sld xmlns:a="http://schemas.openxmlformats.org/drawingml/2006/main" xmlns:r="http://schemas.openxmlformats.org/officeDocument/2006/relationships" xmlns:p="http://schemas.openxmlformats.org/presentationml/2006/main">
+  <p:cSld>
+    <p:spTree>
+      <p:nvGrpSpPr>
+        <p:cNvPr id="1" name=""/>
+        <p:cNvGrpSpPr/>
+        <p:nvPr/>
+      </p:nvGrpSpPr>
+      <p:grpSpPr>
+        <a:xfrm>
+          <a:off x="0" y="0"/>
+          <a:ext cx="0" cy="0"/>
+          <a:chOff x="0" y="0"/>
+          <a:chExt cx="0" cy="0"/>
+        </a:xfrm>
+      </p:grpSpPr>
+      <p:sp>
+        <p:nvSpPr>
+          <p:cNvPr id="17410" name="Rectangle 2"/>
+          <p:cNvSpPr>
+            <a:spLocks noGrp="1" noChangeArrowheads="1"/>
+          </p:cNvSpPr>
+          <p:nvPr>
+            <p:ph type="title"/>
+          </p:nvPr>
+        </p:nvSpPr>
+        <p:spPr/>
+        <p:txBody>
+          <a:bodyPr/>
+          <a:lstStyle/>
+          <a:p>
+            <a:pPr eaLnBrk="1" hangingPunct="1"/>
+            <a:r>
+              <a:rPr lang="en-US" sz="4000" dirty="0" smtClean="0">
+                <a:solidFill>
+                  <a:srgbClr val="0000FF"/>
+                </a:solidFill>
+              </a:rPr>
+              <a:t>k</a:t>
+            </a:r>
+            <a:r>
+              <a:rPr lang="en-US" sz="4000" dirty="0" smtClean="0">
+                <a:solidFill>
+                  <a:schemeClr val="tx1"/>
+                </a:solidFill>
+              </a:rPr>
+              <a:t>-vertex</a:t>
+            </a:r>
+            <a:r>
+              <a:rPr lang="en-US" sz="4000" dirty="0" smtClean="0">
+                <a:solidFill>
+                  <a:srgbClr val="0033CC"/>
+                </a:solidFill>
+              </a:rPr>
+              <a:t> </a:t>
+            </a:r>
+            <a:r>
+              <a:rPr lang="en-US" sz="4000" dirty="0" smtClean="0"/>
+              <a:t>Connectedness</a:t>
+            </a:r>
+          </a:p>
+        </p:txBody>
+      </p:sp>
+      <p:sp>
+        <p:nvSpPr>
+          <p:cNvPr id="24" name="Slide Number Placeholder 3"/>
+          <p:cNvSpPr>
+            <a:spLocks noGrp="1"/>
+          </p:cNvSpPr>
+          <p:nvPr>
+            <p:ph type="sldNum" sz="quarter" idx="10"/>
+          </p:nvPr>
+        </p:nvSpPr>
+        <p:spPr/>
+        <p:txBody>
+          <a:bodyPr/>
+          <a:lstStyle/>
+          <a:p>
+            <a:pPr>
+              <a:defRPr/>
+            </a:pPr>
+            <a:r>
+              <a:rPr lang="en-US" dirty="0" smtClean="0"/>
+              <a:t>k-connect.</a:t>
+            </a:r>
+            <a:fld id="{43E12C49-E36A-496C-9DCA-6E960B9FC41B}" type="slidenum">
+              <a:rPr lang="en-US" smtClean="0"/>
+              <a:pPr>
+                <a:defRPr/>
+              </a:pPr>
+              <a:t>15</a:t>
             </a:fld>
             <a:endParaRPr lang="en-US" dirty="0"/>
           </a:p>
@@ -7810,7 +8343,7 @@
 </p:sld>
 </file>
 
-<file path=ppt/slides/slide15.xml><?xml version="1.0" encoding="utf-8"?>
+<file path=ppt/slides/slide16.xml><?xml version="1.0" encoding="utf-8"?>
 <p:sld xmlns:a="http://schemas.openxmlformats.org/drawingml/2006/main" xmlns:r="http://schemas.openxmlformats.org/officeDocument/2006/relationships" xmlns:p="http://schemas.openxmlformats.org/presentationml/2006/main">
   <p:cSld>
     <p:spTree>
@@ -8071,7 +8604,7 @@
               <a:pPr>
                 <a:defRPr/>
               </a:pPr>
-              <a:t>15</a:t>
+              <a:t>16</a:t>
             </a:fld>
             <a:endParaRPr lang="en-US" dirty="0"/>
           </a:p>
@@ -8227,7 +8760,7 @@
 </p:sld>
 </file>
 
-<file path=ppt/slides/slide16.xml><?xml version="1.0" encoding="utf-8"?>
+<file path=ppt/slides/slide17.xml><?xml version="1.0" encoding="utf-8"?>
 <p:sld xmlns:a="http://schemas.openxmlformats.org/drawingml/2006/main" xmlns:r="http://schemas.openxmlformats.org/officeDocument/2006/relationships" xmlns:p="http://schemas.openxmlformats.org/presentationml/2006/main">
   <p:cSld>
     <p:spTree>
@@ -8560,7 +9093,7 @@
           <a:graphicData uri="http://schemas.openxmlformats.org/presentationml/2006/ole">
             <mc:AlternateContent xmlns:mc="http://schemas.openxmlformats.org/markup-compatibility/2006">
               <mc:Choice xmlns:v="urn:schemas-microsoft-com:vml" Requires="v">
-                <p:oleObj spid="_x0000_s1034" name="Equation" r:id="rId4" imgW="482600" imgH="330200" progId="Equation.DSMT4">
+                <p:oleObj spid="_x0000_s1038" name="Equation" r:id="rId4" imgW="482600" imgH="330200" progId="Equation.DSMT4">
                   <p:embed/>
                 </p:oleObj>
               </mc:Choice>
@@ -8627,7 +9160,7 @@
               <a:pPr>
                 <a:defRPr/>
               </a:pPr>
-              <a:t>16</a:t>
+              <a:t>17</a:t>
             </a:fld>
             <a:endParaRPr lang="en-US" dirty="0"/>
           </a:p>
@@ -8857,7 +9390,7 @@
 </p:sld>
 </file>
 
-<file path=ppt/slides/slide17.xml><?xml version="1.0" encoding="utf-8"?>
+<file path=ppt/slides/slide18.xml><?xml version="1.0" encoding="utf-8"?>
 <p:sld xmlns:a="http://schemas.openxmlformats.org/drawingml/2006/main" xmlns:r="http://schemas.openxmlformats.org/officeDocument/2006/relationships" xmlns:p="http://schemas.openxmlformats.org/presentationml/2006/main">
   <p:cSld>
     <p:spTree>
@@ -9047,7 +9580,7 @@
               <a:pPr>
                 <a:defRPr/>
               </a:pPr>
-              <a:t>17</a:t>
+              <a:t>18</a:t>
             </a:fld>
             <a:endParaRPr lang="en-US" dirty="0"/>
           </a:p>
@@ -9076,7 +9609,7 @@
 </p:sld>
 </file>
 
-<file path=ppt/slides/slide18.xml><?xml version="1.0" encoding="utf-8"?>
+<file path=ppt/slides/slide19.xml><?xml version="1.0" encoding="utf-8"?>
 <p:sld xmlns:a="http://schemas.openxmlformats.org/drawingml/2006/main" xmlns:r="http://schemas.openxmlformats.org/officeDocument/2006/relationships" xmlns:p="http://schemas.openxmlformats.org/presentationml/2006/main">
   <p:cSld>
     <p:spTree>
@@ -9211,7 +9744,7 @@
               <a:pPr>
                 <a:defRPr/>
               </a:pPr>
-              <a:t>18</a:t>
+              <a:t>19</a:t>
             </a:fld>
             <a:endParaRPr lang="en-US" dirty="0"/>
           </a:p>
@@ -9234,577 +9767,6 @@
     <p:tnLst>
       <p:par>
         <p:cTn xmlns:p14="http://schemas.microsoft.com/office/powerpoint/2010/main" id="1" dur="indefinite" restart="never" nodeType="tmRoot"/>
-      </p:par>
-    </p:tnLst>
-  </p:timing>
-</p:sld>
-</file>
-
-<file path=ppt/slides/slide19.xml><?xml version="1.0" encoding="utf-8"?>
-<p:sld xmlns:a="http://schemas.openxmlformats.org/drawingml/2006/main" xmlns:r="http://schemas.openxmlformats.org/officeDocument/2006/relationships" xmlns:p="http://schemas.openxmlformats.org/presentationml/2006/main" show="0">
-  <p:cSld>
-    <p:spTree>
-      <p:nvGrpSpPr>
-        <p:cNvPr id="1" name=""/>
-        <p:cNvGrpSpPr/>
-        <p:nvPr/>
-      </p:nvGrpSpPr>
-      <p:grpSpPr>
-        <a:xfrm>
-          <a:off x="0" y="0"/>
-          <a:ext cx="0" cy="0"/>
-          <a:chOff x="0" y="0"/>
-          <a:chExt cx="0" cy="0"/>
-        </a:xfrm>
-      </p:grpSpPr>
-      <p:sp>
-        <p:nvSpPr>
-          <p:cNvPr id="24578" name="Rectangle 2"/>
-          <p:cNvSpPr>
-            <a:spLocks noGrp="1" noChangeArrowheads="1"/>
-          </p:cNvSpPr>
-          <p:nvPr>
-            <p:ph type="title"/>
-          </p:nvPr>
-        </p:nvSpPr>
-        <p:spPr/>
-        <p:txBody>
-          <a:bodyPr/>
-          <a:lstStyle/>
-          <a:p>
-            <a:pPr eaLnBrk="1" hangingPunct="1"/>
-            <a:r>
-              <a:rPr lang="en-US" dirty="0" smtClean="0"/>
-              <a:t>Fault-tolerance</a:t>
-            </a:r>
-          </a:p>
-        </p:txBody>
-      </p:sp>
-      <p:sp>
-        <p:nvSpPr>
-          <p:cNvPr id="2056" name="Rectangle 2"/>
-          <p:cNvSpPr>
-            <a:spLocks noChangeArrowheads="1"/>
-          </p:cNvSpPr>
-          <p:nvPr/>
-        </p:nvSpPr>
-        <p:spPr bwMode="auto">
-          <a:xfrm>
-            <a:off x="565150" y="901700"/>
-            <a:ext cx="8134350" cy="5522913"/>
-          </a:xfrm>
-          <a:prstGeom prst="rect">
-            <a:avLst/>
-          </a:prstGeom>
-          <a:noFill/>
-          <a:ln w="9525">
-            <a:noFill/>
-            <a:miter lim="800000"/>
-            <a:headEnd/>
-            <a:tailEnd/>
-          </a:ln>
-        </p:spPr>
-        <p:txBody>
-          <a:bodyPr anchor="ctr"/>
-          <a:lstStyle/>
-          <a:p>
-            <a:r>
-              <a:rPr lang="en-US" sz="3200" b="1" dirty="0" smtClean="0">
-                <a:solidFill>
-                  <a:schemeClr val="tx2"/>
-                </a:solidFill>
-                <a:latin typeface="Comic Sans MS" pitchFamily="8" charset="0"/>
-              </a:rPr>
-              <a:t>Type           </a:t>
-            </a:r>
-            <a:r>
-              <a:rPr lang="en-US" sz="3200" b="1" dirty="0">
-                <a:solidFill>
-                  <a:schemeClr val="tx2"/>
-                </a:solidFill>
-                <a:latin typeface="Comic Sans MS" pitchFamily="8" charset="0"/>
-              </a:rPr>
-              <a:t>connectivity   </a:t>
-            </a:r>
-            <a:r>
-              <a:rPr lang="en-US" sz="3200" b="1" dirty="0" smtClean="0">
-                <a:solidFill>
-                  <a:schemeClr val="tx2"/>
-                </a:solidFill>
-                <a:latin typeface="Comic Sans MS" pitchFamily="8" charset="0"/>
-              </a:rPr>
-              <a:t>cost</a:t>
-            </a:r>
-            <a:r>
-              <a:rPr lang="en-US" sz="3200" b="1" dirty="0">
-                <a:solidFill>
-                  <a:schemeClr val="tx2"/>
-                </a:solidFill>
-                <a:latin typeface="Comic Sans MS" pitchFamily="8" charset="0"/>
-              </a:rPr>
-              <a:t/>
-            </a:r>
-            <a:br>
-              <a:rPr lang="en-US" sz="3200" b="1" dirty="0">
-                <a:solidFill>
-                  <a:schemeClr val="tx2"/>
-                </a:solidFill>
-                <a:latin typeface="Comic Sans MS" pitchFamily="8" charset="0"/>
-              </a:rPr>
-            </a:br>
-            <a:r>
-              <a:rPr lang="en-US" sz="3200" b="1" dirty="0">
-                <a:solidFill>
-                  <a:schemeClr val="tx2"/>
-                </a:solidFill>
-                <a:latin typeface="Comic Sans MS" pitchFamily="8" charset="0"/>
-              </a:rPr>
-              <a:t>Tree?           </a:t>
-            </a:r>
-            <a:r>
-              <a:rPr lang="en-US" sz="3200" b="1" dirty="0" smtClean="0">
-                <a:solidFill>
-                  <a:schemeClr val="tx2"/>
-                </a:solidFill>
-                <a:latin typeface="Comic Sans MS" pitchFamily="8" charset="0"/>
-              </a:rPr>
-              <a:t>     </a:t>
-            </a:r>
-            <a:r>
-              <a:rPr lang="en-US" sz="3200" b="1" baseline="-25000" dirty="0" smtClean="0">
-                <a:solidFill>
-                  <a:schemeClr val="tx2"/>
-                </a:solidFill>
-                <a:latin typeface="Comic Sans MS" pitchFamily="8" charset="0"/>
-              </a:rPr>
-              <a:t> </a:t>
-            </a:r>
-            <a:r>
-              <a:rPr lang="en-US" sz="3200" b="1" dirty="0" smtClean="0">
-                <a:solidFill>
-                  <a:schemeClr val="tx2"/>
-                </a:solidFill>
-                <a:latin typeface="Comic Sans MS" pitchFamily="8" charset="0"/>
-              </a:rPr>
-              <a:t>1</a:t>
-            </a:r>
-            <a:r>
-              <a:rPr lang="en-US" sz="3200" b="1" dirty="0">
-                <a:solidFill>
-                  <a:schemeClr val="tx2"/>
-                </a:solidFill>
-                <a:latin typeface="Comic Sans MS" pitchFamily="8" charset="0"/>
-              </a:rPr>
-              <a:t>,       n-1</a:t>
-            </a:r>
-            <a:br>
-              <a:rPr lang="en-US" sz="3200" b="1" dirty="0">
-                <a:solidFill>
-                  <a:schemeClr val="tx2"/>
-                </a:solidFill>
-                <a:latin typeface="Comic Sans MS" pitchFamily="8" charset="0"/>
-              </a:rPr>
-            </a:br>
-            <a:r>
-              <a:rPr lang="en-US" sz="3200" b="1" dirty="0">
-                <a:solidFill>
-                  <a:schemeClr val="tx2"/>
-                </a:solidFill>
-                <a:latin typeface="Comic Sans MS" pitchFamily="8" charset="0"/>
-              </a:rPr>
-              <a:t>Cycle?              </a:t>
-            </a:r>
-            <a:r>
-              <a:rPr lang="en-US" sz="3200" b="1" dirty="0" smtClean="0">
-                <a:solidFill>
-                  <a:schemeClr val="tx2"/>
-                </a:solidFill>
-                <a:latin typeface="Comic Sans MS" pitchFamily="8" charset="0"/>
-              </a:rPr>
-              <a:t>  2</a:t>
-            </a:r>
-            <a:r>
-              <a:rPr lang="en-US" sz="3200" b="1" dirty="0">
-                <a:solidFill>
-                  <a:schemeClr val="tx2"/>
-                </a:solidFill>
-                <a:latin typeface="Comic Sans MS" pitchFamily="8" charset="0"/>
-              </a:rPr>
-              <a:t>,       </a:t>
-            </a:r>
-            <a:r>
-              <a:rPr lang="en-US" sz="3200" b="1" dirty="0" smtClean="0">
-                <a:solidFill>
-                  <a:schemeClr val="tx2"/>
-                </a:solidFill>
-                <a:latin typeface="Comic Sans MS" pitchFamily="8" charset="0"/>
-              </a:rPr>
-              <a:t> </a:t>
-            </a:r>
-            <a:r>
-              <a:rPr lang="en-US" sz="3200" b="1" dirty="0" err="1" smtClean="0">
-                <a:solidFill>
-                  <a:schemeClr val="tx2"/>
-                </a:solidFill>
-                <a:latin typeface="Comic Sans MS" pitchFamily="8" charset="0"/>
-              </a:rPr>
-              <a:t>n</a:t>
-            </a:r>
-            <a:r>
-              <a:rPr lang="en-US" sz="3200" b="1" dirty="0">
-                <a:solidFill>
-                  <a:schemeClr val="tx2"/>
-                </a:solidFill>
-                <a:latin typeface="Comic Sans MS" pitchFamily="8" charset="0"/>
-              </a:rPr>
-              <a:t/>
-            </a:r>
-            <a:br>
-              <a:rPr lang="en-US" sz="3200" b="1" dirty="0">
-                <a:solidFill>
-                  <a:schemeClr val="tx2"/>
-                </a:solidFill>
-                <a:latin typeface="Comic Sans MS" pitchFamily="8" charset="0"/>
-              </a:rPr>
-            </a:br>
-            <a:r>
-              <a:rPr lang="en-US" sz="3200" b="1" dirty="0">
-                <a:solidFill>
-                  <a:schemeClr val="tx2"/>
-                </a:solidFill>
-                <a:latin typeface="Comic Sans MS" pitchFamily="8" charset="0"/>
-              </a:rPr>
-              <a:t>Grid?                 2,       ~2n</a:t>
-            </a:r>
-            <a:br>
-              <a:rPr lang="en-US" sz="3200" b="1" dirty="0">
-                <a:solidFill>
-                  <a:schemeClr val="tx2"/>
-                </a:solidFill>
-                <a:latin typeface="Comic Sans MS" pitchFamily="8" charset="0"/>
-              </a:rPr>
-            </a:br>
-            <a:r>
-              <a:rPr lang="en-US" sz="3200" b="1" dirty="0">
-                <a:solidFill>
-                  <a:schemeClr val="tx2"/>
-                </a:solidFill>
-                <a:latin typeface="Comic Sans MS" pitchFamily="8" charset="0"/>
-              </a:rPr>
-              <a:t>Hypercube?        log n,    (n log n)/2</a:t>
-            </a:r>
-            <a:br>
-              <a:rPr lang="en-US" sz="3200" b="1" dirty="0">
-                <a:solidFill>
-                  <a:schemeClr val="tx2"/>
-                </a:solidFill>
-                <a:latin typeface="Comic Sans MS" pitchFamily="8" charset="0"/>
-              </a:rPr>
-            </a:br>
-            <a:r>
-              <a:rPr lang="en-US" sz="3200" b="1" dirty="0">
-                <a:solidFill>
-                  <a:schemeClr val="tx2"/>
-                </a:solidFill>
-                <a:latin typeface="Comic Sans MS" pitchFamily="8" charset="0"/>
-              </a:rPr>
-              <a:t>Complete graph?    n-1,    ~n</a:t>
-            </a:r>
-            <a:r>
-              <a:rPr lang="en-US" sz="3200" b="1" baseline="30000" dirty="0">
-                <a:solidFill>
-                  <a:schemeClr val="tx2"/>
-                </a:solidFill>
-                <a:latin typeface="Comic Sans MS" pitchFamily="8" charset="0"/>
-              </a:rPr>
-              <a:t>2</a:t>
-            </a:r>
-            <a:r>
-              <a:rPr lang="en-US" sz="3200" b="1" dirty="0">
-                <a:solidFill>
-                  <a:schemeClr val="tx2"/>
-                </a:solidFill>
-                <a:latin typeface="Comic Sans MS" pitchFamily="8" charset="0"/>
-              </a:rPr>
-              <a:t>/2</a:t>
-            </a:r>
-          </a:p>
-        </p:txBody>
-      </p:sp>
-      <p:grpSp>
-        <p:nvGrpSpPr>
-          <p:cNvPr id="2" name="Group 12"/>
-          <p:cNvGrpSpPr>
-            <a:grpSpLocks/>
-          </p:cNvGrpSpPr>
-          <p:nvPr/>
-        </p:nvGrpSpPr>
-        <p:grpSpPr bwMode="auto">
-          <a:xfrm>
-            <a:off x="709613" y="2218309"/>
-            <a:ext cx="7459662" cy="3368675"/>
-            <a:chOff x="709851" y="2803362"/>
-            <a:chExt cx="7459578" cy="3368842"/>
-          </a:xfrm>
-        </p:grpSpPr>
-        <p:cxnSp>
-          <p:nvCxnSpPr>
-            <p:cNvPr id="24582" name="Straight Connector 6"/>
-            <p:cNvCxnSpPr>
-              <a:cxnSpLocks noChangeShapeType="1"/>
-            </p:cNvCxnSpPr>
-            <p:nvPr/>
-          </p:nvCxnSpPr>
-          <p:spPr bwMode="auto">
-            <a:xfrm>
-              <a:off x="709851" y="3282361"/>
-              <a:ext cx="7459578" cy="1588"/>
-            </a:xfrm>
-            <a:prstGeom prst="line">
-              <a:avLst/>
-            </a:prstGeom>
-            <a:noFill/>
-            <a:ln w="25400" algn="ctr">
-              <a:solidFill>
-                <a:schemeClr val="tx1"/>
-              </a:solidFill>
-              <a:prstDash val="dash"/>
-              <a:round/>
-              <a:headEnd/>
-              <a:tailEnd type="none" w="lg" len="lg"/>
-            </a:ln>
-          </p:spPr>
-        </p:cxnSp>
-        <p:cxnSp>
-          <p:nvCxnSpPr>
-            <p:cNvPr id="24583" name="Straight Connector 8"/>
-            <p:cNvCxnSpPr>
-              <a:cxnSpLocks noChangeShapeType="1"/>
-            </p:cNvCxnSpPr>
-            <p:nvPr/>
-          </p:nvCxnSpPr>
-          <p:spPr bwMode="auto">
-            <a:xfrm rot="5400000">
-              <a:off x="4415591" y="4475753"/>
-              <a:ext cx="3368842" cy="24059"/>
-            </a:xfrm>
-            <a:prstGeom prst="line">
-              <a:avLst/>
-            </a:prstGeom>
-            <a:noFill/>
-            <a:ln w="25400" algn="ctr">
-              <a:solidFill>
-                <a:schemeClr val="tx1"/>
-              </a:solidFill>
-              <a:prstDash val="dash"/>
-              <a:round/>
-              <a:headEnd/>
-              <a:tailEnd type="none" w="lg" len="lg"/>
-            </a:ln>
-          </p:spPr>
-        </p:cxnSp>
-      </p:grpSp>
-      <p:sp>
-        <p:nvSpPr>
-          <p:cNvPr id="8" name="Slide Number Placeholder 3"/>
-          <p:cNvSpPr>
-            <a:spLocks noGrp="1"/>
-          </p:cNvSpPr>
-          <p:nvPr>
-            <p:ph type="sldNum" sz="quarter" idx="10"/>
-          </p:nvPr>
-        </p:nvSpPr>
-        <p:spPr/>
-        <p:txBody>
-          <a:bodyPr/>
-          <a:lstStyle/>
-          <a:p>
-            <a:pPr>
-              <a:defRPr/>
-            </a:pPr>
-            <a:r>
-              <a:rPr lang="en-US" dirty="0" smtClean="0"/>
-              <a:t>k-connect.</a:t>
-            </a:r>
-            <a:fld id="{E0862B09-D28A-4DC1-8DF8-9F3B5AF8E2FB}" type="slidenum">
-              <a:rPr lang="en-US" smtClean="0"/>
-              <a:pPr>
-                <a:defRPr/>
-              </a:pPr>
-              <a:t>19</a:t>
-            </a:fld>
-            <a:endParaRPr lang="en-US" dirty="0"/>
-          </a:p>
-        </p:txBody>
-      </p:sp>
-      <p:sp>
-        <p:nvSpPr>
-          <p:cNvPr id="9" name="Rectangle 8"/>
-          <p:cNvSpPr/>
-          <p:nvPr/>
-        </p:nvSpPr>
-        <p:spPr>
-          <a:xfrm>
-            <a:off x="556260" y="902207"/>
-            <a:ext cx="8107680" cy="1077218"/>
-          </a:xfrm>
-          <a:prstGeom prst="rect">
-            <a:avLst/>
-          </a:prstGeom>
-        </p:spPr>
-        <p:txBody>
-          <a:bodyPr wrap="square">
-            <a:spAutoFit/>
-          </a:bodyPr>
-          <a:lstStyle/>
-          <a:p>
-            <a:r>
-              <a:rPr lang="en-US" sz="3200" b="1" dirty="0" smtClean="0">
-                <a:solidFill>
-                  <a:schemeClr val="tx2"/>
-                </a:solidFill>
-                <a:latin typeface="Comic Sans MS" pitchFamily="8" charset="0"/>
-              </a:rPr>
-              <a:t>Connectivity measures </a:t>
-            </a:r>
-            <a:r>
-              <a:rPr lang="en-US" sz="3200" b="1" dirty="0" smtClean="0">
-                <a:solidFill>
-                  <a:srgbClr val="0033CC"/>
-                </a:solidFill>
-                <a:latin typeface="Comic Sans MS" pitchFamily="8" charset="0"/>
-              </a:rPr>
-              <a:t>fault tolerance </a:t>
-            </a:r>
-            <a:r>
-              <a:rPr lang="en-US" sz="3200" b="1" dirty="0" smtClean="0">
-                <a:solidFill>
-                  <a:schemeClr val="tx2"/>
-                </a:solidFill>
-                <a:latin typeface="Comic Sans MS" pitchFamily="8" charset="0"/>
-              </a:rPr>
-              <a:t>of a network, (and # edges, its cost):</a:t>
-            </a:r>
-            <a:endParaRPr lang="en-US" sz="3200" b="1" dirty="0">
-              <a:solidFill>
-                <a:schemeClr val="tx2"/>
-              </a:solidFill>
-              <a:latin typeface="Comic Sans MS" pitchFamily="8" charset="0"/>
-            </a:endParaRPr>
-          </a:p>
-        </p:txBody>
-      </p:sp>
-    </p:spTree>
-  </p:cSld>
-  <p:clrMapOvr>
-    <a:masterClrMapping/>
-  </p:clrMapOvr>
-  <p:transition xmlns:p14="http://schemas.microsoft.com/office/powerpoint/2010/main">
-    <p:fade thruBlk="1"/>
-  </p:transition>
-  <p:timing>
-    <p:tnLst>
-      <p:par>
-        <p:cTn xmlns:p14="http://schemas.microsoft.com/office/powerpoint/2010/main" id="1" dur="indefinite" restart="never" nodeType="tmRoot">
-          <p:childTnLst>
-            <p:seq concurrent="1" nextAc="seek">
-              <p:cTn id="2" dur="indefinite" nodeType="mainSeq">
-                <p:childTnLst>
-                  <p:par>
-                    <p:cTn id="3" fill="hold">
-                      <p:stCondLst>
-                        <p:cond delay="indefinite"/>
-                      </p:stCondLst>
-                      <p:childTnLst>
-                        <p:par>
-                          <p:cTn id="4" fill="hold">
-                            <p:stCondLst>
-                              <p:cond delay="0"/>
-                            </p:stCondLst>
-                            <p:childTnLst>
-                              <p:par>
-                                <p:cTn id="5" presetID="1" presetClass="entr" presetSubtype="0" fill="hold" nodeType="clickEffect">
-                                  <p:stCondLst>
-                                    <p:cond delay="0"/>
-                                  </p:stCondLst>
-                                  <p:childTnLst>
-                                    <p:set>
-                                      <p:cBhvr>
-                                        <p:cTn id="6" dur="1" fill="hold">
-                                          <p:stCondLst>
-                                            <p:cond delay="0"/>
-                                          </p:stCondLst>
-                                        </p:cTn>
-                                        <p:tgtEl>
-                                          <p:spTgt spid="2056">
-                                            <p:txEl>
-                                              <p:pRg st="0" end="0"/>
-                                            </p:txEl>
-                                          </p:spTgt>
-                                        </p:tgtEl>
-                                        <p:attrNameLst>
-                                          <p:attrName>style.visibility</p:attrName>
-                                        </p:attrNameLst>
-                                      </p:cBhvr>
-                                      <p:to>
-                                        <p:strVal val="visible"/>
-                                      </p:to>
-                                    </p:set>
-                                  </p:childTnLst>
-                                </p:cTn>
-                              </p:par>
-                              <p:par>
-                                <p:cTn id="7" presetID="1" presetClass="entr" presetSubtype="0" fill="hold" nodeType="withEffect">
-                                  <p:stCondLst>
-                                    <p:cond delay="0"/>
-                                  </p:stCondLst>
-                                  <p:childTnLst>
-                                    <p:set>
-                                      <p:cBhvr>
-                                        <p:cTn id="8" dur="1" fill="hold">
-                                          <p:stCondLst>
-                                            <p:cond delay="0"/>
-                                          </p:stCondLst>
-                                        </p:cTn>
-                                        <p:tgtEl>
-                                          <p:spTgt spid="2"/>
-                                        </p:tgtEl>
-                                        <p:attrNameLst>
-                                          <p:attrName>style.visibility</p:attrName>
-                                        </p:attrNameLst>
-                                      </p:cBhvr>
-                                      <p:to>
-                                        <p:strVal val="visible"/>
-                                      </p:to>
-                                    </p:set>
-                                  </p:childTnLst>
-                                </p:cTn>
-                              </p:par>
-                            </p:childTnLst>
-                          </p:cTn>
-                        </p:par>
-                      </p:childTnLst>
-                    </p:cTn>
-                  </p:par>
-                </p:childTnLst>
-              </p:cTn>
-              <p:prevCondLst>
-                <p:cond evt="onPrev" delay="0">
-                  <p:tgtEl>
-                    <p:sldTgt/>
-                  </p:tgtEl>
-                </p:cond>
-              </p:prevCondLst>
-              <p:nextCondLst>
-                <p:cond evt="onNext" delay="0">
-                  <p:tgtEl>
-                    <p:sldTgt/>
-                  </p:tgtEl>
-                </p:cond>
-              </p:nextCondLst>
-            </p:seq>
-          </p:childTnLst>
-        </p:cTn>
       </p:par>
     </p:tnLst>
   </p:timing>
@@ -10217,6 +10179,2074 @@
     <p:bldLst>
       <p:bldP spid="22531" grpId="0" build="p"/>
     </p:bldLst>
+  </p:timing>
+</p:sld>
+</file>
+
+<file path=ppt/slides/slide20.xml><?xml version="1.0" encoding="utf-8"?>
+<p:sld xmlns:a="http://schemas.openxmlformats.org/drawingml/2006/main" xmlns:r="http://schemas.openxmlformats.org/officeDocument/2006/relationships" xmlns:p="http://schemas.openxmlformats.org/presentationml/2006/main">
+  <p:cSld>
+    <p:spTree>
+      <p:nvGrpSpPr>
+        <p:cNvPr id="1" name=""/>
+        <p:cNvGrpSpPr/>
+        <p:nvPr/>
+      </p:nvGrpSpPr>
+      <p:grpSpPr>
+        <a:xfrm>
+          <a:off x="0" y="0"/>
+          <a:ext cx="0" cy="0"/>
+          <a:chOff x="0" y="0"/>
+          <a:chExt cx="0" cy="0"/>
+        </a:xfrm>
+      </p:grpSpPr>
+      <p:sp>
+        <p:nvSpPr>
+          <p:cNvPr id="24578" name="Rectangle 2"/>
+          <p:cNvSpPr>
+            <a:spLocks noGrp="1" noChangeArrowheads="1"/>
+          </p:cNvSpPr>
+          <p:nvPr>
+            <p:ph type="title"/>
+          </p:nvPr>
+        </p:nvSpPr>
+        <p:spPr>
+          <a:xfrm>
+            <a:off x="2822118" y="0"/>
+            <a:ext cx="3727639" cy="1009073"/>
+          </a:xfrm>
+        </p:spPr>
+        <p:txBody>
+          <a:bodyPr/>
+          <a:lstStyle/>
+          <a:p>
+            <a:pPr eaLnBrk="1" hangingPunct="1"/>
+            <a:r>
+              <a:rPr lang="en-US" dirty="0" smtClean="0"/>
+              <a:t>k-connectivity</a:t>
+            </a:r>
+            <a:endParaRPr lang="en-US" dirty="0" smtClean="0"/>
+          </a:p>
+        </p:txBody>
+      </p:sp>
+      <p:sp>
+        <p:nvSpPr>
+          <p:cNvPr id="8" name="Slide Number Placeholder 3"/>
+          <p:cNvSpPr>
+            <a:spLocks noGrp="1"/>
+          </p:cNvSpPr>
+          <p:nvPr>
+            <p:ph type="sldNum" sz="quarter" idx="10"/>
+          </p:nvPr>
+        </p:nvSpPr>
+        <p:spPr/>
+        <p:txBody>
+          <a:bodyPr/>
+          <a:lstStyle/>
+          <a:p>
+            <a:pPr>
+              <a:defRPr/>
+            </a:pPr>
+            <a:r>
+              <a:rPr lang="en-US" dirty="0" smtClean="0"/>
+              <a:t>k-connect.</a:t>
+            </a:r>
+            <a:fld id="{E0862B09-D28A-4DC1-8DF8-9F3B5AF8E2FB}" type="slidenum">
+              <a:rPr lang="en-US" smtClean="0"/>
+              <a:pPr>
+                <a:defRPr/>
+              </a:pPr>
+              <a:t>20</a:t>
+            </a:fld>
+            <a:endParaRPr lang="en-US" dirty="0"/>
+          </a:p>
+        </p:txBody>
+      </p:sp>
+      <p:sp>
+        <p:nvSpPr>
+          <p:cNvPr id="9" name="Rectangle 8"/>
+          <p:cNvSpPr/>
+          <p:nvPr/>
+        </p:nvSpPr>
+        <p:spPr>
+          <a:xfrm>
+            <a:off x="556260" y="902207"/>
+            <a:ext cx="8107680" cy="1077218"/>
+          </a:xfrm>
+          <a:prstGeom prst="rect">
+            <a:avLst/>
+          </a:prstGeom>
+        </p:spPr>
+        <p:txBody>
+          <a:bodyPr wrap="square">
+            <a:spAutoFit/>
+          </a:bodyPr>
+          <a:lstStyle/>
+          <a:p>
+            <a:r>
+              <a:rPr lang="en-US" sz="3200" b="1" dirty="0" smtClean="0">
+                <a:solidFill>
+                  <a:schemeClr val="tx2"/>
+                </a:solidFill>
+                <a:latin typeface="Comic Sans MS" pitchFamily="8" charset="0"/>
+              </a:rPr>
+              <a:t>Connectivity measures </a:t>
+            </a:r>
+            <a:r>
+              <a:rPr lang="en-US" sz="3200" b="1" dirty="0" smtClean="0">
+                <a:solidFill>
+                  <a:srgbClr val="0033CC"/>
+                </a:solidFill>
+                <a:latin typeface="Comic Sans MS" pitchFamily="8" charset="0"/>
+              </a:rPr>
+              <a:t>fault tolerance </a:t>
+            </a:r>
+            <a:r>
+              <a:rPr lang="en-US" sz="3200" b="1" dirty="0" smtClean="0">
+                <a:solidFill>
+                  <a:schemeClr val="tx2"/>
+                </a:solidFill>
+                <a:latin typeface="Comic Sans MS" pitchFamily="8" charset="0"/>
+              </a:rPr>
+              <a:t>of a </a:t>
+            </a:r>
+            <a:r>
+              <a:rPr lang="en-US" sz="3200" b="1" dirty="0" smtClean="0">
+                <a:solidFill>
+                  <a:schemeClr val="tx2"/>
+                </a:solidFill>
+                <a:latin typeface="Comic Sans MS" pitchFamily="8" charset="0"/>
+              </a:rPr>
+              <a:t>network</a:t>
+            </a:r>
+            <a:endParaRPr lang="en-US" sz="3200" b="1" dirty="0">
+              <a:solidFill>
+                <a:schemeClr val="tx2"/>
+              </a:solidFill>
+              <a:latin typeface="Comic Sans MS" pitchFamily="8" charset="0"/>
+            </a:endParaRPr>
+          </a:p>
+        </p:txBody>
+      </p:sp>
+    </p:spTree>
+  </p:cSld>
+  <p:clrMapOvr>
+    <a:masterClrMapping/>
+  </p:clrMapOvr>
+  <mc:AlternateContent xmlns:mc="http://schemas.openxmlformats.org/markup-compatibility/2006">
+    <mc:Choice xmlns:p14="http://schemas.microsoft.com/office/powerpoint/2010/main" Requires="p14">
+      <p:transition spd="slow" p14:dur="1200" advClick="0">
+        <p:fade thruBlk="1"/>
+      </p:transition>
+    </mc:Choice>
+    <mc:Fallback>
+      <p:transition xmlns:p14="http://schemas.microsoft.com/office/powerpoint/2010/main" spd="slow" advClick="0">
+        <p:fade thruBlk="1"/>
+      </p:transition>
+    </mc:Fallback>
+  </mc:AlternateContent>
+  <p:timing>
+    <p:tnLst>
+      <p:par>
+        <p:cTn xmlns:p14="http://schemas.microsoft.com/office/powerpoint/2010/main" id="1" dur="indefinite" restart="never" nodeType="tmRoot">
+          <p:childTnLst>
+            <p:seq concurrent="1" nextAc="seek">
+              <p:cTn id="2" dur="indefinite" nodeType="mainSeq">
+                <p:childTnLst>
+                  <p:par>
+                    <p:cTn id="3" fill="hold">
+                      <p:stCondLst>
+                        <p:cond delay="indefinite"/>
+                      </p:stCondLst>
+                      <p:childTnLst>
+                        <p:par>
+                          <p:cTn id="4" fill="hold">
+                            <p:stCondLst>
+                              <p:cond delay="0"/>
+                            </p:stCondLst>
+                            <p:childTnLst>
+                              <p:par>
+                                <p:cTn id="5" presetID="10" presetClass="entr" presetSubtype="0" fill="hold" grpId="0" nodeType="clickEffect">
+                                  <p:stCondLst>
+                                    <p:cond delay="0"/>
+                                  </p:stCondLst>
+                                  <p:childTnLst>
+                                    <p:set>
+                                      <p:cBhvr>
+                                        <p:cTn id="6" dur="1" fill="hold">
+                                          <p:stCondLst>
+                                            <p:cond delay="0"/>
+                                          </p:stCondLst>
+                                        </p:cTn>
+                                        <p:tgtEl>
+                                          <p:spTgt spid="9"/>
+                                        </p:tgtEl>
+                                        <p:attrNameLst>
+                                          <p:attrName>style.visibility</p:attrName>
+                                        </p:attrNameLst>
+                                      </p:cBhvr>
+                                      <p:to>
+                                        <p:strVal val="visible"/>
+                                      </p:to>
+                                    </p:set>
+                                    <p:animEffect transition="in" filter="fade">
+                                      <p:cBhvr>
+                                        <p:cTn id="7" dur="500"/>
+                                        <p:tgtEl>
+                                          <p:spTgt spid="9"/>
+                                        </p:tgtEl>
+                                      </p:cBhvr>
+                                    </p:animEffect>
+                                  </p:childTnLst>
+                                </p:cTn>
+                              </p:par>
+                            </p:childTnLst>
+                          </p:cTn>
+                        </p:par>
+                      </p:childTnLst>
+                    </p:cTn>
+                  </p:par>
+                </p:childTnLst>
+              </p:cTn>
+              <p:prevCondLst>
+                <p:cond evt="onPrev" delay="0">
+                  <p:tgtEl>
+                    <p:sldTgt/>
+                  </p:tgtEl>
+                </p:cond>
+              </p:prevCondLst>
+              <p:nextCondLst>
+                <p:cond evt="onNext" delay="0">
+                  <p:tgtEl>
+                    <p:sldTgt/>
+                  </p:tgtEl>
+                </p:cond>
+              </p:nextCondLst>
+            </p:seq>
+          </p:childTnLst>
+        </p:cTn>
+      </p:par>
+    </p:tnLst>
+    <p:bldLst>
+      <p:bldP spid="9" grpId="0"/>
+    </p:bldLst>
+  </p:timing>
+</p:sld>
+</file>
+
+<file path=ppt/slides/slide21.xml><?xml version="1.0" encoding="utf-8"?>
+<p:sld xmlns:a="http://schemas.openxmlformats.org/drawingml/2006/main" xmlns:r="http://schemas.openxmlformats.org/officeDocument/2006/relationships" xmlns:p="http://schemas.openxmlformats.org/presentationml/2006/main" show="0">
+  <p:cSld>
+    <p:spTree>
+      <p:nvGrpSpPr>
+        <p:cNvPr id="1" name=""/>
+        <p:cNvGrpSpPr/>
+        <p:nvPr/>
+      </p:nvGrpSpPr>
+      <p:grpSpPr>
+        <a:xfrm>
+          <a:off x="0" y="0"/>
+          <a:ext cx="0" cy="0"/>
+          <a:chOff x="0" y="0"/>
+          <a:chExt cx="0" cy="0"/>
+        </a:xfrm>
+      </p:grpSpPr>
+      <p:grpSp>
+        <p:nvGrpSpPr>
+          <p:cNvPr id="2" name="Group 12"/>
+          <p:cNvGrpSpPr>
+            <a:grpSpLocks/>
+          </p:cNvGrpSpPr>
+          <p:nvPr/>
+        </p:nvGrpSpPr>
+        <p:grpSpPr bwMode="auto">
+          <a:xfrm>
+            <a:off x="509556" y="2244406"/>
+            <a:ext cx="7459662" cy="3368675"/>
+            <a:chOff x="709851" y="2803362"/>
+            <a:chExt cx="7459578" cy="3368842"/>
+          </a:xfrm>
+        </p:grpSpPr>
+        <p:cxnSp>
+          <p:nvCxnSpPr>
+            <p:cNvPr id="24582" name="Straight Connector 6"/>
+            <p:cNvCxnSpPr>
+              <a:cxnSpLocks noChangeShapeType="1"/>
+            </p:cNvCxnSpPr>
+            <p:nvPr/>
+          </p:nvCxnSpPr>
+          <p:spPr bwMode="auto">
+            <a:xfrm>
+              <a:off x="709851" y="3282361"/>
+              <a:ext cx="7459578" cy="1588"/>
+            </a:xfrm>
+            <a:prstGeom prst="line">
+              <a:avLst/>
+            </a:prstGeom>
+            <a:noFill/>
+            <a:ln w="25400" algn="ctr">
+              <a:solidFill>
+                <a:schemeClr val="tx1"/>
+              </a:solidFill>
+              <a:prstDash val="dash"/>
+              <a:round/>
+              <a:headEnd/>
+              <a:tailEnd type="none" w="lg" len="lg"/>
+            </a:ln>
+          </p:spPr>
+        </p:cxnSp>
+        <p:cxnSp>
+          <p:nvCxnSpPr>
+            <p:cNvPr id="24583" name="Straight Connector 8"/>
+            <p:cNvCxnSpPr>
+              <a:cxnSpLocks noChangeShapeType="1"/>
+            </p:cNvCxnSpPr>
+            <p:nvPr/>
+          </p:nvCxnSpPr>
+          <p:spPr bwMode="auto">
+            <a:xfrm rot="5400000">
+              <a:off x="4667830" y="4475753"/>
+              <a:ext cx="3368842" cy="24059"/>
+            </a:xfrm>
+            <a:prstGeom prst="line">
+              <a:avLst/>
+            </a:prstGeom>
+            <a:noFill/>
+            <a:ln w="25400" algn="ctr">
+              <a:solidFill>
+                <a:schemeClr val="tx1"/>
+              </a:solidFill>
+              <a:prstDash val="dash"/>
+              <a:round/>
+              <a:headEnd/>
+              <a:tailEnd type="none" w="lg" len="lg"/>
+            </a:ln>
+          </p:spPr>
+        </p:cxnSp>
+      </p:grpSp>
+      <p:sp>
+        <p:nvSpPr>
+          <p:cNvPr id="24578" name="Rectangle 2"/>
+          <p:cNvSpPr>
+            <a:spLocks noGrp="1" noChangeArrowheads="1"/>
+          </p:cNvSpPr>
+          <p:nvPr>
+            <p:ph type="title"/>
+          </p:nvPr>
+        </p:nvSpPr>
+        <p:spPr>
+          <a:xfrm>
+            <a:off x="2822118" y="0"/>
+            <a:ext cx="3727639" cy="1009073"/>
+          </a:xfrm>
+        </p:spPr>
+        <p:txBody>
+          <a:bodyPr/>
+          <a:lstStyle/>
+          <a:p>
+            <a:pPr eaLnBrk="1" hangingPunct="1"/>
+            <a:r>
+              <a:rPr lang="en-US" dirty="0" smtClean="0"/>
+              <a:t>k-connectivity</a:t>
+            </a:r>
+            <a:endParaRPr lang="en-US" dirty="0" smtClean="0"/>
+          </a:p>
+        </p:txBody>
+      </p:sp>
+      <p:sp>
+        <p:nvSpPr>
+          <p:cNvPr id="8" name="Slide Number Placeholder 3"/>
+          <p:cNvSpPr>
+            <a:spLocks noGrp="1"/>
+          </p:cNvSpPr>
+          <p:nvPr>
+            <p:ph type="sldNum" sz="quarter" idx="10"/>
+          </p:nvPr>
+        </p:nvSpPr>
+        <p:spPr/>
+        <p:txBody>
+          <a:bodyPr/>
+          <a:lstStyle/>
+          <a:p>
+            <a:pPr>
+              <a:defRPr/>
+            </a:pPr>
+            <a:r>
+              <a:rPr lang="en-US" dirty="0" smtClean="0"/>
+              <a:t>k-connect.</a:t>
+            </a:r>
+            <a:fld id="{E0862B09-D28A-4DC1-8DF8-9F3B5AF8E2FB}" type="slidenum">
+              <a:rPr lang="en-US" smtClean="0"/>
+              <a:pPr>
+                <a:defRPr/>
+              </a:pPr>
+              <a:t>21</a:t>
+            </a:fld>
+            <a:endParaRPr lang="en-US" dirty="0"/>
+          </a:p>
+        </p:txBody>
+      </p:sp>
+      <p:sp>
+        <p:nvSpPr>
+          <p:cNvPr id="9" name="Rectangle 8"/>
+          <p:cNvSpPr/>
+          <p:nvPr/>
+        </p:nvSpPr>
+        <p:spPr>
+          <a:xfrm>
+            <a:off x="556260" y="902207"/>
+            <a:ext cx="8107680" cy="1077218"/>
+          </a:xfrm>
+          <a:prstGeom prst="rect">
+            <a:avLst/>
+          </a:prstGeom>
+        </p:spPr>
+        <p:txBody>
+          <a:bodyPr wrap="square">
+            <a:spAutoFit/>
+          </a:bodyPr>
+          <a:lstStyle/>
+          <a:p>
+            <a:r>
+              <a:rPr lang="en-US" sz="3200" b="1" dirty="0" smtClean="0">
+                <a:solidFill>
+                  <a:schemeClr val="tx2"/>
+                </a:solidFill>
+                <a:latin typeface="Comic Sans MS" pitchFamily="8" charset="0"/>
+              </a:rPr>
+              <a:t>Connectivity measures </a:t>
+            </a:r>
+            <a:r>
+              <a:rPr lang="en-US" sz="3200" b="1" dirty="0" smtClean="0">
+                <a:solidFill>
+                  <a:srgbClr val="0033CC"/>
+                </a:solidFill>
+                <a:latin typeface="Comic Sans MS" pitchFamily="8" charset="0"/>
+              </a:rPr>
+              <a:t>fault tolerance </a:t>
+            </a:r>
+            <a:r>
+              <a:rPr lang="en-US" sz="3200" b="1" dirty="0" smtClean="0">
+                <a:solidFill>
+                  <a:schemeClr val="tx2"/>
+                </a:solidFill>
+                <a:latin typeface="Comic Sans MS" pitchFamily="8" charset="0"/>
+              </a:rPr>
+              <a:t>of a network, (and # edges, its cost):</a:t>
+            </a:r>
+            <a:endParaRPr lang="en-US" sz="3200" b="1" dirty="0">
+              <a:solidFill>
+                <a:schemeClr val="tx2"/>
+              </a:solidFill>
+              <a:latin typeface="Comic Sans MS" pitchFamily="8" charset="0"/>
+            </a:endParaRPr>
+          </a:p>
+        </p:txBody>
+      </p:sp>
+      <p:sp>
+        <p:nvSpPr>
+          <p:cNvPr id="2056" name="Rectangle 2"/>
+          <p:cNvSpPr>
+            <a:spLocks noChangeArrowheads="1"/>
+          </p:cNvSpPr>
+          <p:nvPr/>
+        </p:nvSpPr>
+        <p:spPr bwMode="auto">
+          <a:xfrm>
+            <a:off x="678219" y="1623705"/>
+            <a:ext cx="7924317" cy="4074080"/>
+          </a:xfrm>
+          <a:prstGeom prst="rect">
+            <a:avLst/>
+          </a:prstGeom>
+          <a:noFill/>
+          <a:ln w="9525">
+            <a:noFill/>
+            <a:miter lim="800000"/>
+            <a:headEnd/>
+            <a:tailEnd/>
+          </a:ln>
+        </p:spPr>
+        <p:txBody>
+          <a:bodyPr anchor="ctr"/>
+          <a:lstStyle/>
+          <a:p>
+            <a:r>
+              <a:rPr lang="en-US" sz="3200" b="1" dirty="0" smtClean="0">
+                <a:solidFill>
+                  <a:schemeClr val="tx2"/>
+                </a:solidFill>
+                <a:latin typeface="Comic Sans MS" pitchFamily="8" charset="0"/>
+              </a:rPr>
+              <a:t>Type           </a:t>
+            </a:r>
+            <a:r>
+              <a:rPr lang="en-US" sz="3200" b="1" dirty="0">
+                <a:solidFill>
+                  <a:schemeClr val="tx2"/>
+                </a:solidFill>
+                <a:latin typeface="Comic Sans MS" pitchFamily="8" charset="0"/>
+              </a:rPr>
+              <a:t>connectivity   </a:t>
+            </a:r>
+            <a:r>
+              <a:rPr lang="en-US" sz="3200" b="1" dirty="0" smtClean="0">
+                <a:solidFill>
+                  <a:schemeClr val="tx2"/>
+                </a:solidFill>
+                <a:latin typeface="Comic Sans MS" pitchFamily="8" charset="0"/>
+              </a:rPr>
+              <a:t>cost</a:t>
+            </a:r>
+          </a:p>
+          <a:p>
+            <a:r>
+              <a:rPr lang="en-US" sz="3200" b="1" dirty="0">
+                <a:solidFill>
+                  <a:schemeClr val="tx2"/>
+                </a:solidFill>
+                <a:latin typeface="Comic Sans MS" pitchFamily="8" charset="0"/>
+              </a:rPr>
+              <a:t>Tree                </a:t>
+            </a:r>
+            <a:r>
+              <a:rPr lang="en-US" sz="3200" b="1" baseline="-25000" dirty="0">
+                <a:solidFill>
+                  <a:schemeClr val="tx2"/>
+                </a:solidFill>
+                <a:latin typeface="Comic Sans MS" pitchFamily="8" charset="0"/>
+              </a:rPr>
+              <a:t> </a:t>
+            </a:r>
+            <a:r>
+              <a:rPr lang="en-US" sz="3200" b="1" dirty="0">
+                <a:solidFill>
+                  <a:schemeClr val="tx2"/>
+                </a:solidFill>
+                <a:latin typeface="Comic Sans MS" pitchFamily="8" charset="0"/>
+              </a:rPr>
+              <a:t>1,        n-</a:t>
+            </a:r>
+            <a:r>
+              <a:rPr lang="en-US" sz="3200" b="1" dirty="0" smtClean="0">
+                <a:solidFill>
+                  <a:schemeClr val="tx2"/>
+                </a:solidFill>
+                <a:latin typeface="Comic Sans MS" pitchFamily="8" charset="0"/>
+              </a:rPr>
+              <a:t>1</a:t>
+            </a:r>
+            <a:endParaRPr lang="en-US" sz="3200" b="1" dirty="0" smtClean="0">
+              <a:solidFill>
+                <a:schemeClr val="tx2"/>
+              </a:solidFill>
+              <a:latin typeface="Comic Sans MS" pitchFamily="8" charset="0"/>
+            </a:endParaRPr>
+          </a:p>
+          <a:p>
+            <a:r>
+              <a:rPr lang="en-US" sz="3200" b="1" dirty="0" smtClean="0">
+                <a:solidFill>
+                  <a:schemeClr val="tx2"/>
+                </a:solidFill>
+                <a:latin typeface="Comic Sans MS" pitchFamily="8" charset="0"/>
+              </a:rPr>
+              <a:t>Cycle                </a:t>
+            </a:r>
+            <a:r>
+              <a:rPr lang="en-US" sz="3200" b="1" dirty="0" smtClean="0">
+                <a:solidFill>
+                  <a:schemeClr val="tx2"/>
+                </a:solidFill>
+                <a:latin typeface="Comic Sans MS" pitchFamily="8" charset="0"/>
+              </a:rPr>
+              <a:t>2</a:t>
+            </a:r>
+            <a:r>
+              <a:rPr lang="en-US" sz="3200" b="1" dirty="0">
+                <a:solidFill>
+                  <a:schemeClr val="tx2"/>
+                </a:solidFill>
+                <a:latin typeface="Comic Sans MS" pitchFamily="8" charset="0"/>
+              </a:rPr>
+              <a:t>,       </a:t>
+            </a:r>
+            <a:r>
+              <a:rPr lang="en-US" sz="3200" b="1" dirty="0" smtClean="0">
+                <a:solidFill>
+                  <a:schemeClr val="tx2"/>
+                </a:solidFill>
+                <a:latin typeface="Comic Sans MS" pitchFamily="8" charset="0"/>
+              </a:rPr>
+              <a:t>  n</a:t>
+            </a:r>
+          </a:p>
+          <a:p>
+            <a:r>
+              <a:rPr lang="en-US" sz="3200" b="1" dirty="0" smtClean="0">
+                <a:solidFill>
+                  <a:schemeClr val="tx2"/>
+                </a:solidFill>
+                <a:latin typeface="Comic Sans MS" pitchFamily="8" charset="0"/>
+              </a:rPr>
+              <a:t>Grid                 4,        </a:t>
+            </a:r>
+            <a:r>
+              <a:rPr lang="en-US" sz="3200" b="1" dirty="0" smtClean="0">
+                <a:solidFill>
+                  <a:schemeClr val="tx2"/>
+                </a:solidFill>
+                <a:latin typeface="Comic Sans MS" pitchFamily="8" charset="0"/>
+              </a:rPr>
+              <a:t> </a:t>
+            </a:r>
+            <a:r>
+              <a:rPr lang="en-US" sz="3200" b="1" dirty="0" smtClean="0">
+                <a:solidFill>
+                  <a:schemeClr val="tx2"/>
+                </a:solidFill>
+                <a:latin typeface="Comic Sans MS" pitchFamily="8" charset="0"/>
+              </a:rPr>
+              <a:t>2n</a:t>
+            </a:r>
+          </a:p>
+          <a:p>
+            <a:r>
+              <a:rPr lang="en-US" sz="3200" b="1" dirty="0" smtClean="0">
+                <a:solidFill>
+                  <a:schemeClr val="tx2"/>
+                </a:solidFill>
+                <a:latin typeface="Comic Sans MS" pitchFamily="8" charset="0"/>
+              </a:rPr>
+              <a:t>Hypercube        </a:t>
+            </a:r>
+            <a:r>
+              <a:rPr lang="en-US" sz="3200" b="1" dirty="0">
+                <a:solidFill>
+                  <a:schemeClr val="tx2"/>
+                </a:solidFill>
+                <a:latin typeface="Comic Sans MS" pitchFamily="8" charset="0"/>
+              </a:rPr>
+              <a:t>log n,   </a:t>
+            </a:r>
+            <a:r>
+              <a:rPr lang="en-US" sz="3200" b="1" dirty="0" smtClean="0">
+                <a:solidFill>
+                  <a:schemeClr val="tx2"/>
+                </a:solidFill>
+                <a:latin typeface="Comic Sans MS" pitchFamily="8" charset="0"/>
+              </a:rPr>
+              <a:t>  </a:t>
+            </a:r>
+            <a:r>
+              <a:rPr lang="en-US" sz="3200" b="1" dirty="0">
+                <a:solidFill>
+                  <a:schemeClr val="tx2"/>
+                </a:solidFill>
+                <a:latin typeface="Comic Sans MS" pitchFamily="8" charset="0"/>
+              </a:rPr>
+              <a:t>(n log n)/</a:t>
+            </a:r>
+            <a:r>
+              <a:rPr lang="en-US" sz="3200" b="1" dirty="0" smtClean="0">
+                <a:solidFill>
+                  <a:schemeClr val="tx2"/>
+                </a:solidFill>
+                <a:latin typeface="Comic Sans MS" pitchFamily="8" charset="0"/>
+              </a:rPr>
+              <a:t>2</a:t>
+            </a:r>
+          </a:p>
+          <a:p>
+            <a:r>
+              <a:rPr lang="en-US" sz="3200" b="1" dirty="0">
+                <a:solidFill>
+                  <a:schemeClr val="tx2"/>
+                </a:solidFill>
+                <a:latin typeface="Comic Sans MS" pitchFamily="8" charset="0"/>
+              </a:rPr>
+              <a:t>Complete graph    n-1,     ~n</a:t>
+            </a:r>
+            <a:r>
+              <a:rPr lang="en-US" sz="3200" b="1" baseline="30000" dirty="0">
+                <a:solidFill>
+                  <a:schemeClr val="tx2"/>
+                </a:solidFill>
+                <a:latin typeface="Comic Sans MS" pitchFamily="8" charset="0"/>
+              </a:rPr>
+              <a:t>2</a:t>
+            </a:r>
+            <a:r>
+              <a:rPr lang="en-US" sz="3200" b="1" dirty="0">
+                <a:solidFill>
+                  <a:schemeClr val="tx2"/>
+                </a:solidFill>
+                <a:latin typeface="Comic Sans MS" pitchFamily="8" charset="0"/>
+              </a:rPr>
+              <a:t>/</a:t>
+            </a:r>
+            <a:r>
+              <a:rPr lang="en-US" sz="3200" b="1" dirty="0" smtClean="0">
+                <a:solidFill>
+                  <a:schemeClr val="tx2"/>
+                </a:solidFill>
+                <a:latin typeface="Comic Sans MS" pitchFamily="8" charset="0"/>
+              </a:rPr>
+              <a:t>2</a:t>
+            </a:r>
+            <a:endParaRPr lang="en-US" sz="3200" b="1" dirty="0">
+              <a:solidFill>
+                <a:schemeClr val="tx2"/>
+              </a:solidFill>
+              <a:latin typeface="Comic Sans MS" pitchFamily="8" charset="0"/>
+            </a:endParaRPr>
+          </a:p>
+        </p:txBody>
+      </p:sp>
+    </p:spTree>
+    <p:extLst>
+      <p:ext uri="{BB962C8B-B14F-4D97-AF65-F5344CB8AC3E}">
+        <p14:creationId xmlns:p14="http://schemas.microsoft.com/office/powerpoint/2010/main" val="3233045634"/>
+      </p:ext>
+    </p:extLst>
+  </p:cSld>
+  <p:clrMapOvr>
+    <a:masterClrMapping/>
+  </p:clrMapOvr>
+  <mc:AlternateContent xmlns:mc="http://schemas.openxmlformats.org/markup-compatibility/2006">
+    <mc:Choice xmlns:p14="http://schemas.microsoft.com/office/powerpoint/2010/main" Requires="p14">
+      <p:transition spd="slow" p14:dur="800" advClick="0">
+        <p:fade/>
+      </p:transition>
+    </mc:Choice>
+    <mc:Fallback>
+      <p:transition xmlns:p14="http://schemas.microsoft.com/office/powerpoint/2010/main" spd="slow" advClick="0">
+        <p:fade/>
+      </p:transition>
+    </mc:Fallback>
+  </mc:AlternateContent>
+  <p:timing>
+    <p:tnLst>
+      <p:par>
+        <p:cTn xmlns:p14="http://schemas.microsoft.com/office/powerpoint/2010/main" id="1" dur="indefinite" restart="never" nodeType="tmRoot">
+          <p:childTnLst>
+            <p:seq concurrent="1" nextAc="seek">
+              <p:cTn id="2" dur="indefinite" nodeType="mainSeq">
+                <p:childTnLst>
+                  <p:par>
+                    <p:cTn id="3" fill="hold">
+                      <p:stCondLst>
+                        <p:cond delay="indefinite"/>
+                      </p:stCondLst>
+                      <p:childTnLst>
+                        <p:par>
+                          <p:cTn id="4" fill="hold">
+                            <p:stCondLst>
+                              <p:cond delay="0"/>
+                            </p:stCondLst>
+                            <p:childTnLst>
+                              <p:par>
+                                <p:cTn id="5" presetID="10" presetClass="entr" presetSubtype="0" fill="hold" nodeType="clickEffect">
+                                  <p:stCondLst>
+                                    <p:cond delay="0"/>
+                                  </p:stCondLst>
+                                  <p:childTnLst>
+                                    <p:set>
+                                      <p:cBhvr>
+                                        <p:cTn id="6" dur="1" fill="hold">
+                                          <p:stCondLst>
+                                            <p:cond delay="0"/>
+                                          </p:stCondLst>
+                                        </p:cTn>
+                                        <p:tgtEl>
+                                          <p:spTgt spid="2056">
+                                            <p:txEl>
+                                              <p:pRg st="0" end="0"/>
+                                            </p:txEl>
+                                          </p:spTgt>
+                                        </p:tgtEl>
+                                        <p:attrNameLst>
+                                          <p:attrName>style.visibility</p:attrName>
+                                        </p:attrNameLst>
+                                      </p:cBhvr>
+                                      <p:to>
+                                        <p:strVal val="visible"/>
+                                      </p:to>
+                                    </p:set>
+                                    <p:animEffect transition="in" filter="fade">
+                                      <p:cBhvr>
+                                        <p:cTn id="7" dur="500"/>
+                                        <p:tgtEl>
+                                          <p:spTgt spid="2056">
+                                            <p:txEl>
+                                              <p:pRg st="0" end="0"/>
+                                            </p:txEl>
+                                          </p:spTgt>
+                                        </p:tgtEl>
+                                      </p:cBhvr>
+                                    </p:animEffect>
+                                  </p:childTnLst>
+                                </p:cTn>
+                              </p:par>
+                            </p:childTnLst>
+                          </p:cTn>
+                        </p:par>
+                        <p:par>
+                          <p:cTn id="8" fill="hold">
+                            <p:stCondLst>
+                              <p:cond delay="500"/>
+                            </p:stCondLst>
+                            <p:childTnLst>
+                              <p:par>
+                                <p:cTn id="9" presetID="10" presetClass="entr" presetSubtype="0" fill="hold" nodeType="afterEffect">
+                                  <p:stCondLst>
+                                    <p:cond delay="0"/>
+                                  </p:stCondLst>
+                                  <p:childTnLst>
+                                    <p:set>
+                                      <p:cBhvr>
+                                        <p:cTn id="10" dur="1" fill="hold">
+                                          <p:stCondLst>
+                                            <p:cond delay="0"/>
+                                          </p:stCondLst>
+                                        </p:cTn>
+                                        <p:tgtEl>
+                                          <p:spTgt spid="2"/>
+                                        </p:tgtEl>
+                                        <p:attrNameLst>
+                                          <p:attrName>style.visibility</p:attrName>
+                                        </p:attrNameLst>
+                                      </p:cBhvr>
+                                      <p:to>
+                                        <p:strVal val="visible"/>
+                                      </p:to>
+                                    </p:set>
+                                    <p:animEffect transition="in" filter="fade">
+                                      <p:cBhvr>
+                                        <p:cTn id="11" dur="500"/>
+                                        <p:tgtEl>
+                                          <p:spTgt spid="2"/>
+                                        </p:tgtEl>
+                                      </p:cBhvr>
+                                    </p:animEffect>
+                                  </p:childTnLst>
+                                </p:cTn>
+                              </p:par>
+                            </p:childTnLst>
+                          </p:cTn>
+                        </p:par>
+                      </p:childTnLst>
+                    </p:cTn>
+                  </p:par>
+                  <p:par>
+                    <p:cTn id="12" fill="hold">
+                      <p:stCondLst>
+                        <p:cond delay="indefinite"/>
+                      </p:stCondLst>
+                      <p:childTnLst>
+                        <p:par>
+                          <p:cTn id="13" fill="hold">
+                            <p:stCondLst>
+                              <p:cond delay="0"/>
+                            </p:stCondLst>
+                            <p:childTnLst>
+                              <p:par>
+                                <p:cTn id="14" presetID="10" presetClass="entr" presetSubtype="0" fill="hold" nodeType="clickEffect">
+                                  <p:stCondLst>
+                                    <p:cond delay="0"/>
+                                  </p:stCondLst>
+                                  <p:childTnLst>
+                                    <p:set>
+                                      <p:cBhvr>
+                                        <p:cTn id="15" dur="1" fill="hold">
+                                          <p:stCondLst>
+                                            <p:cond delay="0"/>
+                                          </p:stCondLst>
+                                        </p:cTn>
+                                        <p:tgtEl>
+                                          <p:spTgt spid="2056">
+                                            <p:txEl>
+                                              <p:pRg st="1" end="1"/>
+                                            </p:txEl>
+                                          </p:spTgt>
+                                        </p:tgtEl>
+                                        <p:attrNameLst>
+                                          <p:attrName>style.visibility</p:attrName>
+                                        </p:attrNameLst>
+                                      </p:cBhvr>
+                                      <p:to>
+                                        <p:strVal val="visible"/>
+                                      </p:to>
+                                    </p:set>
+                                    <p:animEffect transition="in" filter="fade">
+                                      <p:cBhvr>
+                                        <p:cTn id="16" dur="500"/>
+                                        <p:tgtEl>
+                                          <p:spTgt spid="2056">
+                                            <p:txEl>
+                                              <p:pRg st="1" end="1"/>
+                                            </p:txEl>
+                                          </p:spTgt>
+                                        </p:tgtEl>
+                                      </p:cBhvr>
+                                    </p:animEffect>
+                                  </p:childTnLst>
+                                </p:cTn>
+                              </p:par>
+                            </p:childTnLst>
+                          </p:cTn>
+                        </p:par>
+                      </p:childTnLst>
+                    </p:cTn>
+                  </p:par>
+                  <p:par>
+                    <p:cTn id="17" fill="hold">
+                      <p:stCondLst>
+                        <p:cond delay="indefinite"/>
+                      </p:stCondLst>
+                      <p:childTnLst>
+                        <p:par>
+                          <p:cTn id="18" fill="hold">
+                            <p:stCondLst>
+                              <p:cond delay="0"/>
+                            </p:stCondLst>
+                            <p:childTnLst>
+                              <p:par>
+                                <p:cTn id="19" presetID="10" presetClass="entr" presetSubtype="0" fill="hold" nodeType="clickEffect">
+                                  <p:stCondLst>
+                                    <p:cond delay="0"/>
+                                  </p:stCondLst>
+                                  <p:childTnLst>
+                                    <p:set>
+                                      <p:cBhvr>
+                                        <p:cTn id="20" dur="1" fill="hold">
+                                          <p:stCondLst>
+                                            <p:cond delay="0"/>
+                                          </p:stCondLst>
+                                        </p:cTn>
+                                        <p:tgtEl>
+                                          <p:spTgt spid="2056">
+                                            <p:txEl>
+                                              <p:pRg st="2" end="2"/>
+                                            </p:txEl>
+                                          </p:spTgt>
+                                        </p:tgtEl>
+                                        <p:attrNameLst>
+                                          <p:attrName>style.visibility</p:attrName>
+                                        </p:attrNameLst>
+                                      </p:cBhvr>
+                                      <p:to>
+                                        <p:strVal val="visible"/>
+                                      </p:to>
+                                    </p:set>
+                                    <p:animEffect transition="in" filter="fade">
+                                      <p:cBhvr>
+                                        <p:cTn id="21" dur="500"/>
+                                        <p:tgtEl>
+                                          <p:spTgt spid="2056">
+                                            <p:txEl>
+                                              <p:pRg st="2" end="2"/>
+                                            </p:txEl>
+                                          </p:spTgt>
+                                        </p:tgtEl>
+                                      </p:cBhvr>
+                                    </p:animEffect>
+                                  </p:childTnLst>
+                                </p:cTn>
+                              </p:par>
+                            </p:childTnLst>
+                          </p:cTn>
+                        </p:par>
+                      </p:childTnLst>
+                    </p:cTn>
+                  </p:par>
+                  <p:par>
+                    <p:cTn id="22" fill="hold">
+                      <p:stCondLst>
+                        <p:cond delay="indefinite"/>
+                      </p:stCondLst>
+                      <p:childTnLst>
+                        <p:par>
+                          <p:cTn id="23" fill="hold">
+                            <p:stCondLst>
+                              <p:cond delay="0"/>
+                            </p:stCondLst>
+                            <p:childTnLst>
+                              <p:par>
+                                <p:cTn id="24" presetID="10" presetClass="entr" presetSubtype="0" fill="hold" nodeType="clickEffect">
+                                  <p:stCondLst>
+                                    <p:cond delay="0"/>
+                                  </p:stCondLst>
+                                  <p:childTnLst>
+                                    <p:set>
+                                      <p:cBhvr>
+                                        <p:cTn id="25" dur="1" fill="hold">
+                                          <p:stCondLst>
+                                            <p:cond delay="0"/>
+                                          </p:stCondLst>
+                                        </p:cTn>
+                                        <p:tgtEl>
+                                          <p:spTgt spid="2056">
+                                            <p:txEl>
+                                              <p:pRg st="3" end="3"/>
+                                            </p:txEl>
+                                          </p:spTgt>
+                                        </p:tgtEl>
+                                        <p:attrNameLst>
+                                          <p:attrName>style.visibility</p:attrName>
+                                        </p:attrNameLst>
+                                      </p:cBhvr>
+                                      <p:to>
+                                        <p:strVal val="visible"/>
+                                      </p:to>
+                                    </p:set>
+                                    <p:animEffect transition="in" filter="fade">
+                                      <p:cBhvr>
+                                        <p:cTn id="26" dur="500"/>
+                                        <p:tgtEl>
+                                          <p:spTgt spid="2056">
+                                            <p:txEl>
+                                              <p:pRg st="3" end="3"/>
+                                            </p:txEl>
+                                          </p:spTgt>
+                                        </p:tgtEl>
+                                      </p:cBhvr>
+                                    </p:animEffect>
+                                  </p:childTnLst>
+                                </p:cTn>
+                              </p:par>
+                            </p:childTnLst>
+                          </p:cTn>
+                        </p:par>
+                      </p:childTnLst>
+                    </p:cTn>
+                  </p:par>
+                  <p:par>
+                    <p:cTn id="27" fill="hold">
+                      <p:stCondLst>
+                        <p:cond delay="indefinite"/>
+                      </p:stCondLst>
+                      <p:childTnLst>
+                        <p:par>
+                          <p:cTn id="28" fill="hold">
+                            <p:stCondLst>
+                              <p:cond delay="0"/>
+                            </p:stCondLst>
+                            <p:childTnLst>
+                              <p:par>
+                                <p:cTn id="29" presetID="10" presetClass="entr" presetSubtype="0" fill="hold" nodeType="clickEffect">
+                                  <p:stCondLst>
+                                    <p:cond delay="0"/>
+                                  </p:stCondLst>
+                                  <p:childTnLst>
+                                    <p:set>
+                                      <p:cBhvr>
+                                        <p:cTn id="30" dur="1" fill="hold">
+                                          <p:stCondLst>
+                                            <p:cond delay="0"/>
+                                          </p:stCondLst>
+                                        </p:cTn>
+                                        <p:tgtEl>
+                                          <p:spTgt spid="2056">
+                                            <p:txEl>
+                                              <p:pRg st="4" end="4"/>
+                                            </p:txEl>
+                                          </p:spTgt>
+                                        </p:tgtEl>
+                                        <p:attrNameLst>
+                                          <p:attrName>style.visibility</p:attrName>
+                                        </p:attrNameLst>
+                                      </p:cBhvr>
+                                      <p:to>
+                                        <p:strVal val="visible"/>
+                                      </p:to>
+                                    </p:set>
+                                    <p:animEffect transition="in" filter="fade">
+                                      <p:cBhvr>
+                                        <p:cTn id="31" dur="500"/>
+                                        <p:tgtEl>
+                                          <p:spTgt spid="2056">
+                                            <p:txEl>
+                                              <p:pRg st="4" end="4"/>
+                                            </p:txEl>
+                                          </p:spTgt>
+                                        </p:tgtEl>
+                                      </p:cBhvr>
+                                    </p:animEffect>
+                                  </p:childTnLst>
+                                </p:cTn>
+                              </p:par>
+                            </p:childTnLst>
+                          </p:cTn>
+                        </p:par>
+                      </p:childTnLst>
+                    </p:cTn>
+                  </p:par>
+                  <p:par>
+                    <p:cTn id="32" fill="hold">
+                      <p:stCondLst>
+                        <p:cond delay="indefinite"/>
+                      </p:stCondLst>
+                      <p:childTnLst>
+                        <p:par>
+                          <p:cTn id="33" fill="hold">
+                            <p:stCondLst>
+                              <p:cond delay="0"/>
+                            </p:stCondLst>
+                            <p:childTnLst>
+                              <p:par>
+                                <p:cTn id="34" presetID="10" presetClass="entr" presetSubtype="0" fill="hold" nodeType="clickEffect">
+                                  <p:stCondLst>
+                                    <p:cond delay="0"/>
+                                  </p:stCondLst>
+                                  <p:childTnLst>
+                                    <p:set>
+                                      <p:cBhvr>
+                                        <p:cTn id="35" dur="1" fill="hold">
+                                          <p:stCondLst>
+                                            <p:cond delay="0"/>
+                                          </p:stCondLst>
+                                        </p:cTn>
+                                        <p:tgtEl>
+                                          <p:spTgt spid="2056">
+                                            <p:txEl>
+                                              <p:pRg st="5" end="5"/>
+                                            </p:txEl>
+                                          </p:spTgt>
+                                        </p:tgtEl>
+                                        <p:attrNameLst>
+                                          <p:attrName>style.visibility</p:attrName>
+                                        </p:attrNameLst>
+                                      </p:cBhvr>
+                                      <p:to>
+                                        <p:strVal val="visible"/>
+                                      </p:to>
+                                    </p:set>
+                                    <p:animEffect transition="in" filter="fade">
+                                      <p:cBhvr>
+                                        <p:cTn id="36" dur="500"/>
+                                        <p:tgtEl>
+                                          <p:spTgt spid="2056">
+                                            <p:txEl>
+                                              <p:pRg st="5" end="5"/>
+                                            </p:txEl>
+                                          </p:spTgt>
+                                        </p:tgtEl>
+                                      </p:cBhvr>
+                                    </p:animEffect>
+                                  </p:childTnLst>
+                                </p:cTn>
+                              </p:par>
+                            </p:childTnLst>
+                          </p:cTn>
+                        </p:par>
+                      </p:childTnLst>
+                    </p:cTn>
+                  </p:par>
+                </p:childTnLst>
+              </p:cTn>
+              <p:prevCondLst>
+                <p:cond evt="onPrev" delay="0">
+                  <p:tgtEl>
+                    <p:sldTgt/>
+                  </p:tgtEl>
+                </p:cond>
+              </p:prevCondLst>
+              <p:nextCondLst>
+                <p:cond evt="onNext" delay="0">
+                  <p:tgtEl>
+                    <p:sldTgt/>
+                  </p:tgtEl>
+                </p:cond>
+              </p:nextCondLst>
+            </p:seq>
+          </p:childTnLst>
+        </p:cTn>
+      </p:par>
+    </p:tnLst>
+  </p:timing>
+</p:sld>
+</file>
+
+<file path=ppt/slides/slide22.xml><?xml version="1.0" encoding="utf-8"?>
+<p:sld xmlns:a="http://schemas.openxmlformats.org/drawingml/2006/main" xmlns:r="http://schemas.openxmlformats.org/officeDocument/2006/relationships" xmlns:p="http://schemas.openxmlformats.org/presentationml/2006/main">
+  <p:cSld>
+    <p:spTree>
+      <p:nvGrpSpPr>
+        <p:cNvPr id="1" name=""/>
+        <p:cNvGrpSpPr/>
+        <p:nvPr/>
+      </p:nvGrpSpPr>
+      <p:grpSpPr>
+        <a:xfrm>
+          <a:off x="0" y="0"/>
+          <a:ext cx="0" cy="0"/>
+          <a:chOff x="0" y="0"/>
+          <a:chExt cx="0" cy="0"/>
+        </a:xfrm>
+      </p:grpSpPr>
+      <p:grpSp>
+        <p:nvGrpSpPr>
+          <p:cNvPr id="2" name="Group 12"/>
+          <p:cNvGrpSpPr>
+            <a:grpSpLocks/>
+          </p:cNvGrpSpPr>
+          <p:nvPr/>
+        </p:nvGrpSpPr>
+        <p:grpSpPr bwMode="auto">
+          <a:xfrm>
+            <a:off x="509556" y="2244406"/>
+            <a:ext cx="7459662" cy="3368675"/>
+            <a:chOff x="709851" y="2803362"/>
+            <a:chExt cx="7459578" cy="3368842"/>
+          </a:xfrm>
+        </p:grpSpPr>
+        <p:cxnSp>
+          <p:nvCxnSpPr>
+            <p:cNvPr id="24582" name="Straight Connector 6"/>
+            <p:cNvCxnSpPr>
+              <a:cxnSpLocks noChangeShapeType="1"/>
+            </p:cNvCxnSpPr>
+            <p:nvPr/>
+          </p:nvCxnSpPr>
+          <p:spPr bwMode="auto">
+            <a:xfrm>
+              <a:off x="709851" y="3282361"/>
+              <a:ext cx="7459578" cy="1588"/>
+            </a:xfrm>
+            <a:prstGeom prst="line">
+              <a:avLst/>
+            </a:prstGeom>
+            <a:noFill/>
+            <a:ln w="25400" algn="ctr">
+              <a:solidFill>
+                <a:schemeClr val="tx1"/>
+              </a:solidFill>
+              <a:prstDash val="dash"/>
+              <a:round/>
+              <a:headEnd/>
+              <a:tailEnd type="none" w="lg" len="lg"/>
+            </a:ln>
+          </p:spPr>
+        </p:cxnSp>
+        <p:cxnSp>
+          <p:nvCxnSpPr>
+            <p:cNvPr id="24583" name="Straight Connector 8"/>
+            <p:cNvCxnSpPr>
+              <a:cxnSpLocks noChangeShapeType="1"/>
+            </p:cNvCxnSpPr>
+            <p:nvPr/>
+          </p:nvCxnSpPr>
+          <p:spPr bwMode="auto">
+            <a:xfrm rot="5400000">
+              <a:off x="4667830" y="4475753"/>
+              <a:ext cx="3368842" cy="24059"/>
+            </a:xfrm>
+            <a:prstGeom prst="line">
+              <a:avLst/>
+            </a:prstGeom>
+            <a:noFill/>
+            <a:ln w="25400" algn="ctr">
+              <a:solidFill>
+                <a:schemeClr val="tx1"/>
+              </a:solidFill>
+              <a:prstDash val="dash"/>
+              <a:round/>
+              <a:headEnd/>
+              <a:tailEnd type="none" w="lg" len="lg"/>
+            </a:ln>
+          </p:spPr>
+        </p:cxnSp>
+      </p:grpSp>
+      <p:sp>
+        <p:nvSpPr>
+          <p:cNvPr id="24578" name="Rectangle 2"/>
+          <p:cNvSpPr>
+            <a:spLocks noGrp="1" noChangeArrowheads="1"/>
+          </p:cNvSpPr>
+          <p:nvPr>
+            <p:ph type="title"/>
+          </p:nvPr>
+        </p:nvSpPr>
+        <p:spPr>
+          <a:xfrm>
+            <a:off x="2822118" y="0"/>
+            <a:ext cx="3727639" cy="1009073"/>
+          </a:xfrm>
+        </p:spPr>
+        <p:txBody>
+          <a:bodyPr/>
+          <a:lstStyle/>
+          <a:p>
+            <a:pPr eaLnBrk="1" hangingPunct="1"/>
+            <a:r>
+              <a:rPr lang="en-US" dirty="0" smtClean="0"/>
+              <a:t>k-connectivity</a:t>
+            </a:r>
+            <a:endParaRPr lang="en-US" dirty="0" smtClean="0"/>
+          </a:p>
+        </p:txBody>
+      </p:sp>
+      <p:sp>
+        <p:nvSpPr>
+          <p:cNvPr id="8" name="Slide Number Placeholder 3"/>
+          <p:cNvSpPr>
+            <a:spLocks noGrp="1"/>
+          </p:cNvSpPr>
+          <p:nvPr>
+            <p:ph type="sldNum" sz="quarter" idx="10"/>
+          </p:nvPr>
+        </p:nvSpPr>
+        <p:spPr/>
+        <p:txBody>
+          <a:bodyPr/>
+          <a:lstStyle/>
+          <a:p>
+            <a:pPr>
+              <a:defRPr/>
+            </a:pPr>
+            <a:r>
+              <a:rPr lang="en-US" dirty="0" smtClean="0"/>
+              <a:t>k-connect.</a:t>
+            </a:r>
+            <a:fld id="{E0862B09-D28A-4DC1-8DF8-9F3B5AF8E2FB}" type="slidenum">
+              <a:rPr lang="en-US" smtClean="0"/>
+              <a:pPr>
+                <a:defRPr/>
+              </a:pPr>
+              <a:t>22</a:t>
+            </a:fld>
+            <a:endParaRPr lang="en-US" dirty="0"/>
+          </a:p>
+        </p:txBody>
+      </p:sp>
+      <p:sp>
+        <p:nvSpPr>
+          <p:cNvPr id="9" name="Rectangle 8"/>
+          <p:cNvSpPr/>
+          <p:nvPr/>
+        </p:nvSpPr>
+        <p:spPr>
+          <a:xfrm>
+            <a:off x="556260" y="902207"/>
+            <a:ext cx="8107680" cy="1077218"/>
+          </a:xfrm>
+          <a:prstGeom prst="rect">
+            <a:avLst/>
+          </a:prstGeom>
+        </p:spPr>
+        <p:txBody>
+          <a:bodyPr wrap="square">
+            <a:spAutoFit/>
+          </a:bodyPr>
+          <a:lstStyle/>
+          <a:p>
+            <a:r>
+              <a:rPr lang="en-US" sz="3200" b="1" dirty="0" smtClean="0">
+                <a:solidFill>
+                  <a:schemeClr val="tx2"/>
+                </a:solidFill>
+                <a:latin typeface="Comic Sans MS" pitchFamily="8" charset="0"/>
+              </a:rPr>
+              <a:t>Connectivity measures </a:t>
+            </a:r>
+            <a:r>
+              <a:rPr lang="en-US" sz="3200" b="1" dirty="0" smtClean="0">
+                <a:solidFill>
+                  <a:srgbClr val="0033CC"/>
+                </a:solidFill>
+                <a:latin typeface="Comic Sans MS" pitchFamily="8" charset="0"/>
+              </a:rPr>
+              <a:t>fault tolerance </a:t>
+            </a:r>
+            <a:r>
+              <a:rPr lang="en-US" sz="3200" b="1" dirty="0" smtClean="0">
+                <a:solidFill>
+                  <a:schemeClr val="tx2"/>
+                </a:solidFill>
+                <a:latin typeface="Comic Sans MS" pitchFamily="8" charset="0"/>
+              </a:rPr>
+              <a:t>of a network, (and # edges, its cost):</a:t>
+            </a:r>
+            <a:endParaRPr lang="en-US" sz="3200" b="1" dirty="0">
+              <a:solidFill>
+                <a:schemeClr val="tx2"/>
+              </a:solidFill>
+              <a:latin typeface="Comic Sans MS" pitchFamily="8" charset="0"/>
+            </a:endParaRPr>
+          </a:p>
+        </p:txBody>
+      </p:sp>
+      <p:sp>
+        <p:nvSpPr>
+          <p:cNvPr id="2056" name="Rectangle 2"/>
+          <p:cNvSpPr>
+            <a:spLocks noChangeArrowheads="1"/>
+          </p:cNvSpPr>
+          <p:nvPr/>
+        </p:nvSpPr>
+        <p:spPr bwMode="auto">
+          <a:xfrm>
+            <a:off x="678219" y="1623705"/>
+            <a:ext cx="7924317" cy="4074080"/>
+          </a:xfrm>
+          <a:prstGeom prst="rect">
+            <a:avLst/>
+          </a:prstGeom>
+          <a:noFill/>
+          <a:ln w="9525">
+            <a:noFill/>
+            <a:miter lim="800000"/>
+            <a:headEnd/>
+            <a:tailEnd/>
+          </a:ln>
+        </p:spPr>
+        <p:txBody>
+          <a:bodyPr anchor="ctr"/>
+          <a:lstStyle/>
+          <a:p>
+            <a:r>
+              <a:rPr lang="en-US" sz="3200" b="1" dirty="0" smtClean="0">
+                <a:solidFill>
+                  <a:schemeClr val="tx2"/>
+                </a:solidFill>
+                <a:latin typeface="Comic Sans MS" pitchFamily="8" charset="0"/>
+              </a:rPr>
+              <a:t>Type           </a:t>
+            </a:r>
+            <a:r>
+              <a:rPr lang="en-US" sz="3200" b="1" dirty="0">
+                <a:solidFill>
+                  <a:schemeClr val="tx2"/>
+                </a:solidFill>
+                <a:latin typeface="Comic Sans MS" pitchFamily="8" charset="0"/>
+              </a:rPr>
+              <a:t>connectivity   </a:t>
+            </a:r>
+            <a:r>
+              <a:rPr lang="en-US" sz="3200" b="1" dirty="0" smtClean="0">
+                <a:solidFill>
+                  <a:schemeClr val="tx2"/>
+                </a:solidFill>
+                <a:latin typeface="Comic Sans MS" pitchFamily="8" charset="0"/>
+              </a:rPr>
+              <a:t>cost</a:t>
+            </a:r>
+          </a:p>
+          <a:p>
+            <a:r>
+              <a:rPr lang="en-US" sz="3200" b="1" dirty="0" smtClean="0">
+                <a:solidFill>
+                  <a:schemeClr val="tx2"/>
+                </a:solidFill>
+                <a:latin typeface="Comic Sans MS" pitchFamily="8" charset="0"/>
+              </a:rPr>
+              <a:t>Complete </a:t>
+            </a:r>
+            <a:r>
+              <a:rPr lang="en-US" sz="3200" b="1" dirty="0">
+                <a:solidFill>
+                  <a:schemeClr val="tx2"/>
+                </a:solidFill>
+                <a:latin typeface="Comic Sans MS" pitchFamily="8" charset="0"/>
+              </a:rPr>
+              <a:t>graph    n-1,     ~n</a:t>
+            </a:r>
+            <a:r>
+              <a:rPr lang="en-US" sz="3200" b="1" baseline="30000" dirty="0">
+                <a:solidFill>
+                  <a:schemeClr val="tx2"/>
+                </a:solidFill>
+                <a:latin typeface="Comic Sans MS" pitchFamily="8" charset="0"/>
+              </a:rPr>
+              <a:t>2</a:t>
+            </a:r>
+            <a:r>
+              <a:rPr lang="en-US" sz="3200" b="1" dirty="0">
+                <a:solidFill>
+                  <a:schemeClr val="tx2"/>
+                </a:solidFill>
+                <a:latin typeface="Comic Sans MS" pitchFamily="8" charset="0"/>
+              </a:rPr>
+              <a:t>/</a:t>
+            </a:r>
+            <a:r>
+              <a:rPr lang="en-US" sz="3200" b="1" dirty="0" smtClean="0">
+                <a:solidFill>
+                  <a:schemeClr val="tx2"/>
+                </a:solidFill>
+                <a:latin typeface="Comic Sans MS" pitchFamily="8" charset="0"/>
+              </a:rPr>
+              <a:t>2</a:t>
+            </a:r>
+          </a:p>
+          <a:p>
+            <a:r>
+              <a:rPr lang="en-US" sz="3200" b="1" dirty="0">
+                <a:solidFill>
+                  <a:schemeClr val="tx2"/>
+                </a:solidFill>
+                <a:latin typeface="Comic Sans MS" pitchFamily="8" charset="0"/>
+              </a:rPr>
+              <a:t>Hypercube        log n,     (n log n)/</a:t>
+            </a:r>
+            <a:r>
+              <a:rPr lang="en-US" sz="3200" b="1" dirty="0" smtClean="0">
+                <a:solidFill>
+                  <a:schemeClr val="tx2"/>
+                </a:solidFill>
+                <a:latin typeface="Comic Sans MS" pitchFamily="8" charset="0"/>
+              </a:rPr>
+              <a:t>2</a:t>
+            </a:r>
+          </a:p>
+          <a:p>
+            <a:r>
+              <a:rPr lang="en-US" sz="3200" b="1" dirty="0">
+                <a:solidFill>
+                  <a:schemeClr val="tx2"/>
+                </a:solidFill>
+                <a:latin typeface="Comic Sans MS" pitchFamily="8" charset="0"/>
+              </a:rPr>
+              <a:t>Grid                 4,         </a:t>
+            </a:r>
+            <a:r>
+              <a:rPr lang="en-US" sz="3200" b="1" dirty="0" smtClean="0">
+                <a:solidFill>
+                  <a:schemeClr val="tx2"/>
+                </a:solidFill>
+                <a:latin typeface="Comic Sans MS" pitchFamily="8" charset="0"/>
+              </a:rPr>
+              <a:t>2n</a:t>
+            </a:r>
+          </a:p>
+          <a:p>
+            <a:r>
+              <a:rPr lang="en-US" sz="3200" b="1" dirty="0">
+                <a:solidFill>
+                  <a:schemeClr val="tx2"/>
+                </a:solidFill>
+                <a:latin typeface="Comic Sans MS" pitchFamily="8" charset="0"/>
+              </a:rPr>
+              <a:t>Cycle                2,         </a:t>
+            </a:r>
+            <a:r>
+              <a:rPr lang="en-US" sz="3200" b="1" dirty="0" smtClean="0">
+                <a:solidFill>
+                  <a:schemeClr val="tx2"/>
+                </a:solidFill>
+                <a:latin typeface="Comic Sans MS" pitchFamily="8" charset="0"/>
+              </a:rPr>
+              <a:t>n</a:t>
+            </a:r>
+          </a:p>
+          <a:p>
+            <a:r>
+              <a:rPr lang="en-US" sz="3200" b="1" dirty="0">
+                <a:solidFill>
+                  <a:schemeClr val="tx2"/>
+                </a:solidFill>
+                <a:latin typeface="Comic Sans MS" pitchFamily="8" charset="0"/>
+              </a:rPr>
+              <a:t>Tree                </a:t>
+            </a:r>
+            <a:r>
+              <a:rPr lang="en-US" sz="3200" b="1" baseline="-25000" dirty="0">
+                <a:solidFill>
+                  <a:schemeClr val="tx2"/>
+                </a:solidFill>
+                <a:latin typeface="Comic Sans MS" pitchFamily="8" charset="0"/>
+              </a:rPr>
+              <a:t> </a:t>
+            </a:r>
+            <a:r>
+              <a:rPr lang="en-US" sz="3200" b="1" dirty="0">
+                <a:solidFill>
+                  <a:schemeClr val="tx2"/>
+                </a:solidFill>
+                <a:latin typeface="Comic Sans MS" pitchFamily="8" charset="0"/>
+              </a:rPr>
+              <a:t>1,        n-</a:t>
+            </a:r>
+            <a:r>
+              <a:rPr lang="en-US" sz="3200" b="1" dirty="0" smtClean="0">
+                <a:solidFill>
+                  <a:schemeClr val="tx2"/>
+                </a:solidFill>
+                <a:latin typeface="Comic Sans MS" pitchFamily="8" charset="0"/>
+              </a:rPr>
+              <a:t>1</a:t>
+            </a:r>
+            <a:endParaRPr lang="en-US" sz="3200" b="1" dirty="0">
+              <a:solidFill>
+                <a:schemeClr val="tx2"/>
+              </a:solidFill>
+              <a:latin typeface="Comic Sans MS" pitchFamily="8" charset="0"/>
+            </a:endParaRPr>
+          </a:p>
+        </p:txBody>
+      </p:sp>
+    </p:spTree>
+    <p:extLst>
+      <p:ext uri="{BB962C8B-B14F-4D97-AF65-F5344CB8AC3E}">
+        <p14:creationId xmlns:p14="http://schemas.microsoft.com/office/powerpoint/2010/main" val="1137763854"/>
+      </p:ext>
+    </p:extLst>
+  </p:cSld>
+  <p:clrMapOvr>
+    <a:masterClrMapping/>
+  </p:clrMapOvr>
+  <mc:AlternateContent xmlns:mc="http://schemas.openxmlformats.org/markup-compatibility/2006">
+    <mc:Choice xmlns:p14="http://schemas.microsoft.com/office/powerpoint/2010/main" Requires="p14">
+      <p:transition spd="slow" p14:dur="800" advClick="0">
+        <p:fade/>
+      </p:transition>
+    </mc:Choice>
+    <mc:Fallback>
+      <p:transition xmlns:p14="http://schemas.microsoft.com/office/powerpoint/2010/main" spd="slow" advClick="0">
+        <p:fade/>
+      </p:transition>
+    </mc:Fallback>
+  </mc:AlternateContent>
+  <p:timing>
+    <p:tnLst>
+      <p:par>
+        <p:cTn xmlns:p14="http://schemas.microsoft.com/office/powerpoint/2010/main" id="1" dur="indefinite" restart="never" nodeType="tmRoot">
+          <p:childTnLst>
+            <p:seq concurrent="1" nextAc="seek">
+              <p:cTn id="2" dur="indefinite" nodeType="mainSeq">
+                <p:childTnLst>
+                  <p:par>
+                    <p:cTn id="3" fill="hold">
+                      <p:stCondLst>
+                        <p:cond delay="indefinite"/>
+                      </p:stCondLst>
+                      <p:childTnLst>
+                        <p:par>
+                          <p:cTn id="4" fill="hold">
+                            <p:stCondLst>
+                              <p:cond delay="0"/>
+                            </p:stCondLst>
+                            <p:childTnLst>
+                              <p:par>
+                                <p:cTn id="5" presetID="10" presetClass="entr" presetSubtype="0" fill="hold" nodeType="clickEffect">
+                                  <p:stCondLst>
+                                    <p:cond delay="0"/>
+                                  </p:stCondLst>
+                                  <p:childTnLst>
+                                    <p:set>
+                                      <p:cBhvr>
+                                        <p:cTn id="6" dur="1" fill="hold">
+                                          <p:stCondLst>
+                                            <p:cond delay="0"/>
+                                          </p:stCondLst>
+                                        </p:cTn>
+                                        <p:tgtEl>
+                                          <p:spTgt spid="2056">
+                                            <p:txEl>
+                                              <p:pRg st="0" end="0"/>
+                                            </p:txEl>
+                                          </p:spTgt>
+                                        </p:tgtEl>
+                                        <p:attrNameLst>
+                                          <p:attrName>style.visibility</p:attrName>
+                                        </p:attrNameLst>
+                                      </p:cBhvr>
+                                      <p:to>
+                                        <p:strVal val="visible"/>
+                                      </p:to>
+                                    </p:set>
+                                    <p:animEffect transition="in" filter="fade">
+                                      <p:cBhvr>
+                                        <p:cTn id="7" dur="500"/>
+                                        <p:tgtEl>
+                                          <p:spTgt spid="2056">
+                                            <p:txEl>
+                                              <p:pRg st="0" end="0"/>
+                                            </p:txEl>
+                                          </p:spTgt>
+                                        </p:tgtEl>
+                                      </p:cBhvr>
+                                    </p:animEffect>
+                                  </p:childTnLst>
+                                </p:cTn>
+                              </p:par>
+                            </p:childTnLst>
+                          </p:cTn>
+                        </p:par>
+                        <p:par>
+                          <p:cTn id="8" fill="hold">
+                            <p:stCondLst>
+                              <p:cond delay="500"/>
+                            </p:stCondLst>
+                            <p:childTnLst>
+                              <p:par>
+                                <p:cTn id="9" presetID="10" presetClass="entr" presetSubtype="0" fill="hold" nodeType="afterEffect">
+                                  <p:stCondLst>
+                                    <p:cond delay="0"/>
+                                  </p:stCondLst>
+                                  <p:childTnLst>
+                                    <p:set>
+                                      <p:cBhvr>
+                                        <p:cTn id="10" dur="1" fill="hold">
+                                          <p:stCondLst>
+                                            <p:cond delay="0"/>
+                                          </p:stCondLst>
+                                        </p:cTn>
+                                        <p:tgtEl>
+                                          <p:spTgt spid="2"/>
+                                        </p:tgtEl>
+                                        <p:attrNameLst>
+                                          <p:attrName>style.visibility</p:attrName>
+                                        </p:attrNameLst>
+                                      </p:cBhvr>
+                                      <p:to>
+                                        <p:strVal val="visible"/>
+                                      </p:to>
+                                    </p:set>
+                                    <p:animEffect transition="in" filter="fade">
+                                      <p:cBhvr>
+                                        <p:cTn id="11" dur="500"/>
+                                        <p:tgtEl>
+                                          <p:spTgt spid="2"/>
+                                        </p:tgtEl>
+                                      </p:cBhvr>
+                                    </p:animEffect>
+                                  </p:childTnLst>
+                                </p:cTn>
+                              </p:par>
+                            </p:childTnLst>
+                          </p:cTn>
+                        </p:par>
+                      </p:childTnLst>
+                    </p:cTn>
+                  </p:par>
+                  <p:par>
+                    <p:cTn id="12" fill="hold">
+                      <p:stCondLst>
+                        <p:cond delay="indefinite"/>
+                      </p:stCondLst>
+                      <p:childTnLst>
+                        <p:par>
+                          <p:cTn id="13" fill="hold">
+                            <p:stCondLst>
+                              <p:cond delay="0"/>
+                            </p:stCondLst>
+                            <p:childTnLst>
+                              <p:par>
+                                <p:cTn id="14" presetID="10" presetClass="entr" presetSubtype="0" fill="hold" nodeType="clickEffect">
+                                  <p:stCondLst>
+                                    <p:cond delay="0"/>
+                                  </p:stCondLst>
+                                  <p:childTnLst>
+                                    <p:set>
+                                      <p:cBhvr>
+                                        <p:cTn id="15" dur="1" fill="hold">
+                                          <p:stCondLst>
+                                            <p:cond delay="0"/>
+                                          </p:stCondLst>
+                                        </p:cTn>
+                                        <p:tgtEl>
+                                          <p:spTgt spid="2056">
+                                            <p:txEl>
+                                              <p:pRg st="1" end="1"/>
+                                            </p:txEl>
+                                          </p:spTgt>
+                                        </p:tgtEl>
+                                        <p:attrNameLst>
+                                          <p:attrName>style.visibility</p:attrName>
+                                        </p:attrNameLst>
+                                      </p:cBhvr>
+                                      <p:to>
+                                        <p:strVal val="visible"/>
+                                      </p:to>
+                                    </p:set>
+                                    <p:animEffect transition="in" filter="fade">
+                                      <p:cBhvr>
+                                        <p:cTn id="16" dur="500"/>
+                                        <p:tgtEl>
+                                          <p:spTgt spid="2056">
+                                            <p:txEl>
+                                              <p:pRg st="1" end="1"/>
+                                            </p:txEl>
+                                          </p:spTgt>
+                                        </p:tgtEl>
+                                      </p:cBhvr>
+                                    </p:animEffect>
+                                  </p:childTnLst>
+                                </p:cTn>
+                              </p:par>
+                            </p:childTnLst>
+                          </p:cTn>
+                        </p:par>
+                      </p:childTnLst>
+                    </p:cTn>
+                  </p:par>
+                  <p:par>
+                    <p:cTn id="17" fill="hold">
+                      <p:stCondLst>
+                        <p:cond delay="indefinite"/>
+                      </p:stCondLst>
+                      <p:childTnLst>
+                        <p:par>
+                          <p:cTn id="18" fill="hold">
+                            <p:stCondLst>
+                              <p:cond delay="0"/>
+                            </p:stCondLst>
+                            <p:childTnLst>
+                              <p:par>
+                                <p:cTn id="19" presetID="10" presetClass="entr" presetSubtype="0" fill="hold" nodeType="clickEffect">
+                                  <p:stCondLst>
+                                    <p:cond delay="0"/>
+                                  </p:stCondLst>
+                                  <p:childTnLst>
+                                    <p:set>
+                                      <p:cBhvr>
+                                        <p:cTn id="20" dur="1" fill="hold">
+                                          <p:stCondLst>
+                                            <p:cond delay="0"/>
+                                          </p:stCondLst>
+                                        </p:cTn>
+                                        <p:tgtEl>
+                                          <p:spTgt spid="2056">
+                                            <p:txEl>
+                                              <p:pRg st="2" end="2"/>
+                                            </p:txEl>
+                                          </p:spTgt>
+                                        </p:tgtEl>
+                                        <p:attrNameLst>
+                                          <p:attrName>style.visibility</p:attrName>
+                                        </p:attrNameLst>
+                                      </p:cBhvr>
+                                      <p:to>
+                                        <p:strVal val="visible"/>
+                                      </p:to>
+                                    </p:set>
+                                    <p:animEffect transition="in" filter="fade">
+                                      <p:cBhvr>
+                                        <p:cTn id="21" dur="500"/>
+                                        <p:tgtEl>
+                                          <p:spTgt spid="2056">
+                                            <p:txEl>
+                                              <p:pRg st="2" end="2"/>
+                                            </p:txEl>
+                                          </p:spTgt>
+                                        </p:tgtEl>
+                                      </p:cBhvr>
+                                    </p:animEffect>
+                                  </p:childTnLst>
+                                </p:cTn>
+                              </p:par>
+                            </p:childTnLst>
+                          </p:cTn>
+                        </p:par>
+                      </p:childTnLst>
+                    </p:cTn>
+                  </p:par>
+                  <p:par>
+                    <p:cTn id="22" fill="hold">
+                      <p:stCondLst>
+                        <p:cond delay="indefinite"/>
+                      </p:stCondLst>
+                      <p:childTnLst>
+                        <p:par>
+                          <p:cTn id="23" fill="hold">
+                            <p:stCondLst>
+                              <p:cond delay="0"/>
+                            </p:stCondLst>
+                            <p:childTnLst>
+                              <p:par>
+                                <p:cTn id="24" presetID="10" presetClass="entr" presetSubtype="0" fill="hold" nodeType="clickEffect">
+                                  <p:stCondLst>
+                                    <p:cond delay="0"/>
+                                  </p:stCondLst>
+                                  <p:childTnLst>
+                                    <p:set>
+                                      <p:cBhvr>
+                                        <p:cTn id="25" dur="1" fill="hold">
+                                          <p:stCondLst>
+                                            <p:cond delay="0"/>
+                                          </p:stCondLst>
+                                        </p:cTn>
+                                        <p:tgtEl>
+                                          <p:spTgt spid="2056">
+                                            <p:txEl>
+                                              <p:pRg st="3" end="3"/>
+                                            </p:txEl>
+                                          </p:spTgt>
+                                        </p:tgtEl>
+                                        <p:attrNameLst>
+                                          <p:attrName>style.visibility</p:attrName>
+                                        </p:attrNameLst>
+                                      </p:cBhvr>
+                                      <p:to>
+                                        <p:strVal val="visible"/>
+                                      </p:to>
+                                    </p:set>
+                                    <p:animEffect transition="in" filter="fade">
+                                      <p:cBhvr>
+                                        <p:cTn id="26" dur="500"/>
+                                        <p:tgtEl>
+                                          <p:spTgt spid="2056">
+                                            <p:txEl>
+                                              <p:pRg st="3" end="3"/>
+                                            </p:txEl>
+                                          </p:spTgt>
+                                        </p:tgtEl>
+                                      </p:cBhvr>
+                                    </p:animEffect>
+                                  </p:childTnLst>
+                                </p:cTn>
+                              </p:par>
+                            </p:childTnLst>
+                          </p:cTn>
+                        </p:par>
+                      </p:childTnLst>
+                    </p:cTn>
+                  </p:par>
+                  <p:par>
+                    <p:cTn id="27" fill="hold">
+                      <p:stCondLst>
+                        <p:cond delay="indefinite"/>
+                      </p:stCondLst>
+                      <p:childTnLst>
+                        <p:par>
+                          <p:cTn id="28" fill="hold">
+                            <p:stCondLst>
+                              <p:cond delay="0"/>
+                            </p:stCondLst>
+                            <p:childTnLst>
+                              <p:par>
+                                <p:cTn id="29" presetID="10" presetClass="entr" presetSubtype="0" fill="hold" nodeType="clickEffect">
+                                  <p:stCondLst>
+                                    <p:cond delay="0"/>
+                                  </p:stCondLst>
+                                  <p:childTnLst>
+                                    <p:set>
+                                      <p:cBhvr>
+                                        <p:cTn id="30" dur="1" fill="hold">
+                                          <p:stCondLst>
+                                            <p:cond delay="0"/>
+                                          </p:stCondLst>
+                                        </p:cTn>
+                                        <p:tgtEl>
+                                          <p:spTgt spid="2056">
+                                            <p:txEl>
+                                              <p:pRg st="4" end="4"/>
+                                            </p:txEl>
+                                          </p:spTgt>
+                                        </p:tgtEl>
+                                        <p:attrNameLst>
+                                          <p:attrName>style.visibility</p:attrName>
+                                        </p:attrNameLst>
+                                      </p:cBhvr>
+                                      <p:to>
+                                        <p:strVal val="visible"/>
+                                      </p:to>
+                                    </p:set>
+                                    <p:animEffect transition="in" filter="fade">
+                                      <p:cBhvr>
+                                        <p:cTn id="31" dur="500"/>
+                                        <p:tgtEl>
+                                          <p:spTgt spid="2056">
+                                            <p:txEl>
+                                              <p:pRg st="4" end="4"/>
+                                            </p:txEl>
+                                          </p:spTgt>
+                                        </p:tgtEl>
+                                      </p:cBhvr>
+                                    </p:animEffect>
+                                  </p:childTnLst>
+                                </p:cTn>
+                              </p:par>
+                            </p:childTnLst>
+                          </p:cTn>
+                        </p:par>
+                      </p:childTnLst>
+                    </p:cTn>
+                  </p:par>
+                  <p:par>
+                    <p:cTn id="32" fill="hold">
+                      <p:stCondLst>
+                        <p:cond delay="indefinite"/>
+                      </p:stCondLst>
+                      <p:childTnLst>
+                        <p:par>
+                          <p:cTn id="33" fill="hold">
+                            <p:stCondLst>
+                              <p:cond delay="0"/>
+                            </p:stCondLst>
+                            <p:childTnLst>
+                              <p:par>
+                                <p:cTn id="34" presetID="10" presetClass="entr" presetSubtype="0" fill="hold" nodeType="clickEffect">
+                                  <p:stCondLst>
+                                    <p:cond delay="0"/>
+                                  </p:stCondLst>
+                                  <p:childTnLst>
+                                    <p:set>
+                                      <p:cBhvr>
+                                        <p:cTn id="35" dur="1" fill="hold">
+                                          <p:stCondLst>
+                                            <p:cond delay="0"/>
+                                          </p:stCondLst>
+                                        </p:cTn>
+                                        <p:tgtEl>
+                                          <p:spTgt spid="2056">
+                                            <p:txEl>
+                                              <p:pRg st="5" end="5"/>
+                                            </p:txEl>
+                                          </p:spTgt>
+                                        </p:tgtEl>
+                                        <p:attrNameLst>
+                                          <p:attrName>style.visibility</p:attrName>
+                                        </p:attrNameLst>
+                                      </p:cBhvr>
+                                      <p:to>
+                                        <p:strVal val="visible"/>
+                                      </p:to>
+                                    </p:set>
+                                    <p:animEffect transition="in" filter="fade">
+                                      <p:cBhvr>
+                                        <p:cTn id="36" dur="500"/>
+                                        <p:tgtEl>
+                                          <p:spTgt spid="2056">
+                                            <p:txEl>
+                                              <p:pRg st="5" end="5"/>
+                                            </p:txEl>
+                                          </p:spTgt>
+                                        </p:tgtEl>
+                                      </p:cBhvr>
+                                    </p:animEffect>
+                                  </p:childTnLst>
+                                </p:cTn>
+                              </p:par>
+                            </p:childTnLst>
+                          </p:cTn>
+                        </p:par>
+                      </p:childTnLst>
+                    </p:cTn>
+                  </p:par>
+                </p:childTnLst>
+              </p:cTn>
+              <p:prevCondLst>
+                <p:cond evt="onPrev" delay="0">
+                  <p:tgtEl>
+                    <p:sldTgt/>
+                  </p:tgtEl>
+                </p:cond>
+              </p:prevCondLst>
+              <p:nextCondLst>
+                <p:cond evt="onNext" delay="0">
+                  <p:tgtEl>
+                    <p:sldTgt/>
+                  </p:tgtEl>
+                </p:cond>
+              </p:nextCondLst>
+            </p:seq>
+          </p:childTnLst>
+        </p:cTn>
+      </p:par>
+    </p:tnLst>
   </p:timing>
 </p:sld>
 </file>
@@ -13386,75 +15416,6 @@
           </a:p>
         </p:txBody>
       </p:sp>
-      <p:grpSp>
-        <p:nvGrpSpPr>
-          <p:cNvPr id="32" name="Group 31"/>
-          <p:cNvGrpSpPr/>
-          <p:nvPr/>
-        </p:nvGrpSpPr>
-        <p:grpSpPr>
-          <a:xfrm>
-            <a:off x="6091480" y="2100834"/>
-            <a:ext cx="1877873" cy="2540983"/>
-            <a:chOff x="6240294" y="2255412"/>
-            <a:chExt cx="1877873" cy="2540983"/>
-          </a:xfrm>
-        </p:grpSpPr>
-        <p:cxnSp>
-          <p:nvCxnSpPr>
-            <p:cNvPr id="33" name="AutoShape 20"/>
-            <p:cNvCxnSpPr>
-              <a:cxnSpLocks noChangeShapeType="1"/>
-            </p:cNvCxnSpPr>
-            <p:nvPr/>
-          </p:nvCxnSpPr>
-          <p:spPr bwMode="auto">
-            <a:xfrm>
-              <a:off x="6376907" y="2255412"/>
-              <a:ext cx="1741260" cy="1560717"/>
-            </a:xfrm>
-            <a:prstGeom prst="straightConnector1">
-              <a:avLst/>
-            </a:prstGeom>
-            <a:noFill/>
-            <a:ln w="38100">
-              <a:solidFill>
-                <a:srgbClr val="008000"/>
-              </a:solidFill>
-              <a:round/>
-              <a:headEnd/>
-              <a:tailEnd type="none" w="lg" len="lg"/>
-            </a:ln>
-          </p:spPr>
-        </p:cxnSp>
-        <p:cxnSp>
-          <p:nvCxnSpPr>
-            <p:cNvPr id="34" name="AutoShape 21"/>
-            <p:cNvCxnSpPr>
-              <a:cxnSpLocks noChangeShapeType="1"/>
-            </p:cNvCxnSpPr>
-            <p:nvPr/>
-          </p:nvCxnSpPr>
-          <p:spPr bwMode="auto">
-            <a:xfrm flipH="1">
-              <a:off x="6240294" y="2315625"/>
-              <a:ext cx="2169" cy="2480770"/>
-            </a:xfrm>
-            <a:prstGeom prst="straightConnector1">
-              <a:avLst/>
-            </a:prstGeom>
-            <a:noFill/>
-            <a:ln w="38100">
-              <a:solidFill>
-                <a:srgbClr val="008000"/>
-              </a:solidFill>
-              <a:round/>
-              <a:headEnd/>
-              <a:tailEnd type="none" w="lg" len="lg"/>
-            </a:ln>
-          </p:spPr>
-        </p:cxnSp>
-      </p:grpSp>
     </p:spTree>
   </p:cSld>
   <p:clrMapOvr>
@@ -13521,50 +15482,6 @@
                             </p:childTnLst>
                           </p:cTn>
                         </p:par>
-                        <p:par>
-                          <p:cTn id="8" fill="hold">
-                            <p:stCondLst>
-                              <p:cond delay="500"/>
-                            </p:stCondLst>
-                            <p:childTnLst>
-                              <p:par>
-                                <p:cTn id="9" presetID="22" presetClass="entr" presetSubtype="1" fill="hold" nodeType="afterEffect">
-                                  <p:stCondLst>
-                                    <p:cond delay="0"/>
-                                  </p:stCondLst>
-                                  <p:childTnLst>
-                                    <p:set>
-                                      <p:cBhvr>
-                                        <p:cTn id="10" dur="1" fill="hold">
-                                          <p:stCondLst>
-                                            <p:cond delay="0"/>
-                                          </p:stCondLst>
-                                        </p:cTn>
-                                        <p:tgtEl>
-                                          <p:spTgt spid="32"/>
-                                        </p:tgtEl>
-                                        <p:attrNameLst>
-                                          <p:attrName>style.visibility</p:attrName>
-                                        </p:attrNameLst>
-                                      </p:cBhvr>
-                                      <p:to>
-                                        <p:strVal val="visible"/>
-                                      </p:to>
-                                    </p:set>
-                                    <p:animEffect transition="in" filter="wipe(up)">
-                                      <p:cBhvr>
-                                        <p:cTn id="11" dur="500"/>
-                                        <p:tgtEl>
-                                          <p:spTgt spid="32"/>
-                                        </p:tgtEl>
-                                      </p:cBhvr>
-                                    </p:animEffect>
-                                  </p:childTnLst>
-                                </p:cTn>
-                              </p:par>
-                            </p:childTnLst>
-                          </p:cTn>
-                        </p:par>
                       </p:childTnLst>
                     </p:cTn>
                   </p:par>
@@ -14162,18 +16079,18 @@
       </p:cxnSp>
       <p:cxnSp>
         <p:nvCxnSpPr>
-          <p:cNvPr id="17429" name="AutoShape 22"/>
+          <p:cNvPr id="17427" name="AutoShape 20"/>
           <p:cNvCxnSpPr>
             <a:cxnSpLocks noChangeShapeType="1"/>
-            <a:stCxn id="17415" idx="6"/>
-            <a:endCxn id="17419" idx="2"/>
+            <a:stCxn id="17417" idx="5"/>
+            <a:endCxn id="17419" idx="1"/>
           </p:cNvCxnSpPr>
           <p:nvPr/>
         </p:nvCxnSpPr>
         <p:spPr bwMode="auto">
           <a:xfrm>
-            <a:off x="5088242" y="3813058"/>
-            <a:ext cx="2823315" cy="0"/>
+            <a:off x="6224507" y="2103012"/>
+            <a:ext cx="1741260" cy="1560717"/>
           </a:xfrm>
           <a:prstGeom prst="straightConnector1">
             <a:avLst/>
@@ -14191,18 +16108,18 @@
       </p:cxnSp>
       <p:cxnSp>
         <p:nvCxnSpPr>
-          <p:cNvPr id="17430" name="AutoShape 24"/>
+          <p:cNvPr id="17428" name="AutoShape 21"/>
           <p:cNvCxnSpPr>
             <a:cxnSpLocks noChangeShapeType="1"/>
-            <a:stCxn id="17413" idx="5"/>
-            <a:endCxn id="17415" idx="1"/>
+            <a:stCxn id="17417" idx="4"/>
+            <a:endCxn id="17418" idx="0"/>
           </p:cNvCxnSpPr>
           <p:nvPr/>
         </p:nvCxnSpPr>
         <p:spPr bwMode="auto">
-          <a:xfrm>
-            <a:off x="4088588" y="2103012"/>
-            <a:ext cx="676555" cy="1560717"/>
+          <a:xfrm flipH="1">
+            <a:off x="6087894" y="2163225"/>
+            <a:ext cx="2169" cy="2480770"/>
           </a:xfrm>
           <a:prstGeom prst="straightConnector1">
             <a:avLst/>
@@ -14218,6 +16135,64 @@
           </a:ln>
         </p:spPr>
       </p:cxnSp>
+      <p:cxnSp>
+        <p:nvCxnSpPr>
+          <p:cNvPr id="17429" name="AutoShape 22"/>
+          <p:cNvCxnSpPr>
+            <a:cxnSpLocks noChangeShapeType="1"/>
+            <a:stCxn id="17415" idx="6"/>
+            <a:endCxn id="17419" idx="2"/>
+          </p:cNvCxnSpPr>
+          <p:nvPr/>
+        </p:nvCxnSpPr>
+        <p:spPr bwMode="auto">
+          <a:xfrm>
+            <a:off x="5088242" y="3813058"/>
+            <a:ext cx="2823315" cy="0"/>
+          </a:xfrm>
+          <a:prstGeom prst="straightConnector1">
+            <a:avLst/>
+          </a:prstGeom>
+          <a:noFill/>
+          <a:ln w="25400">
+            <a:solidFill>
+              <a:schemeClr val="tx1"/>
+            </a:solidFill>
+            <a:round/>
+            <a:headEnd/>
+            <a:tailEnd type="none" w="lg" len="lg"/>
+          </a:ln>
+        </p:spPr>
+      </p:cxnSp>
+      <p:cxnSp>
+        <p:nvCxnSpPr>
+          <p:cNvPr id="17430" name="AutoShape 24"/>
+          <p:cNvCxnSpPr>
+            <a:cxnSpLocks noChangeShapeType="1"/>
+            <a:stCxn id="17413" idx="5"/>
+            <a:endCxn id="17415" idx="1"/>
+          </p:cNvCxnSpPr>
+          <p:nvPr/>
+        </p:nvCxnSpPr>
+        <p:spPr bwMode="auto">
+          <a:xfrm>
+            <a:off x="4088588" y="2103012"/>
+            <a:ext cx="676555" cy="1560717"/>
+          </a:xfrm>
+          <a:prstGeom prst="straightConnector1">
+            <a:avLst/>
+          </a:prstGeom>
+          <a:noFill/>
+          <a:ln w="25400">
+            <a:solidFill>
+              <a:schemeClr val="tx1"/>
+            </a:solidFill>
+            <a:round/>
+            <a:headEnd/>
+            <a:tailEnd type="none" w="lg" len="lg"/>
+          </a:ln>
+        </p:spPr>
+      </p:cxnSp>
       <p:sp>
         <p:nvSpPr>
           <p:cNvPr id="24" name="Slide Number Placeholder 3"/>
@@ -14246,6 +16221,900 @@
                 <a:defRPr/>
               </a:pPr>
               <a:t>6</a:t>
+            </a:fld>
+            <a:endParaRPr lang="en-US" dirty="0"/>
+          </a:p>
+        </p:txBody>
+      </p:sp>
+      <p:grpSp>
+        <p:nvGrpSpPr>
+          <p:cNvPr id="27" name="Group 26"/>
+          <p:cNvGrpSpPr/>
+          <p:nvPr/>
+        </p:nvGrpSpPr>
+        <p:grpSpPr>
+          <a:xfrm>
+            <a:off x="5901028" y="1745931"/>
+            <a:ext cx="379477" cy="3318933"/>
+            <a:chOff x="6051640" y="1896543"/>
+            <a:chExt cx="379477" cy="3318933"/>
+          </a:xfrm>
+          <a:solidFill>
+            <a:srgbClr val="008000"/>
+          </a:solidFill>
+        </p:grpSpPr>
+        <p:sp>
+          <p:nvSpPr>
+            <p:cNvPr id="25" name="Oval 10"/>
+            <p:cNvSpPr>
+              <a:spLocks noChangeArrowheads="1"/>
+            </p:cNvSpPr>
+            <p:nvPr/>
+          </p:nvSpPr>
+          <p:spPr bwMode="auto">
+            <a:xfrm>
+              <a:off x="6053808" y="1896543"/>
+              <a:ext cx="377309" cy="419082"/>
+            </a:xfrm>
+            <a:prstGeom prst="ellipse">
+              <a:avLst/>
+            </a:prstGeom>
+            <a:grpFill/>
+            <a:ln w="25400">
+              <a:solidFill>
+                <a:schemeClr val="tx1"/>
+              </a:solidFill>
+              <a:round/>
+              <a:headEnd/>
+              <a:tailEnd type="none" w="lg" len="lg"/>
+            </a:ln>
+          </p:spPr>
+          <p:txBody>
+            <a:bodyPr wrap="none" anchor="ctr"/>
+            <a:lstStyle/>
+            <a:p>
+              <a:endParaRPr lang="en-US"/>
+            </a:p>
+          </p:txBody>
+        </p:sp>
+        <p:sp>
+          <p:nvSpPr>
+            <p:cNvPr id="26" name="Oval 11"/>
+            <p:cNvSpPr>
+              <a:spLocks noChangeArrowheads="1"/>
+            </p:cNvSpPr>
+            <p:nvPr/>
+          </p:nvSpPr>
+          <p:spPr bwMode="auto">
+            <a:xfrm>
+              <a:off x="6051640" y="4796394"/>
+              <a:ext cx="377309" cy="419082"/>
+            </a:xfrm>
+            <a:prstGeom prst="ellipse">
+              <a:avLst/>
+            </a:prstGeom>
+            <a:grpFill/>
+            <a:ln w="25400">
+              <a:solidFill>
+                <a:schemeClr val="tx1"/>
+              </a:solidFill>
+              <a:round/>
+              <a:headEnd/>
+              <a:tailEnd type="none" w="lg" len="lg"/>
+            </a:ln>
+          </p:spPr>
+          <p:txBody>
+            <a:bodyPr wrap="none" anchor="ctr"/>
+            <a:lstStyle/>
+            <a:p>
+              <a:endParaRPr lang="en-US"/>
+            </a:p>
+          </p:txBody>
+        </p:sp>
+      </p:grpSp>
+      <p:sp>
+        <p:nvSpPr>
+          <p:cNvPr id="28" name="TextBox 27"/>
+          <p:cNvSpPr txBox="1"/>
+          <p:nvPr/>
+        </p:nvSpPr>
+        <p:spPr>
+          <a:xfrm>
+            <a:off x="2222267" y="5604934"/>
+            <a:ext cx="4867038" cy="769441"/>
+          </a:xfrm>
+          <a:prstGeom prst="rect">
+            <a:avLst/>
+          </a:prstGeom>
+          <a:noFill/>
+        </p:spPr>
+        <p:txBody>
+          <a:bodyPr wrap="none" rtlCol="0">
+            <a:spAutoFit/>
+          </a:bodyPr>
+          <a:lstStyle/>
+          <a:p>
+            <a:r>
+              <a:rPr lang="en-US" sz="4400" dirty="0" smtClean="0">
+                <a:latin typeface="+mj-lt"/>
+              </a:rPr>
+              <a:t>2-</a:t>
+            </a:r>
+            <a:r>
+              <a:rPr lang="en-US" sz="4400" dirty="0" smtClean="0">
+                <a:solidFill>
+                  <a:srgbClr val="008000"/>
+                </a:solidFill>
+                <a:latin typeface="+mj-lt"/>
+              </a:rPr>
+              <a:t>edge</a:t>
+            </a:r>
+            <a:r>
+              <a:rPr lang="en-US" sz="4400" dirty="0" smtClean="0">
+                <a:latin typeface="+mj-lt"/>
+              </a:rPr>
+              <a:t> connected</a:t>
+            </a:r>
+            <a:endParaRPr lang="en-US" sz="4400" dirty="0">
+              <a:latin typeface="+mj-lt"/>
+            </a:endParaRPr>
+          </a:p>
+        </p:txBody>
+      </p:sp>
+      <p:grpSp>
+        <p:nvGrpSpPr>
+          <p:cNvPr id="32" name="Group 31"/>
+          <p:cNvGrpSpPr/>
+          <p:nvPr/>
+        </p:nvGrpSpPr>
+        <p:grpSpPr>
+          <a:xfrm>
+            <a:off x="6091480" y="2100834"/>
+            <a:ext cx="1877873" cy="2540983"/>
+            <a:chOff x="6240294" y="2255412"/>
+            <a:chExt cx="1877873" cy="2540983"/>
+          </a:xfrm>
+        </p:grpSpPr>
+        <p:cxnSp>
+          <p:nvCxnSpPr>
+            <p:cNvPr id="33" name="AutoShape 20"/>
+            <p:cNvCxnSpPr>
+              <a:cxnSpLocks noChangeShapeType="1"/>
+            </p:cNvCxnSpPr>
+            <p:nvPr/>
+          </p:nvCxnSpPr>
+          <p:spPr bwMode="auto">
+            <a:xfrm>
+              <a:off x="6376907" y="2255412"/>
+              <a:ext cx="1741260" cy="1560717"/>
+            </a:xfrm>
+            <a:prstGeom prst="straightConnector1">
+              <a:avLst/>
+            </a:prstGeom>
+            <a:noFill/>
+            <a:ln w="38100">
+              <a:solidFill>
+                <a:srgbClr val="008000"/>
+              </a:solidFill>
+              <a:round/>
+              <a:headEnd/>
+              <a:tailEnd type="none" w="lg" len="lg"/>
+            </a:ln>
+          </p:spPr>
+        </p:cxnSp>
+        <p:cxnSp>
+          <p:nvCxnSpPr>
+            <p:cNvPr id="34" name="AutoShape 21"/>
+            <p:cNvCxnSpPr>
+              <a:cxnSpLocks noChangeShapeType="1"/>
+            </p:cNvCxnSpPr>
+            <p:nvPr/>
+          </p:nvCxnSpPr>
+          <p:spPr bwMode="auto">
+            <a:xfrm flipH="1">
+              <a:off x="6240294" y="2315625"/>
+              <a:ext cx="2169" cy="2480770"/>
+            </a:xfrm>
+            <a:prstGeom prst="straightConnector1">
+              <a:avLst/>
+            </a:prstGeom>
+            <a:noFill/>
+            <a:ln w="38100">
+              <a:solidFill>
+                <a:srgbClr val="008000"/>
+              </a:solidFill>
+              <a:round/>
+              <a:headEnd/>
+              <a:tailEnd type="none" w="lg" len="lg"/>
+            </a:ln>
+          </p:spPr>
+        </p:cxnSp>
+      </p:grpSp>
+    </p:spTree>
+    <p:extLst>
+      <p:ext uri="{BB962C8B-B14F-4D97-AF65-F5344CB8AC3E}">
+        <p14:creationId xmlns:p14="http://schemas.microsoft.com/office/powerpoint/2010/main" val="3300036448"/>
+      </p:ext>
+    </p:extLst>
+  </p:cSld>
+  <p:clrMapOvr>
+    <a:masterClrMapping/>
+  </p:clrMapOvr>
+  <mc:AlternateContent xmlns:mc="http://schemas.openxmlformats.org/markup-compatibility/2006">
+    <mc:Choice xmlns:p14="http://schemas.microsoft.com/office/powerpoint/2010/main" Requires="p14">
+      <p:transition spd="med" p14:dur="700" advClick="0">
+        <p:fade/>
+      </p:transition>
+    </mc:Choice>
+    <mc:Fallback>
+      <p:transition xmlns:p14="http://schemas.microsoft.com/office/powerpoint/2010/main" spd="med" advClick="0">
+        <p:fade/>
+      </p:transition>
+    </mc:Fallback>
+  </mc:AlternateContent>
+  <p:timing>
+    <p:tnLst>
+      <p:par>
+        <p:cTn xmlns:p14="http://schemas.microsoft.com/office/powerpoint/2010/main" id="1" dur="indefinite" restart="never" nodeType="tmRoot"/>
+      </p:par>
+    </p:tnLst>
+  </p:timing>
+</p:sld>
+</file>
+
+<file path=ppt/slides/slide7.xml><?xml version="1.0" encoding="utf-8"?>
+<p:sld xmlns:a="http://schemas.openxmlformats.org/drawingml/2006/main" xmlns:r="http://schemas.openxmlformats.org/officeDocument/2006/relationships" xmlns:p="http://schemas.openxmlformats.org/presentationml/2006/main">
+  <p:cSld>
+    <p:spTree>
+      <p:nvGrpSpPr>
+        <p:cNvPr id="1" name=""/>
+        <p:cNvGrpSpPr/>
+        <p:nvPr/>
+      </p:nvGrpSpPr>
+      <p:grpSpPr>
+        <a:xfrm>
+          <a:off x="0" y="0"/>
+          <a:ext cx="0" cy="0"/>
+          <a:chOff x="0" y="0"/>
+          <a:chExt cx="0" cy="0"/>
+        </a:xfrm>
+      </p:grpSpPr>
+      <p:sp>
+        <p:nvSpPr>
+          <p:cNvPr id="17410" name="Rectangle 2"/>
+          <p:cNvSpPr>
+            <a:spLocks noGrp="1" noChangeArrowheads="1"/>
+          </p:cNvSpPr>
+          <p:nvPr>
+            <p:ph type="title"/>
+          </p:nvPr>
+        </p:nvSpPr>
+        <p:spPr/>
+        <p:txBody>
+          <a:bodyPr/>
+          <a:lstStyle/>
+          <a:p>
+            <a:pPr eaLnBrk="1" hangingPunct="1"/>
+            <a:r>
+              <a:rPr lang="en-US" dirty="0" smtClean="0"/>
+              <a:t>Edge Connectedness</a:t>
+            </a:r>
+          </a:p>
+        </p:txBody>
+      </p:sp>
+      <p:sp>
+        <p:nvSpPr>
+          <p:cNvPr id="17411" name="Oval 4"/>
+          <p:cNvSpPr>
+            <a:spLocks noChangeArrowheads="1"/>
+          </p:cNvSpPr>
+          <p:nvPr/>
+        </p:nvSpPr>
+        <p:spPr bwMode="auto">
+          <a:xfrm>
+            <a:off x="931333" y="1744143"/>
+            <a:ext cx="377309" cy="419082"/>
+          </a:xfrm>
+          <a:prstGeom prst="ellipse">
+            <a:avLst/>
+          </a:prstGeom>
+          <a:solidFill>
+            <a:srgbClr val="0066FF"/>
+          </a:solidFill>
+          <a:ln w="25400">
+            <a:solidFill>
+              <a:schemeClr val="tx1"/>
+            </a:solidFill>
+            <a:round/>
+            <a:headEnd/>
+            <a:tailEnd type="none" w="lg" len="lg"/>
+          </a:ln>
+        </p:spPr>
+        <p:txBody>
+          <a:bodyPr wrap="none" anchor="ctr"/>
+          <a:lstStyle/>
+          <a:p>
+            <a:endParaRPr lang="en-US"/>
+          </a:p>
+        </p:txBody>
+      </p:sp>
+      <p:sp>
+        <p:nvSpPr>
+          <p:cNvPr id="17412" name="Oval 5"/>
+          <p:cNvSpPr>
+            <a:spLocks noChangeArrowheads="1"/>
+          </p:cNvSpPr>
+          <p:nvPr/>
+        </p:nvSpPr>
+        <p:spPr bwMode="auto">
+          <a:xfrm>
+            <a:off x="2254084" y="2965261"/>
+            <a:ext cx="377309" cy="419082"/>
+          </a:xfrm>
+          <a:prstGeom prst="ellipse">
+            <a:avLst/>
+          </a:prstGeom>
+          <a:solidFill>
+            <a:srgbClr val="0066FF"/>
+          </a:solidFill>
+          <a:ln w="25400">
+            <a:solidFill>
+              <a:schemeClr val="tx1"/>
+            </a:solidFill>
+            <a:round/>
+            <a:headEnd/>
+            <a:tailEnd type="none" w="lg" len="lg"/>
+          </a:ln>
+        </p:spPr>
+        <p:txBody>
+          <a:bodyPr wrap="none" anchor="ctr"/>
+          <a:lstStyle/>
+          <a:p>
+            <a:endParaRPr lang="en-US"/>
+          </a:p>
+        </p:txBody>
+      </p:sp>
+      <p:sp>
+        <p:nvSpPr>
+          <p:cNvPr id="17413" name="Oval 6"/>
+          <p:cNvSpPr>
+            <a:spLocks noChangeArrowheads="1"/>
+          </p:cNvSpPr>
+          <p:nvPr/>
+        </p:nvSpPr>
+        <p:spPr bwMode="auto">
+          <a:xfrm>
+            <a:off x="3765491" y="1744143"/>
+            <a:ext cx="377309" cy="419082"/>
+          </a:xfrm>
+          <a:prstGeom prst="ellipse">
+            <a:avLst/>
+          </a:prstGeom>
+          <a:solidFill>
+            <a:srgbClr val="0066FF"/>
+          </a:solidFill>
+          <a:ln w="25400">
+            <a:solidFill>
+              <a:schemeClr val="tx1"/>
+            </a:solidFill>
+            <a:round/>
+            <a:headEnd/>
+            <a:tailEnd type="none" w="lg" len="lg"/>
+          </a:ln>
+        </p:spPr>
+        <p:txBody>
+          <a:bodyPr wrap="none" anchor="ctr"/>
+          <a:lstStyle/>
+          <a:p>
+            <a:endParaRPr lang="en-US"/>
+          </a:p>
+        </p:txBody>
+      </p:sp>
+      <p:sp>
+        <p:nvSpPr>
+          <p:cNvPr id="17414" name="Oval 7"/>
+          <p:cNvSpPr>
+            <a:spLocks noChangeArrowheads="1"/>
+          </p:cNvSpPr>
+          <p:nvPr/>
+        </p:nvSpPr>
+        <p:spPr bwMode="auto">
+          <a:xfrm>
+            <a:off x="2254084" y="4643994"/>
+            <a:ext cx="377309" cy="419082"/>
+          </a:xfrm>
+          <a:prstGeom prst="ellipse">
+            <a:avLst/>
+          </a:prstGeom>
+          <a:solidFill>
+            <a:srgbClr val="0066FF"/>
+          </a:solidFill>
+          <a:ln w="25400">
+            <a:solidFill>
+              <a:schemeClr val="tx1"/>
+            </a:solidFill>
+            <a:round/>
+            <a:headEnd/>
+            <a:tailEnd type="none" w="lg" len="lg"/>
+          </a:ln>
+        </p:spPr>
+        <p:txBody>
+          <a:bodyPr wrap="none" anchor="ctr"/>
+          <a:lstStyle/>
+          <a:p>
+            <a:endParaRPr lang="en-US"/>
+          </a:p>
+        </p:txBody>
+      </p:sp>
+      <p:sp>
+        <p:nvSpPr>
+          <p:cNvPr id="17415" name="Oval 8"/>
+          <p:cNvSpPr>
+            <a:spLocks noChangeArrowheads="1"/>
+          </p:cNvSpPr>
+          <p:nvPr/>
+        </p:nvSpPr>
+        <p:spPr bwMode="auto">
+          <a:xfrm>
+            <a:off x="4708763" y="3603516"/>
+            <a:ext cx="379478" cy="419082"/>
+          </a:xfrm>
+          <a:prstGeom prst="ellipse">
+            <a:avLst/>
+          </a:prstGeom>
+          <a:solidFill>
+            <a:srgbClr val="0066FF"/>
+          </a:solidFill>
+          <a:ln w="25400">
+            <a:solidFill>
+              <a:schemeClr val="tx1"/>
+            </a:solidFill>
+            <a:round/>
+            <a:headEnd/>
+            <a:tailEnd type="none" w="lg" len="lg"/>
+          </a:ln>
+        </p:spPr>
+        <p:txBody>
+          <a:bodyPr wrap="none" anchor="ctr"/>
+          <a:lstStyle/>
+          <a:p>
+            <a:endParaRPr lang="en-US"/>
+          </a:p>
+        </p:txBody>
+      </p:sp>
+      <p:sp>
+        <p:nvSpPr>
+          <p:cNvPr id="17416" name="Oval 9"/>
+          <p:cNvSpPr>
+            <a:spLocks noChangeArrowheads="1"/>
+          </p:cNvSpPr>
+          <p:nvPr/>
+        </p:nvSpPr>
+        <p:spPr bwMode="auto">
+          <a:xfrm>
+            <a:off x="3954145" y="4643994"/>
+            <a:ext cx="377309" cy="419082"/>
+          </a:xfrm>
+          <a:prstGeom prst="ellipse">
+            <a:avLst/>
+          </a:prstGeom>
+          <a:solidFill>
+            <a:srgbClr val="0066FF"/>
+          </a:solidFill>
+          <a:ln w="25400">
+            <a:solidFill>
+              <a:schemeClr val="tx1"/>
+            </a:solidFill>
+            <a:round/>
+            <a:headEnd/>
+            <a:tailEnd type="none" w="lg" len="lg"/>
+          </a:ln>
+        </p:spPr>
+        <p:txBody>
+          <a:bodyPr wrap="none" anchor="ctr"/>
+          <a:lstStyle/>
+          <a:p>
+            <a:endParaRPr lang="en-US"/>
+          </a:p>
+        </p:txBody>
+      </p:sp>
+      <p:sp>
+        <p:nvSpPr>
+          <p:cNvPr id="17417" name="Oval 10"/>
+          <p:cNvSpPr>
+            <a:spLocks noChangeArrowheads="1"/>
+          </p:cNvSpPr>
+          <p:nvPr/>
+        </p:nvSpPr>
+        <p:spPr bwMode="auto">
+          <a:xfrm>
+            <a:off x="5901408" y="1744143"/>
+            <a:ext cx="377309" cy="419082"/>
+          </a:xfrm>
+          <a:prstGeom prst="ellipse">
+            <a:avLst/>
+          </a:prstGeom>
+          <a:solidFill>
+            <a:srgbClr val="0066FF"/>
+          </a:solidFill>
+          <a:ln w="25400">
+            <a:solidFill>
+              <a:schemeClr val="tx1"/>
+            </a:solidFill>
+            <a:round/>
+            <a:headEnd/>
+            <a:tailEnd type="none" w="lg" len="lg"/>
+          </a:ln>
+        </p:spPr>
+        <p:txBody>
+          <a:bodyPr wrap="none" anchor="ctr"/>
+          <a:lstStyle/>
+          <a:p>
+            <a:endParaRPr lang="en-US"/>
+          </a:p>
+        </p:txBody>
+      </p:sp>
+      <p:sp>
+        <p:nvSpPr>
+          <p:cNvPr id="17418" name="Oval 11"/>
+          <p:cNvSpPr>
+            <a:spLocks noChangeArrowheads="1"/>
+          </p:cNvSpPr>
+          <p:nvPr/>
+        </p:nvSpPr>
+        <p:spPr bwMode="auto">
+          <a:xfrm>
+            <a:off x="5899240" y="4643994"/>
+            <a:ext cx="377309" cy="419082"/>
+          </a:xfrm>
+          <a:prstGeom prst="ellipse">
+            <a:avLst/>
+          </a:prstGeom>
+          <a:solidFill>
+            <a:srgbClr val="0066FF"/>
+          </a:solidFill>
+          <a:ln w="25400">
+            <a:solidFill>
+              <a:schemeClr val="tx1"/>
+            </a:solidFill>
+            <a:round/>
+            <a:headEnd/>
+            <a:tailEnd type="none" w="lg" len="lg"/>
+          </a:ln>
+        </p:spPr>
+        <p:txBody>
+          <a:bodyPr wrap="none" anchor="ctr"/>
+          <a:lstStyle/>
+          <a:p>
+            <a:endParaRPr lang="en-US"/>
+          </a:p>
+        </p:txBody>
+      </p:sp>
+      <p:sp>
+        <p:nvSpPr>
+          <p:cNvPr id="17419" name="Oval 12"/>
+          <p:cNvSpPr>
+            <a:spLocks noChangeArrowheads="1"/>
+          </p:cNvSpPr>
+          <p:nvPr/>
+        </p:nvSpPr>
+        <p:spPr bwMode="auto">
+          <a:xfrm>
+            <a:off x="7911557" y="3603516"/>
+            <a:ext cx="377309" cy="419082"/>
+          </a:xfrm>
+          <a:prstGeom prst="ellipse">
+            <a:avLst/>
+          </a:prstGeom>
+          <a:solidFill>
+            <a:srgbClr val="0066FF"/>
+          </a:solidFill>
+          <a:ln w="25400">
+            <a:solidFill>
+              <a:schemeClr val="tx1"/>
+            </a:solidFill>
+            <a:round/>
+            <a:headEnd/>
+            <a:tailEnd type="none" w="lg" len="lg"/>
+          </a:ln>
+        </p:spPr>
+        <p:txBody>
+          <a:bodyPr wrap="none" anchor="ctr"/>
+          <a:lstStyle/>
+          <a:p>
+            <a:endParaRPr lang="en-US"/>
+          </a:p>
+        </p:txBody>
+      </p:sp>
+      <p:cxnSp>
+        <p:nvCxnSpPr>
+          <p:cNvPr id="17420" name="AutoShape 13"/>
+          <p:cNvCxnSpPr>
+            <a:cxnSpLocks noChangeShapeType="1"/>
+            <a:stCxn id="17411" idx="5"/>
+            <a:endCxn id="17412" idx="1"/>
+          </p:cNvCxnSpPr>
+          <p:nvPr/>
+        </p:nvCxnSpPr>
+        <p:spPr bwMode="auto">
+          <a:xfrm>
+            <a:off x="1254432" y="2103012"/>
+            <a:ext cx="1053864" cy="922460"/>
+          </a:xfrm>
+          <a:prstGeom prst="straightConnector1">
+            <a:avLst/>
+          </a:prstGeom>
+          <a:noFill/>
+          <a:ln w="25400">
+            <a:solidFill>
+              <a:schemeClr val="tx1"/>
+            </a:solidFill>
+            <a:round/>
+            <a:headEnd/>
+            <a:tailEnd type="none" w="lg" len="lg"/>
+          </a:ln>
+        </p:spPr>
+      </p:cxnSp>
+      <p:cxnSp>
+        <p:nvCxnSpPr>
+          <p:cNvPr id="17421" name="AutoShape 14"/>
+          <p:cNvCxnSpPr>
+            <a:cxnSpLocks noChangeShapeType="1"/>
+            <a:stCxn id="17412" idx="7"/>
+            <a:endCxn id="17413" idx="3"/>
+          </p:cNvCxnSpPr>
+          <p:nvPr/>
+        </p:nvCxnSpPr>
+        <p:spPr bwMode="auto">
+          <a:xfrm flipV="1">
+            <a:off x="2577183" y="2103012"/>
+            <a:ext cx="1242518" cy="922460"/>
+          </a:xfrm>
+          <a:prstGeom prst="straightConnector1">
+            <a:avLst/>
+          </a:prstGeom>
+          <a:noFill/>
+          <a:ln w="25400">
+            <a:solidFill>
+              <a:schemeClr val="tx1"/>
+            </a:solidFill>
+            <a:round/>
+            <a:headEnd/>
+            <a:tailEnd type="none" w="lg" len="lg"/>
+          </a:ln>
+        </p:spPr>
+      </p:cxnSp>
+      <p:cxnSp>
+        <p:nvCxnSpPr>
+          <p:cNvPr id="17422" name="AutoShape 15"/>
+          <p:cNvCxnSpPr>
+            <a:cxnSpLocks noChangeShapeType="1"/>
+            <a:stCxn id="17413" idx="2"/>
+            <a:endCxn id="17411" idx="6"/>
+          </p:cNvCxnSpPr>
+          <p:nvPr/>
+        </p:nvCxnSpPr>
+        <p:spPr bwMode="auto">
+          <a:xfrm flipH="1">
+            <a:off x="1308642" y="1953685"/>
+            <a:ext cx="2456848" cy="0"/>
+          </a:xfrm>
+          <a:prstGeom prst="straightConnector1">
+            <a:avLst/>
+          </a:prstGeom>
+          <a:noFill/>
+          <a:ln w="25400">
+            <a:solidFill>
+              <a:schemeClr val="tx1"/>
+            </a:solidFill>
+            <a:round/>
+            <a:headEnd/>
+            <a:tailEnd type="none" w="lg" len="lg"/>
+          </a:ln>
+        </p:spPr>
+      </p:cxnSp>
+      <p:cxnSp>
+        <p:nvCxnSpPr>
+          <p:cNvPr id="17423" name="AutoShape 16"/>
+          <p:cNvCxnSpPr>
+            <a:cxnSpLocks noChangeShapeType="1"/>
+            <a:stCxn id="17412" idx="4"/>
+            <a:endCxn id="17414" idx="0"/>
+          </p:cNvCxnSpPr>
+          <p:nvPr/>
+        </p:nvCxnSpPr>
+        <p:spPr bwMode="auto">
+          <a:xfrm>
+            <a:off x="2442740" y="3384342"/>
+            <a:ext cx="0" cy="1259652"/>
+          </a:xfrm>
+          <a:prstGeom prst="straightConnector1">
+            <a:avLst/>
+          </a:prstGeom>
+          <a:noFill/>
+          <a:ln w="25400">
+            <a:solidFill>
+              <a:schemeClr val="tx1"/>
+            </a:solidFill>
+            <a:round/>
+            <a:headEnd/>
+            <a:tailEnd type="none" w="lg" len="lg"/>
+          </a:ln>
+        </p:spPr>
+      </p:cxnSp>
+      <p:cxnSp>
+        <p:nvCxnSpPr>
+          <p:cNvPr id="17424" name="AutoShape 17"/>
+          <p:cNvCxnSpPr>
+            <a:cxnSpLocks noChangeShapeType="1"/>
+            <a:stCxn id="17414" idx="6"/>
+            <a:endCxn id="17416" idx="2"/>
+          </p:cNvCxnSpPr>
+          <p:nvPr/>
+        </p:nvCxnSpPr>
+        <p:spPr bwMode="auto">
+          <a:xfrm>
+            <a:off x="2631394" y="4853536"/>
+            <a:ext cx="1322751" cy="0"/>
+          </a:xfrm>
+          <a:prstGeom prst="straightConnector1">
+            <a:avLst/>
+          </a:prstGeom>
+          <a:noFill/>
+          <a:ln w="25400">
+            <a:solidFill>
+              <a:schemeClr val="tx1"/>
+            </a:solidFill>
+            <a:round/>
+            <a:headEnd/>
+            <a:tailEnd type="none" w="lg" len="lg"/>
+          </a:ln>
+        </p:spPr>
+      </p:cxnSp>
+      <p:cxnSp>
+        <p:nvCxnSpPr>
+          <p:cNvPr id="17425" name="AutoShape 18"/>
+          <p:cNvCxnSpPr>
+            <a:cxnSpLocks noChangeShapeType="1"/>
+            <a:stCxn id="17416" idx="7"/>
+            <a:endCxn id="17415" idx="4"/>
+          </p:cNvCxnSpPr>
+          <p:nvPr/>
+        </p:nvCxnSpPr>
+        <p:spPr bwMode="auto">
+          <a:xfrm flipV="1">
+            <a:off x="4277244" y="4022598"/>
+            <a:ext cx="622343" cy="681610"/>
+          </a:xfrm>
+          <a:prstGeom prst="straightConnector1">
+            <a:avLst/>
+          </a:prstGeom>
+          <a:noFill/>
+          <a:ln w="25400">
+            <a:solidFill>
+              <a:schemeClr val="tx1"/>
+            </a:solidFill>
+            <a:round/>
+            <a:headEnd/>
+            <a:tailEnd type="none" w="lg" len="lg"/>
+          </a:ln>
+        </p:spPr>
+      </p:cxnSp>
+      <p:cxnSp>
+        <p:nvCxnSpPr>
+          <p:cNvPr id="17426" name="AutoShape 19"/>
+          <p:cNvCxnSpPr>
+            <a:cxnSpLocks noChangeShapeType="1"/>
+            <a:stCxn id="17419" idx="3"/>
+            <a:endCxn id="17418" idx="7"/>
+          </p:cNvCxnSpPr>
+          <p:nvPr/>
+        </p:nvCxnSpPr>
+        <p:spPr bwMode="auto">
+          <a:xfrm flipH="1">
+            <a:off x="6222338" y="3962386"/>
+            <a:ext cx="1743429" cy="741822"/>
+          </a:xfrm>
+          <a:prstGeom prst="straightConnector1">
+            <a:avLst/>
+          </a:prstGeom>
+          <a:noFill/>
+          <a:ln w="25400">
+            <a:solidFill>
+              <a:schemeClr val="tx1"/>
+            </a:solidFill>
+            <a:round/>
+            <a:headEnd/>
+            <a:tailEnd type="none" w="lg" len="lg"/>
+          </a:ln>
+        </p:spPr>
+      </p:cxnSp>
+      <p:cxnSp>
+        <p:nvCxnSpPr>
+          <p:cNvPr id="17429" name="AutoShape 22"/>
+          <p:cNvCxnSpPr>
+            <a:cxnSpLocks noChangeShapeType="1"/>
+            <a:stCxn id="17415" idx="6"/>
+            <a:endCxn id="17419" idx="2"/>
+          </p:cNvCxnSpPr>
+          <p:nvPr/>
+        </p:nvCxnSpPr>
+        <p:spPr bwMode="auto">
+          <a:xfrm>
+            <a:off x="5088242" y="3813058"/>
+            <a:ext cx="2823315" cy="0"/>
+          </a:xfrm>
+          <a:prstGeom prst="straightConnector1">
+            <a:avLst/>
+          </a:prstGeom>
+          <a:noFill/>
+          <a:ln w="25400">
+            <a:solidFill>
+              <a:schemeClr val="tx1"/>
+            </a:solidFill>
+            <a:round/>
+            <a:headEnd/>
+            <a:tailEnd type="none" w="lg" len="lg"/>
+          </a:ln>
+        </p:spPr>
+      </p:cxnSp>
+      <p:cxnSp>
+        <p:nvCxnSpPr>
+          <p:cNvPr id="17430" name="AutoShape 24"/>
+          <p:cNvCxnSpPr>
+            <a:cxnSpLocks noChangeShapeType="1"/>
+            <a:stCxn id="17413" idx="5"/>
+            <a:endCxn id="17415" idx="1"/>
+          </p:cNvCxnSpPr>
+          <p:nvPr/>
+        </p:nvCxnSpPr>
+        <p:spPr bwMode="auto">
+          <a:xfrm>
+            <a:off x="4088588" y="2103012"/>
+            <a:ext cx="676555" cy="1560717"/>
+          </a:xfrm>
+          <a:prstGeom prst="straightConnector1">
+            <a:avLst/>
+          </a:prstGeom>
+          <a:noFill/>
+          <a:ln w="25400">
+            <a:solidFill>
+              <a:schemeClr val="tx1"/>
+            </a:solidFill>
+            <a:round/>
+            <a:headEnd/>
+            <a:tailEnd type="none" w="lg" len="lg"/>
+          </a:ln>
+        </p:spPr>
+      </p:cxnSp>
+      <p:sp>
+        <p:nvSpPr>
+          <p:cNvPr id="24" name="Slide Number Placeholder 3"/>
+          <p:cNvSpPr>
+            <a:spLocks noGrp="1"/>
+          </p:cNvSpPr>
+          <p:nvPr>
+            <p:ph type="sldNum" sz="quarter" idx="10"/>
+          </p:nvPr>
+        </p:nvSpPr>
+        <p:spPr/>
+        <p:txBody>
+          <a:bodyPr/>
+          <a:lstStyle/>
+          <a:p>
+            <a:pPr>
+              <a:defRPr/>
+            </a:pPr>
+            <a:r>
+              <a:rPr lang="en-US" dirty="0" smtClean="0"/>
+              <a:t>k-connect.</a:t>
+            </a:r>
+            <a:fld id="{43E12C49-E36A-496C-9DCA-6E960B9FC41B}" type="slidenum">
+              <a:rPr lang="en-US" smtClean="0"/>
+              <a:pPr>
+                <a:defRPr/>
+              </a:pPr>
+              <a:t>7</a:t>
             </a:fld>
             <a:endParaRPr lang="en-US" dirty="0"/>
           </a:p>
@@ -14596,7 +17465,7 @@
 </p:sld>
 </file>
 
-<file path=ppt/slides/slide7.xml><?xml version="1.0" encoding="utf-8"?>
+<file path=ppt/slides/slide8.xml><?xml version="1.0" encoding="utf-8"?>
 <p:sld xmlns:a="http://schemas.openxmlformats.org/drawingml/2006/main" xmlns:r="http://schemas.openxmlformats.org/officeDocument/2006/relationships" xmlns:p="http://schemas.openxmlformats.org/presentationml/2006/main">
   <p:cSld>
     <p:spTree>
@@ -15402,7 +18271,7 @@
               <a:pPr>
                 <a:defRPr/>
               </a:pPr>
-              <a:t>7</a:t>
+              <a:t>8</a:t>
             </a:fld>
             <a:endParaRPr lang="en-US" dirty="0"/>
           </a:p>
@@ -15551,7 +18420,7 @@
 </p:sld>
 </file>
 
-<file path=ppt/slides/slide8.xml><?xml version="1.0" encoding="utf-8"?>
+<file path=ppt/slides/slide9.xml><?xml version="1.0" encoding="utf-8"?>
 <p:sld xmlns:a="http://schemas.openxmlformats.org/drawingml/2006/main" xmlns:r="http://schemas.openxmlformats.org/officeDocument/2006/relationships" xmlns:p="http://schemas.openxmlformats.org/presentationml/2006/main">
   <p:cSld>
     <p:spTree>
@@ -16174,7 +19043,7 @@
               <a:pPr>
                 <a:defRPr/>
               </a:pPr>
-              <a:t>8</a:t>
+              <a:t>9</a:t>
             </a:fld>
             <a:endParaRPr lang="en-US" dirty="0"/>
           </a:p>
@@ -16435,242 +19304,6 @@
     <p:bldLst>
       <p:bldP spid="27" grpId="0"/>
     </p:bldLst>
-  </p:timing>
-</p:sld>
-</file>
-
-<file path=ppt/slides/slide9.xml><?xml version="1.0" encoding="utf-8"?>
-<p:sld xmlns:a="http://schemas.openxmlformats.org/drawingml/2006/main" xmlns:r="http://schemas.openxmlformats.org/officeDocument/2006/relationships" xmlns:p="http://schemas.openxmlformats.org/presentationml/2006/main">
-  <p:cSld>
-    <p:spTree>
-      <p:nvGrpSpPr>
-        <p:cNvPr id="1" name=""/>
-        <p:cNvGrpSpPr/>
-        <p:nvPr/>
-      </p:nvGrpSpPr>
-      <p:grpSpPr>
-        <a:xfrm>
-          <a:off x="0" y="0"/>
-          <a:ext cx="0" cy="0"/>
-          <a:chOff x="0" y="0"/>
-          <a:chExt cx="0" cy="0"/>
-        </a:xfrm>
-      </p:grpSpPr>
-      <p:sp>
-        <p:nvSpPr>
-          <p:cNvPr id="23554" name="Rectangle 2"/>
-          <p:cNvSpPr>
-            <a:spLocks noGrp="1" noChangeArrowheads="1"/>
-          </p:cNvSpPr>
-          <p:nvPr>
-            <p:ph type="title" idx="4294967295"/>
-          </p:nvPr>
-        </p:nvSpPr>
-        <p:spPr>
-          <a:xfrm>
-            <a:off x="2244297" y="-1"/>
-            <a:ext cx="6146667" cy="1194100"/>
-          </a:xfrm>
-        </p:spPr>
-        <p:txBody>
-          <a:bodyPr/>
-          <a:lstStyle/>
-          <a:p>
-            <a:pPr eaLnBrk="1" hangingPunct="1"/>
-            <a:r>
-              <a:rPr lang="en-US" sz="4000" dirty="0" smtClean="0">
-                <a:solidFill>
-                  <a:srgbClr val="0000FF"/>
-                </a:solidFill>
-              </a:rPr>
-              <a:t>k</a:t>
-            </a:r>
-            <a:r>
-              <a:rPr lang="en-US" sz="4000" dirty="0" smtClean="0">
-                <a:solidFill>
-                  <a:schemeClr val="tx1"/>
-                </a:solidFill>
-              </a:rPr>
-              <a:t>-edge</a:t>
-            </a:r>
-            <a:r>
-              <a:rPr lang="en-US" sz="4000" dirty="0" smtClean="0">
-                <a:solidFill>
-                  <a:srgbClr val="0033CC"/>
-                </a:solidFill>
-              </a:rPr>
-              <a:t> </a:t>
-            </a:r>
-            <a:r>
-              <a:rPr lang="en-US" sz="4000" dirty="0" smtClean="0"/>
-              <a:t>Connectedness</a:t>
-            </a:r>
-          </a:p>
-        </p:txBody>
-      </p:sp>
-      <p:sp>
-        <p:nvSpPr>
-          <p:cNvPr id="23555" name="Rectangle 3"/>
-          <p:cNvSpPr>
-            <a:spLocks noGrp="1" noChangeArrowheads="1"/>
-          </p:cNvSpPr>
-          <p:nvPr>
-            <p:ph type="body" idx="4294967295"/>
-          </p:nvPr>
-        </p:nvSpPr>
-        <p:spPr>
-          <a:xfrm>
-            <a:off x="221385" y="1354940"/>
-            <a:ext cx="8777430" cy="4017797"/>
-          </a:xfrm>
-        </p:spPr>
-        <p:txBody>
-          <a:bodyPr/>
-          <a:lstStyle/>
-          <a:p>
-            <a:pPr eaLnBrk="1" hangingPunct="1">
-              <a:lnSpc>
-                <a:spcPct val="90000"/>
-              </a:lnSpc>
-            </a:pPr>
-            <a:r>
-              <a:rPr lang="en-US" sz="4800" dirty="0" smtClean="0"/>
-              <a:t>Def:</a:t>
-            </a:r>
-            <a:r>
-              <a:rPr lang="en-US" sz="5400" dirty="0" smtClean="0"/>
-              <a:t> A </a:t>
-            </a:r>
-            <a:r>
-              <a:rPr lang="en-US" sz="6000" dirty="0" smtClean="0">
-                <a:solidFill>
-                  <a:srgbClr val="930093"/>
-                </a:solidFill>
-              </a:rPr>
-              <a:t>graph</a:t>
-            </a:r>
-            <a:r>
-              <a:rPr lang="en-US" sz="6000" dirty="0" smtClean="0"/>
-              <a:t> is</a:t>
-            </a:r>
-            <a:endParaRPr lang="en-US" sz="6000" dirty="0">
-              <a:solidFill>
-                <a:srgbClr val="0033CC"/>
-              </a:solidFill>
-            </a:endParaRPr>
-          </a:p>
-          <a:p>
-            <a:pPr algn="ctr" eaLnBrk="1" hangingPunct="1">
-              <a:lnSpc>
-                <a:spcPct val="90000"/>
-              </a:lnSpc>
-            </a:pPr>
-            <a:r>
-              <a:rPr lang="en-US" sz="6000" dirty="0" smtClean="0">
-                <a:solidFill>
-                  <a:srgbClr val="0033CC"/>
-                </a:solidFill>
-              </a:rPr>
-              <a:t>k</a:t>
-            </a:r>
-            <a:r>
-              <a:rPr lang="en-US" sz="6000" dirty="0" smtClean="0">
-                <a:solidFill>
-                  <a:srgbClr val="930093"/>
-                </a:solidFill>
-              </a:rPr>
-              <a:t>-edge connected </a:t>
-            </a:r>
-          </a:p>
-          <a:p>
-            <a:pPr eaLnBrk="1" hangingPunct="1">
-              <a:lnSpc>
-                <a:spcPct val="90000"/>
-              </a:lnSpc>
-            </a:pPr>
-            <a:r>
-              <a:rPr lang="en-US" sz="6000" dirty="0" err="1" smtClean="0"/>
-              <a:t>iff</a:t>
-            </a:r>
-            <a:r>
-              <a:rPr lang="en-US" sz="6000" dirty="0" smtClean="0"/>
-              <a:t> every two vertices </a:t>
-            </a:r>
-          </a:p>
-          <a:p>
-            <a:pPr eaLnBrk="1" hangingPunct="1">
-              <a:lnSpc>
-                <a:spcPct val="90000"/>
-              </a:lnSpc>
-            </a:pPr>
-            <a:r>
-              <a:rPr lang="en-US" sz="6000" dirty="0" smtClean="0"/>
-              <a:t>are </a:t>
-            </a:r>
-            <a:r>
-              <a:rPr lang="en-US" sz="6000" dirty="0" smtClean="0">
-                <a:solidFill>
-                  <a:schemeClr val="accent1">
-                    <a:lumMod val="50000"/>
-                  </a:schemeClr>
-                </a:solidFill>
-              </a:rPr>
-              <a:t>k</a:t>
-            </a:r>
-            <a:r>
-              <a:rPr lang="en-US" sz="6000" dirty="0" smtClean="0"/>
-              <a:t>-edge connected.</a:t>
-            </a:r>
-          </a:p>
-        </p:txBody>
-      </p:sp>
-      <p:sp>
-        <p:nvSpPr>
-          <p:cNvPr id="5" name="Slide Number Placeholder 3"/>
-          <p:cNvSpPr>
-            <a:spLocks noGrp="1"/>
-          </p:cNvSpPr>
-          <p:nvPr>
-            <p:ph type="sldNum" sz="quarter" idx="10"/>
-          </p:nvPr>
-        </p:nvSpPr>
-        <p:spPr/>
-        <p:txBody>
-          <a:bodyPr/>
-          <a:lstStyle/>
-          <a:p>
-            <a:pPr>
-              <a:defRPr/>
-            </a:pPr>
-            <a:r>
-              <a:rPr lang="en-US" dirty="0" smtClean="0"/>
-              <a:t>k-connect.</a:t>
-            </a:r>
-            <a:fld id="{C61CA234-7FC4-4D7E-8CCC-AC6F555EE6FA}" type="slidenum">
-              <a:rPr lang="en-US" smtClean="0"/>
-              <a:pPr>
-                <a:defRPr/>
-              </a:pPr>
-              <a:t>9</a:t>
-            </a:fld>
-            <a:endParaRPr lang="en-US" dirty="0"/>
-          </a:p>
-        </p:txBody>
-      </p:sp>
-    </p:spTree>
-  </p:cSld>
-  <p:clrMapOvr>
-    <a:masterClrMapping/>
-  </p:clrMapOvr>
-  <p:transition xmlns:p14="http://schemas.microsoft.com/office/powerpoint/2010/main" spd="med">
-    <p:fade thruBlk="1"/>
-  </p:transition>
-  <p:timing>
-    <p:tnLst>
-      <p:par>
-        <p:cTn xmlns:p14="http://schemas.microsoft.com/office/powerpoint/2010/main" id="1" dur="indefinite" restart="never" nodeType="tmRoot"/>
-      </p:par>
-    </p:tnLst>
   </p:timing>
 </p:sld>
 </file>

--- a/spring13/slides13/simple-k-connect.pptx
+++ b/spring13/slides13/simple-k-connect.pptx
@@ -1069,78 +1069,70 @@
       </p:grpSpPr>
       <p:sp>
         <p:nvSpPr>
-          <p:cNvPr id="28674" name="Rectangle 7"/>
-          <p:cNvSpPr>
-            <a:spLocks noGrp="1" noChangeArrowheads="1"/>
-          </p:cNvSpPr>
-          <p:nvPr>
-            <p:ph type="sldNum" sz="quarter" idx="5"/>
-          </p:nvPr>
-        </p:nvSpPr>
-        <p:spPr>
-          <a:noFill/>
-        </p:spPr>
-        <p:txBody>
-          <a:bodyPr/>
-          <a:lstStyle/>
-          <a:p>
-            <a:fld id="{85F5844E-D5E4-47F6-A744-2E5515C4691E}" type="slidenum">
-              <a:rPr lang="en-US" smtClean="0">
-                <a:latin typeface="Times New Roman" pitchFamily="8" charset="0"/>
-              </a:rPr>
-              <a:pPr/>
-              <a:t>12</a:t>
-            </a:fld>
-            <a:endParaRPr lang="en-US" smtClean="0">
-              <a:latin typeface="Times New Roman" pitchFamily="8" charset="0"/>
-            </a:endParaRPr>
-          </a:p>
-        </p:txBody>
-      </p:sp>
-      <p:sp>
-        <p:nvSpPr>
-          <p:cNvPr id="28675" name="Rectangle 2"/>
-          <p:cNvSpPr>
-            <a:spLocks noGrp="1" noRot="1" noChangeAspect="1" noChangeArrowheads="1" noTextEdit="1"/>
+          <p:cNvPr id="2" name="Slide Image Placeholder 1"/>
+          <p:cNvSpPr>
+            <a:spLocks noGrp="1" noRot="1" noChangeAspect="1"/>
           </p:cNvSpPr>
           <p:nvPr>
             <p:ph type="sldImg"/>
           </p:nvPr>
         </p:nvSpPr>
-        <p:spPr>
-          <a:xfrm>
-            <a:off x="2974975" y="549275"/>
-            <a:ext cx="3657600" cy="2743200"/>
-          </a:xfrm>
-          <a:ln/>
-        </p:spPr>
-      </p:sp>
-      <p:sp>
-        <p:nvSpPr>
-          <p:cNvPr id="28676" name="Rectangle 3"/>
-          <p:cNvSpPr>
-            <a:spLocks noGrp="1" noChangeArrowheads="1"/>
+        <p:spPr/>
+      </p:sp>
+      <p:sp>
+        <p:nvSpPr>
+          <p:cNvPr id="3" name="Notes Placeholder 2"/>
+          <p:cNvSpPr>
+            <a:spLocks noGrp="1"/>
           </p:cNvSpPr>
           <p:nvPr>
             <p:ph type="body" idx="1"/>
           </p:nvPr>
         </p:nvSpPr>
-        <p:spPr>
-          <a:noFill/>
-          <a:ln/>
-        </p:spPr>
+        <p:spPr/>
         <p:txBody>
           <a:bodyPr/>
           <a:lstStyle/>
           <a:p>
-            <a:pPr eaLnBrk="1" hangingPunct="1"/>
-            <a:endParaRPr lang="en-US" smtClean="0">
-              <a:latin typeface="Times New Roman" pitchFamily="8" charset="0"/>
-            </a:endParaRPr>
+            <a:endParaRPr lang="en-US"/>
+          </a:p>
+        </p:txBody>
+      </p:sp>
+      <p:sp>
+        <p:nvSpPr>
+          <p:cNvPr id="4" name="Slide Number Placeholder 3"/>
+          <p:cNvSpPr>
+            <a:spLocks noGrp="1"/>
+          </p:cNvSpPr>
+          <p:nvPr>
+            <p:ph type="sldNum" sz="quarter" idx="10"/>
+          </p:nvPr>
+        </p:nvSpPr>
+        <p:spPr/>
+        <p:txBody>
+          <a:bodyPr/>
+          <a:lstStyle/>
+          <a:p>
+            <a:pPr>
+              <a:defRPr/>
+            </a:pPr>
+            <a:fld id="{BE7B95FB-0FFD-45DC-A496-AD0CACD1DEE5}" type="slidenum">
+              <a:rPr lang="en-US" smtClean="0"/>
+              <a:pPr>
+                <a:defRPr/>
+              </a:pPr>
+              <a:t>11</a:t>
+            </a:fld>
+            <a:endParaRPr lang="en-US"/>
           </a:p>
         </p:txBody>
       </p:sp>
     </p:spTree>
+    <p:extLst>
+      <p:ext uri="{BB962C8B-B14F-4D97-AF65-F5344CB8AC3E}">
+        <p14:creationId xmlns:p14="http://schemas.microsoft.com/office/powerpoint/2010/main" val="1711664028"/>
+      </p:ext>
+    </p:extLst>
   </p:cSld>
   <p:clrMapOvr>
     <a:masterClrMapping/>
@@ -1187,7 +1179,7 @@
                 <a:latin typeface="Times New Roman" pitchFamily="8" charset="0"/>
               </a:rPr>
               <a:pPr/>
-              <a:t>13</a:t>
+              <a:t>12</a:t>
             </a:fld>
             <a:endParaRPr lang="en-US" smtClean="0">
               <a:latin typeface="Times New Roman" pitchFamily="8" charset="0"/>
@@ -1285,7 +1277,7 @@
                 <a:latin typeface="Times New Roman" pitchFamily="8" charset="0"/>
               </a:rPr>
               <a:pPr/>
-              <a:t>14</a:t>
+              <a:t>13</a:t>
             </a:fld>
             <a:endParaRPr lang="en-US" smtClean="0">
               <a:latin typeface="Times New Roman" pitchFamily="8" charset="0"/>
@@ -1383,7 +1375,7 @@
                 <a:latin typeface="Times New Roman" pitchFamily="8" charset="0"/>
               </a:rPr>
               <a:pPr/>
-              <a:t>15</a:t>
+              <a:t>14</a:t>
             </a:fld>
             <a:endParaRPr lang="en-US" smtClean="0">
               <a:latin typeface="Times New Roman" pitchFamily="8" charset="0"/>
@@ -1481,7 +1473,7 @@
                 <a:latin typeface="Times New Roman" pitchFamily="8" charset="0"/>
               </a:rPr>
               <a:pPr/>
-              <a:t>16</a:t>
+              <a:t>15</a:t>
             </a:fld>
             <a:endParaRPr lang="en-US" smtClean="0">
               <a:latin typeface="Times New Roman" pitchFamily="8" charset="0"/>
@@ -1579,7 +1571,7 @@
                 <a:latin typeface="Times New Roman" pitchFamily="8" charset="0"/>
               </a:rPr>
               <a:pPr/>
-              <a:t>17</a:t>
+              <a:t>16</a:t>
             </a:fld>
             <a:endParaRPr lang="en-US" smtClean="0">
               <a:latin typeface="Times New Roman" pitchFamily="8" charset="0"/>
@@ -1677,7 +1669,7 @@
                 <a:latin typeface="Times New Roman" pitchFamily="8" charset="0"/>
               </a:rPr>
               <a:pPr/>
-              <a:t>18</a:t>
+              <a:t>17</a:t>
             </a:fld>
             <a:endParaRPr lang="en-US" smtClean="0">
               <a:latin typeface="Times New Roman" pitchFamily="8" charset="0"/>
@@ -1755,7 +1747,7 @@
       </p:grpSpPr>
       <p:sp>
         <p:nvSpPr>
-          <p:cNvPr id="35842" name="Rectangle 7"/>
+          <p:cNvPr id="28674" name="Rectangle 7"/>
           <p:cNvSpPr>
             <a:spLocks noGrp="1" noChangeArrowheads="1"/>
           </p:cNvSpPr>
@@ -1770,12 +1762,12 @@
           <a:bodyPr/>
           <a:lstStyle/>
           <a:p>
-            <a:fld id="{37ECF619-DC5D-4598-B0E9-D0DECFF1B600}" type="slidenum">
+            <a:fld id="{85F5844E-D5E4-47F6-A744-2E5515C4691E}" type="slidenum">
               <a:rPr lang="en-US" smtClean="0">
                 <a:latin typeface="Times New Roman" pitchFamily="8" charset="0"/>
               </a:rPr>
               <a:pPr/>
-              <a:t>20</a:t>
+              <a:t>18</a:t>
             </a:fld>
             <a:endParaRPr lang="en-US" smtClean="0">
               <a:latin typeface="Times New Roman" pitchFamily="8" charset="0"/>
@@ -1785,7 +1777,7 @@
       </p:sp>
       <p:sp>
         <p:nvSpPr>
-          <p:cNvPr id="35843" name="Rectangle 2"/>
+          <p:cNvPr id="28675" name="Rectangle 2"/>
           <p:cNvSpPr>
             <a:spLocks noGrp="1" noRot="1" noChangeAspect="1" noChangeArrowheads="1" noTextEdit="1"/>
           </p:cNvSpPr>
@@ -1803,7 +1795,7 @@
       </p:sp>
       <p:sp>
         <p:nvSpPr>
-          <p:cNvPr id="35844" name="Rectangle 3"/>
+          <p:cNvPr id="28676" name="Rectangle 3"/>
           <p:cNvSpPr>
             <a:spLocks noGrp="1" noChangeArrowheads="1"/>
           </p:cNvSpPr>
@@ -1853,78 +1845,70 @@
       </p:grpSpPr>
       <p:sp>
         <p:nvSpPr>
-          <p:cNvPr id="35842" name="Rectangle 7"/>
-          <p:cNvSpPr>
-            <a:spLocks noGrp="1" noChangeArrowheads="1"/>
-          </p:cNvSpPr>
-          <p:nvPr>
-            <p:ph type="sldNum" sz="quarter" idx="5"/>
-          </p:nvPr>
-        </p:nvSpPr>
-        <p:spPr>
-          <a:noFill/>
-        </p:spPr>
-        <p:txBody>
-          <a:bodyPr/>
-          <a:lstStyle/>
-          <a:p>
-            <a:fld id="{37ECF619-DC5D-4598-B0E9-D0DECFF1B600}" type="slidenum">
-              <a:rPr lang="en-US" smtClean="0">
-                <a:latin typeface="Times New Roman" pitchFamily="8" charset="0"/>
-              </a:rPr>
-              <a:pPr/>
-              <a:t>21</a:t>
-            </a:fld>
-            <a:endParaRPr lang="en-US" smtClean="0">
-              <a:latin typeface="Times New Roman" pitchFamily="8" charset="0"/>
-            </a:endParaRPr>
-          </a:p>
-        </p:txBody>
-      </p:sp>
-      <p:sp>
-        <p:nvSpPr>
-          <p:cNvPr id="35843" name="Rectangle 2"/>
-          <p:cNvSpPr>
-            <a:spLocks noGrp="1" noRot="1" noChangeAspect="1" noChangeArrowheads="1" noTextEdit="1"/>
+          <p:cNvPr id="2" name="Slide Image Placeholder 1"/>
+          <p:cNvSpPr>
+            <a:spLocks noGrp="1" noRot="1" noChangeAspect="1"/>
           </p:cNvSpPr>
           <p:nvPr>
             <p:ph type="sldImg"/>
           </p:nvPr>
         </p:nvSpPr>
-        <p:spPr>
-          <a:xfrm>
-            <a:off x="2974975" y="549275"/>
-            <a:ext cx="3657600" cy="2743200"/>
-          </a:xfrm>
-          <a:ln/>
-        </p:spPr>
-      </p:sp>
-      <p:sp>
-        <p:nvSpPr>
-          <p:cNvPr id="35844" name="Rectangle 3"/>
-          <p:cNvSpPr>
-            <a:spLocks noGrp="1" noChangeArrowheads="1"/>
+        <p:spPr/>
+      </p:sp>
+      <p:sp>
+        <p:nvSpPr>
+          <p:cNvPr id="3" name="Notes Placeholder 2"/>
+          <p:cNvSpPr>
+            <a:spLocks noGrp="1"/>
           </p:cNvSpPr>
           <p:nvPr>
             <p:ph type="body" idx="1"/>
           </p:nvPr>
         </p:nvSpPr>
-        <p:spPr>
-          <a:noFill/>
-          <a:ln/>
-        </p:spPr>
+        <p:spPr/>
         <p:txBody>
           <a:bodyPr/>
           <a:lstStyle/>
           <a:p>
-            <a:pPr eaLnBrk="1" hangingPunct="1"/>
-            <a:endParaRPr lang="en-US" smtClean="0">
-              <a:latin typeface="Times New Roman" pitchFamily="8" charset="0"/>
-            </a:endParaRPr>
+            <a:endParaRPr lang="en-US"/>
+          </a:p>
+        </p:txBody>
+      </p:sp>
+      <p:sp>
+        <p:nvSpPr>
+          <p:cNvPr id="4" name="Slide Number Placeholder 3"/>
+          <p:cNvSpPr>
+            <a:spLocks noGrp="1"/>
+          </p:cNvSpPr>
+          <p:nvPr>
+            <p:ph type="sldNum" sz="quarter" idx="10"/>
+          </p:nvPr>
+        </p:nvSpPr>
+        <p:spPr/>
+        <p:txBody>
+          <a:bodyPr/>
+          <a:lstStyle/>
+          <a:p>
+            <a:pPr>
+              <a:defRPr/>
+            </a:pPr>
+            <a:fld id="{BE7B95FB-0FFD-45DC-A496-AD0CACD1DEE5}" type="slidenum">
+              <a:rPr lang="en-US" smtClean="0"/>
+              <a:pPr>
+                <a:defRPr/>
+              </a:pPr>
+              <a:t>19</a:t>
+            </a:fld>
+            <a:endParaRPr lang="en-US"/>
           </a:p>
         </p:txBody>
       </p:sp>
     </p:spTree>
+    <p:extLst>
+      <p:ext uri="{BB962C8B-B14F-4D97-AF65-F5344CB8AC3E}">
+        <p14:creationId xmlns:p14="http://schemas.microsoft.com/office/powerpoint/2010/main" val="3507181093"/>
+      </p:ext>
+    </p:extLst>
   </p:cSld>
   <p:clrMapOvr>
     <a:masterClrMapping/>
@@ -2031,6 +2015,202 @@
 </file>
 
 <file path=ppt/notesSlides/notesSlide20.xml><?xml version="1.0" encoding="utf-8"?>
+<p:notes xmlns:a="http://schemas.openxmlformats.org/drawingml/2006/main" xmlns:r="http://schemas.openxmlformats.org/officeDocument/2006/relationships" xmlns:p="http://schemas.openxmlformats.org/presentationml/2006/main">
+  <p:cSld>
+    <p:spTree>
+      <p:nvGrpSpPr>
+        <p:cNvPr id="1" name=""/>
+        <p:cNvGrpSpPr/>
+        <p:nvPr/>
+      </p:nvGrpSpPr>
+      <p:grpSpPr>
+        <a:xfrm>
+          <a:off x="0" y="0"/>
+          <a:ext cx="0" cy="0"/>
+          <a:chOff x="0" y="0"/>
+          <a:chExt cx="0" cy="0"/>
+        </a:xfrm>
+      </p:grpSpPr>
+      <p:sp>
+        <p:nvSpPr>
+          <p:cNvPr id="35842" name="Rectangle 7"/>
+          <p:cNvSpPr>
+            <a:spLocks noGrp="1" noChangeArrowheads="1"/>
+          </p:cNvSpPr>
+          <p:nvPr>
+            <p:ph type="sldNum" sz="quarter" idx="5"/>
+          </p:nvPr>
+        </p:nvSpPr>
+        <p:spPr>
+          <a:noFill/>
+        </p:spPr>
+        <p:txBody>
+          <a:bodyPr/>
+          <a:lstStyle/>
+          <a:p>
+            <a:fld id="{37ECF619-DC5D-4598-B0E9-D0DECFF1B600}" type="slidenum">
+              <a:rPr lang="en-US" smtClean="0">
+                <a:latin typeface="Times New Roman" pitchFamily="8" charset="0"/>
+              </a:rPr>
+              <a:pPr/>
+              <a:t>20</a:t>
+            </a:fld>
+            <a:endParaRPr lang="en-US" smtClean="0">
+              <a:latin typeface="Times New Roman" pitchFamily="8" charset="0"/>
+            </a:endParaRPr>
+          </a:p>
+        </p:txBody>
+      </p:sp>
+      <p:sp>
+        <p:nvSpPr>
+          <p:cNvPr id="35843" name="Rectangle 2"/>
+          <p:cNvSpPr>
+            <a:spLocks noGrp="1" noRot="1" noChangeAspect="1" noChangeArrowheads="1" noTextEdit="1"/>
+          </p:cNvSpPr>
+          <p:nvPr>
+            <p:ph type="sldImg"/>
+          </p:nvPr>
+        </p:nvSpPr>
+        <p:spPr>
+          <a:xfrm>
+            <a:off x="2974975" y="549275"/>
+            <a:ext cx="3657600" cy="2743200"/>
+          </a:xfrm>
+          <a:ln/>
+        </p:spPr>
+      </p:sp>
+      <p:sp>
+        <p:nvSpPr>
+          <p:cNvPr id="35844" name="Rectangle 3"/>
+          <p:cNvSpPr>
+            <a:spLocks noGrp="1" noChangeArrowheads="1"/>
+          </p:cNvSpPr>
+          <p:nvPr>
+            <p:ph type="body" idx="1"/>
+          </p:nvPr>
+        </p:nvSpPr>
+        <p:spPr>
+          <a:noFill/>
+          <a:ln/>
+        </p:spPr>
+        <p:txBody>
+          <a:bodyPr/>
+          <a:lstStyle/>
+          <a:p>
+            <a:pPr eaLnBrk="1" hangingPunct="1"/>
+            <a:endParaRPr lang="en-US" smtClean="0">
+              <a:latin typeface="Times New Roman" pitchFamily="8" charset="0"/>
+            </a:endParaRPr>
+          </a:p>
+        </p:txBody>
+      </p:sp>
+    </p:spTree>
+  </p:cSld>
+  <p:clrMapOvr>
+    <a:masterClrMapping/>
+  </p:clrMapOvr>
+</p:notes>
+</file>
+
+<file path=ppt/notesSlides/notesSlide21.xml><?xml version="1.0" encoding="utf-8"?>
+<p:notes xmlns:a="http://schemas.openxmlformats.org/drawingml/2006/main" xmlns:r="http://schemas.openxmlformats.org/officeDocument/2006/relationships" xmlns:p="http://schemas.openxmlformats.org/presentationml/2006/main">
+  <p:cSld>
+    <p:spTree>
+      <p:nvGrpSpPr>
+        <p:cNvPr id="1" name=""/>
+        <p:cNvGrpSpPr/>
+        <p:nvPr/>
+      </p:nvGrpSpPr>
+      <p:grpSpPr>
+        <a:xfrm>
+          <a:off x="0" y="0"/>
+          <a:ext cx="0" cy="0"/>
+          <a:chOff x="0" y="0"/>
+          <a:chExt cx="0" cy="0"/>
+        </a:xfrm>
+      </p:grpSpPr>
+      <p:sp>
+        <p:nvSpPr>
+          <p:cNvPr id="35842" name="Rectangle 7"/>
+          <p:cNvSpPr>
+            <a:spLocks noGrp="1" noChangeArrowheads="1"/>
+          </p:cNvSpPr>
+          <p:nvPr>
+            <p:ph type="sldNum" sz="quarter" idx="5"/>
+          </p:nvPr>
+        </p:nvSpPr>
+        <p:spPr>
+          <a:noFill/>
+        </p:spPr>
+        <p:txBody>
+          <a:bodyPr/>
+          <a:lstStyle/>
+          <a:p>
+            <a:fld id="{37ECF619-DC5D-4598-B0E9-D0DECFF1B600}" type="slidenum">
+              <a:rPr lang="en-US" smtClean="0">
+                <a:latin typeface="Times New Roman" pitchFamily="8" charset="0"/>
+              </a:rPr>
+              <a:pPr/>
+              <a:t>21</a:t>
+            </a:fld>
+            <a:endParaRPr lang="en-US" smtClean="0">
+              <a:latin typeface="Times New Roman" pitchFamily="8" charset="0"/>
+            </a:endParaRPr>
+          </a:p>
+        </p:txBody>
+      </p:sp>
+      <p:sp>
+        <p:nvSpPr>
+          <p:cNvPr id="35843" name="Rectangle 2"/>
+          <p:cNvSpPr>
+            <a:spLocks noGrp="1" noRot="1" noChangeAspect="1" noChangeArrowheads="1" noTextEdit="1"/>
+          </p:cNvSpPr>
+          <p:nvPr>
+            <p:ph type="sldImg"/>
+          </p:nvPr>
+        </p:nvSpPr>
+        <p:spPr>
+          <a:xfrm>
+            <a:off x="2974975" y="549275"/>
+            <a:ext cx="3657600" cy="2743200"/>
+          </a:xfrm>
+          <a:ln/>
+        </p:spPr>
+      </p:sp>
+      <p:sp>
+        <p:nvSpPr>
+          <p:cNvPr id="35844" name="Rectangle 3"/>
+          <p:cNvSpPr>
+            <a:spLocks noGrp="1" noChangeArrowheads="1"/>
+          </p:cNvSpPr>
+          <p:nvPr>
+            <p:ph type="body" idx="1"/>
+          </p:nvPr>
+        </p:nvSpPr>
+        <p:spPr>
+          <a:noFill/>
+          <a:ln/>
+        </p:spPr>
+        <p:txBody>
+          <a:bodyPr/>
+          <a:lstStyle/>
+          <a:p>
+            <a:pPr eaLnBrk="1" hangingPunct="1"/>
+            <a:endParaRPr lang="en-US" smtClean="0">
+              <a:latin typeface="Times New Roman" pitchFamily="8" charset="0"/>
+            </a:endParaRPr>
+          </a:p>
+        </p:txBody>
+      </p:sp>
+    </p:spTree>
+  </p:cSld>
+  <p:clrMapOvr>
+    <a:masterClrMapping/>
+  </p:clrMapOvr>
+</p:notes>
+</file>
+
+<file path=ppt/notesSlides/notesSlide22.xml><?xml version="1.0" encoding="utf-8"?>
 <p:notes xmlns:a="http://schemas.openxmlformats.org/drawingml/2006/main" xmlns:r="http://schemas.openxmlformats.org/officeDocument/2006/relationships" xmlns:p="http://schemas.openxmlformats.org/presentationml/2006/main">
   <p:cSld>
     <p:spTree>
@@ -7388,9 +7568,6 @@
           <a:p>
             <a:r>
               <a:rPr lang="en-US" sz="8000" dirty="0" smtClean="0">
-                <a:solidFill>
-                  <a:srgbClr val="930093"/>
-                </a:solidFill>
                 <a:latin typeface="+mj-lt"/>
               </a:rPr>
               <a:t>connectedness</a:t>
@@ -9093,7 +9270,7 @@
           <a:graphicData uri="http://schemas.openxmlformats.org/presentationml/2006/ole">
             <mc:AlternateContent xmlns:mc="http://schemas.openxmlformats.org/markup-compatibility/2006">
               <mc:Choice xmlns:v="urn:schemas-microsoft-com:vml" Requires="v">
-                <p:oleObj spid="_x0000_s1038" name="Equation" r:id="rId4" imgW="482600" imgH="330200" progId="Equation.DSMT4">
+                <p:oleObj spid="_x0000_s1043" name="Equation" r:id="rId4" imgW="482600" imgH="330200" progId="Equation.DSMT4">
                   <p:embed/>
                 </p:oleObj>
               </mc:Choice>
@@ -9766,9 +9943,182 @@
   <p:timing>
     <p:tnLst>
       <p:par>
-        <p:cTn xmlns:p14="http://schemas.microsoft.com/office/powerpoint/2010/main" id="1" dur="indefinite" restart="never" nodeType="tmRoot"/>
+        <p:cTn xmlns:p14="http://schemas.microsoft.com/office/powerpoint/2010/main" id="1" dur="indefinite" restart="never" nodeType="tmRoot">
+          <p:childTnLst>
+            <p:seq concurrent="1" nextAc="seek">
+              <p:cTn id="2" dur="indefinite" nodeType="mainSeq">
+                <p:childTnLst>
+                  <p:par>
+                    <p:cTn id="3" fill="hold">
+                      <p:stCondLst>
+                        <p:cond delay="indefinite"/>
+                      </p:stCondLst>
+                      <p:childTnLst>
+                        <p:par>
+                          <p:cTn id="4" fill="hold">
+                            <p:stCondLst>
+                              <p:cond delay="0"/>
+                            </p:stCondLst>
+                            <p:childTnLst>
+                              <p:par>
+                                <p:cTn id="5" presetID="10" presetClass="entr" presetSubtype="0" fill="hold" grpId="0" nodeType="clickEffect">
+                                  <p:stCondLst>
+                                    <p:cond delay="0"/>
+                                  </p:stCondLst>
+                                  <p:childTnLst>
+                                    <p:set>
+                                      <p:cBhvr>
+                                        <p:cTn id="6" dur="1" fill="hold">
+                                          <p:stCondLst>
+                                            <p:cond delay="0"/>
+                                          </p:stCondLst>
+                                        </p:cTn>
+                                        <p:tgtEl>
+                                          <p:spTgt spid="3">
+                                            <p:txEl>
+                                              <p:pRg st="0" end="0"/>
+                                            </p:txEl>
+                                          </p:spTgt>
+                                        </p:tgtEl>
+                                        <p:attrNameLst>
+                                          <p:attrName>style.visibility</p:attrName>
+                                        </p:attrNameLst>
+                                      </p:cBhvr>
+                                      <p:to>
+                                        <p:strVal val="visible"/>
+                                      </p:to>
+                                    </p:set>
+                                    <p:animEffect transition="in" filter="fade">
+                                      <p:cBhvr>
+                                        <p:cTn id="7" dur="500"/>
+                                        <p:tgtEl>
+                                          <p:spTgt spid="3">
+                                            <p:txEl>
+                                              <p:pRg st="0" end="0"/>
+                                            </p:txEl>
+                                          </p:spTgt>
+                                        </p:tgtEl>
+                                      </p:cBhvr>
+                                    </p:animEffect>
+                                  </p:childTnLst>
+                                </p:cTn>
+                              </p:par>
+                              <p:par>
+                                <p:cTn id="8" presetID="10" presetClass="entr" presetSubtype="0" fill="hold" grpId="0" nodeType="withEffect">
+                                  <p:stCondLst>
+                                    <p:cond delay="0"/>
+                                  </p:stCondLst>
+                                  <p:childTnLst>
+                                    <p:set>
+                                      <p:cBhvr>
+                                        <p:cTn id="9" dur="1" fill="hold">
+                                          <p:stCondLst>
+                                            <p:cond delay="0"/>
+                                          </p:stCondLst>
+                                        </p:cTn>
+                                        <p:tgtEl>
+                                          <p:spTgt spid="3">
+                                            <p:txEl>
+                                              <p:pRg st="1" end="1"/>
+                                            </p:txEl>
+                                          </p:spTgt>
+                                        </p:tgtEl>
+                                        <p:attrNameLst>
+                                          <p:attrName>style.visibility</p:attrName>
+                                        </p:attrNameLst>
+                                      </p:cBhvr>
+                                      <p:to>
+                                        <p:strVal val="visible"/>
+                                      </p:to>
+                                    </p:set>
+                                    <p:animEffect transition="in" filter="fade">
+                                      <p:cBhvr>
+                                        <p:cTn id="10" dur="500"/>
+                                        <p:tgtEl>
+                                          <p:spTgt spid="3">
+                                            <p:txEl>
+                                              <p:pRg st="1" end="1"/>
+                                            </p:txEl>
+                                          </p:spTgt>
+                                        </p:tgtEl>
+                                      </p:cBhvr>
+                                    </p:animEffect>
+                                  </p:childTnLst>
+                                </p:cTn>
+                              </p:par>
+                              <p:par>
+                                <p:cTn id="11" presetID="10" presetClass="entr" presetSubtype="0" fill="hold" grpId="0" nodeType="withEffect">
+                                  <p:stCondLst>
+                                    <p:cond delay="0"/>
+                                  </p:stCondLst>
+                                  <p:childTnLst>
+                                    <p:set>
+                                      <p:cBhvr>
+                                        <p:cTn id="12" dur="1" fill="hold">
+                                          <p:stCondLst>
+                                            <p:cond delay="0"/>
+                                          </p:stCondLst>
+                                        </p:cTn>
+                                        <p:tgtEl>
+                                          <p:spTgt spid="3">
+                                            <p:txEl>
+                                              <p:pRg st="2" end="2"/>
+                                            </p:txEl>
+                                          </p:spTgt>
+                                        </p:tgtEl>
+                                        <p:attrNameLst>
+                                          <p:attrName>style.visibility</p:attrName>
+                                        </p:attrNameLst>
+                                      </p:cBhvr>
+                                      <p:to>
+                                        <p:strVal val="visible"/>
+                                      </p:to>
+                                    </p:set>
+                                    <p:animEffect transition="in" filter="fade">
+                                      <p:cBhvr>
+                                        <p:cTn id="13" dur="500"/>
+                                        <p:tgtEl>
+                                          <p:spTgt spid="3">
+                                            <p:txEl>
+                                              <p:pRg st="2" end="2"/>
+                                            </p:txEl>
+                                          </p:spTgt>
+                                        </p:tgtEl>
+                                      </p:cBhvr>
+                                    </p:animEffect>
+                                  </p:childTnLst>
+                                </p:cTn>
+                              </p:par>
+                            </p:childTnLst>
+                          </p:cTn>
+                        </p:par>
+                      </p:childTnLst>
+                    </p:cTn>
+                  </p:par>
+                </p:childTnLst>
+              </p:cTn>
+              <p:prevCondLst>
+                <p:cond evt="onPrev" delay="0">
+                  <p:tgtEl>
+                    <p:sldTgt/>
+                  </p:tgtEl>
+                </p:cond>
+              </p:prevCondLst>
+              <p:nextCondLst>
+                <p:cond evt="onNext" delay="0">
+                  <p:tgtEl>
+                    <p:sldTgt/>
+                  </p:tgtEl>
+                </p:cond>
+              </p:nextCondLst>
+            </p:seq>
+          </p:childTnLst>
+        </p:cTn>
       </p:par>
     </p:tnLst>
+    <p:bldLst>
+      <p:bldP spid="3" grpId="0" build="p"/>
+    </p:bldLst>
   </p:timing>
 </p:sld>
 </file>
@@ -10225,7 +10575,6 @@
               <a:rPr lang="en-US" dirty="0" smtClean="0"/>
               <a:t>k-connectivity</a:t>
             </a:r>
-            <a:endParaRPr lang="en-US" dirty="0" smtClean="0"/>
           </a:p>
         </p:txBody>
       </p:sp>
@@ -10308,16 +10657,7 @@
                 </a:solidFill>
                 <a:latin typeface="Comic Sans MS" pitchFamily="8" charset="0"/>
               </a:rPr>
-              <a:t>of a </a:t>
-            </a:r>
-            <a:r>
-              <a:rPr lang="en-US" sz="3200" b="1" dirty="0" smtClean="0">
-                <a:solidFill>
-                  <a:schemeClr val="tx2"/>
-                </a:solidFill>
-                <a:latin typeface="Comic Sans MS" pitchFamily="8" charset="0"/>
-              </a:rPr>
-              <a:t>network</a:t>
+              <a:t>of a network</a:t>
             </a:r>
             <a:endParaRPr lang="en-US" sz="3200" b="1" dirty="0">
               <a:solidFill>
@@ -10333,13 +10673,13 @@
   <p:clrMapOvr>
     <a:masterClrMapping/>
   </p:clrMapOvr>
-  <mc:AlternateContent xmlns:mc="http://schemas.openxmlformats.org/markup-compatibility/2006">
-    <mc:Choice xmlns:p14="http://schemas.microsoft.com/office/powerpoint/2010/main" Requires="p14">
+  <mc:AlternateContent xmlns:mc="http://schemas.openxmlformats.org/markup-compatibility/2006" xmlns:p14="http://schemas.microsoft.com/office/powerpoint/2010/main">
+    <mc:Choice Requires="p14">
       <p:transition spd="slow" p14:dur="1200" advClick="0">
         <p:fade thruBlk="1"/>
       </p:transition>
     </mc:Choice>
-    <mc:Fallback>
+    <mc:Fallback xmlns="">
       <p:transition xmlns:p14="http://schemas.microsoft.com/office/powerpoint/2010/main" spd="slow" advClick="0">
         <p:fade thruBlk="1"/>
       </p:transition>
@@ -10549,7 +10889,6 @@
               <a:rPr lang="en-US" dirty="0" smtClean="0"/>
               <a:t>k-connectivity</a:t>
             </a:r>
-            <a:endParaRPr lang="en-US" dirty="0" smtClean="0"/>
           </a:p>
         </p:txBody>
       </p:sp>
@@ -10736,12 +11075,6 @@
               </a:rPr>
               <a:t>1</a:t>
             </a:r>
-            <a:endParaRPr lang="en-US" sz="3200" b="1" dirty="0" smtClean="0">
-              <a:solidFill>
-                <a:schemeClr val="tx2"/>
-              </a:solidFill>
-              <a:latin typeface="Comic Sans MS" pitchFamily="8" charset="0"/>
-            </a:endParaRPr>
           </a:p>
           <a:p>
             <a:r>
@@ -10751,7 +11084,16 @@
                 </a:solidFill>
                 <a:latin typeface="Comic Sans MS" pitchFamily="8" charset="0"/>
               </a:rPr>
-              <a:t>Cycle                </a:t>
+              <a:t>Cycle                2</a:t>
+            </a:r>
+            <a:r>
+              <a:rPr lang="en-US" sz="3200" b="1" dirty="0">
+                <a:solidFill>
+                  <a:schemeClr val="tx2"/>
+                </a:solidFill>
+                <a:latin typeface="Comic Sans MS" pitchFamily="8" charset="0"/>
+              </a:rPr>
+              <a:t>,       </a:t>
             </a:r>
             <a:r>
               <a:rPr lang="en-US" sz="3200" b="1" dirty="0" smtClean="0">
@@ -10760,17 +11102,10 @@
                 </a:solidFill>
                 <a:latin typeface="Comic Sans MS" pitchFamily="8" charset="0"/>
               </a:rPr>
-              <a:t>2</a:t>
-            </a:r>
-            <a:r>
-              <a:rPr lang="en-US" sz="3200" b="1" dirty="0">
-                <a:solidFill>
-                  <a:schemeClr val="tx2"/>
-                </a:solidFill>
-                <a:latin typeface="Comic Sans MS" pitchFamily="8" charset="0"/>
-              </a:rPr>
-              <a:t>,       </a:t>
-            </a:r>
+              <a:t>  n</a:t>
+            </a:r>
+          </a:p>
+          <a:p>
             <a:r>
               <a:rPr lang="en-US" sz="3200" b="1" dirty="0" smtClean="0">
                 <a:solidFill>
@@ -10778,36 +11113,7 @@
                 </a:solidFill>
                 <a:latin typeface="Comic Sans MS" pitchFamily="8" charset="0"/>
               </a:rPr>
-              <a:t>  n</a:t>
-            </a:r>
-          </a:p>
-          <a:p>
-            <a:r>
-              <a:rPr lang="en-US" sz="3200" b="1" dirty="0" smtClean="0">
-                <a:solidFill>
-                  <a:schemeClr val="tx2"/>
-                </a:solidFill>
-                <a:latin typeface="Comic Sans MS" pitchFamily="8" charset="0"/>
-              </a:rPr>
-              <a:t>Grid                 4,        </a:t>
-            </a:r>
-            <a:r>
-              <a:rPr lang="en-US" sz="3200" b="1" dirty="0" smtClean="0">
-                <a:solidFill>
-                  <a:schemeClr val="tx2"/>
-                </a:solidFill>
-                <a:latin typeface="Comic Sans MS" pitchFamily="8" charset="0"/>
-              </a:rPr>
-              <a:t> </a:t>
-            </a:r>
-            <a:r>
-              <a:rPr lang="en-US" sz="3200" b="1" dirty="0" smtClean="0">
-                <a:solidFill>
-                  <a:schemeClr val="tx2"/>
-                </a:solidFill>
-                <a:latin typeface="Comic Sans MS" pitchFamily="8" charset="0"/>
-              </a:rPr>
-              <a:t>2n</a:t>
+              <a:t>Grid                 4,         2n</a:t>
             </a:r>
           </a:p>
           <a:p>
@@ -11483,7 +11789,6 @@
               <a:rPr lang="en-US" dirty="0" smtClean="0"/>
               <a:t>k-connectivity</a:t>
             </a:r>
-            <a:endParaRPr lang="en-US" dirty="0" smtClean="0"/>
           </a:p>
         </p:txBody>
       </p:sp>
@@ -11796,13 +12101,13 @@
   <p:clrMapOvr>
     <a:masterClrMapping/>
   </p:clrMapOvr>
-  <mc:AlternateContent xmlns:mc="http://schemas.openxmlformats.org/markup-compatibility/2006">
-    <mc:Choice xmlns:p14="http://schemas.microsoft.com/office/powerpoint/2010/main" Requires="p14">
+  <mc:AlternateContent xmlns:mc="http://schemas.openxmlformats.org/markup-compatibility/2006" xmlns:p14="http://schemas.microsoft.com/office/powerpoint/2010/main">
+    <mc:Choice Requires="p14">
       <p:transition spd="slow" p14:dur="800" advClick="0">
         <p:fade/>
       </p:transition>
     </mc:Choice>
-    <mc:Fallback>
+    <mc:Fallback xmlns="">
       <p:transition xmlns:p14="http://schemas.microsoft.com/office/powerpoint/2010/main" spd="slow" advClick="0">
         <p:fade/>
       </p:transition>
@@ -16440,13 +16745,13 @@
   <p:clrMapOvr>
     <a:masterClrMapping/>
   </p:clrMapOvr>
-  <mc:AlternateContent xmlns:mc="http://schemas.openxmlformats.org/markup-compatibility/2006">
-    <mc:Choice xmlns:p14="http://schemas.microsoft.com/office/powerpoint/2010/main" Requires="p14">
+  <mc:AlternateContent xmlns:mc="http://schemas.openxmlformats.org/markup-compatibility/2006" xmlns:p14="http://schemas.microsoft.com/office/powerpoint/2010/main">
+    <mc:Choice Requires="p14">
       <p:transition spd="med" p14:dur="700" advClick="0">
         <p:fade/>
       </p:transition>
     </mc:Choice>
-    <mc:Fallback>
+    <mc:Fallback xmlns="">
       <p:transition xmlns:p14="http://schemas.microsoft.com/office/powerpoint/2010/main" spd="med" advClick="0">
         <p:fade/>
       </p:transition>
